--- a/MaterialUtil/Presentación.pptx
+++ b/MaterialUtil/Presentación.pptx
@@ -6,23 +6,25 @@
   </p:sldMasterIdLst>
   <p:sldIdLst>
     <p:sldId id="256" r:id="rId2"/>
-    <p:sldId id="257" r:id="rId3"/>
-    <p:sldId id="258" r:id="rId4"/>
-    <p:sldId id="259" r:id="rId5"/>
-    <p:sldId id="260" r:id="rId6"/>
-    <p:sldId id="266" r:id="rId7"/>
-    <p:sldId id="267" r:id="rId8"/>
-    <p:sldId id="261" r:id="rId9"/>
-    <p:sldId id="262" r:id="rId10"/>
-    <p:sldId id="268" r:id="rId11"/>
-    <p:sldId id="269" r:id="rId12"/>
-    <p:sldId id="270" r:id="rId13"/>
-    <p:sldId id="271" r:id="rId14"/>
-    <p:sldId id="272" r:id="rId15"/>
-    <p:sldId id="273" r:id="rId16"/>
-    <p:sldId id="274" r:id="rId17"/>
-    <p:sldId id="275" r:id="rId18"/>
-    <p:sldId id="276" r:id="rId19"/>
+    <p:sldId id="277" r:id="rId3"/>
+    <p:sldId id="257" r:id="rId4"/>
+    <p:sldId id="258" r:id="rId5"/>
+    <p:sldId id="259" r:id="rId6"/>
+    <p:sldId id="278" r:id="rId7"/>
+    <p:sldId id="260" r:id="rId8"/>
+    <p:sldId id="266" r:id="rId9"/>
+    <p:sldId id="267" r:id="rId10"/>
+    <p:sldId id="261" r:id="rId11"/>
+    <p:sldId id="262" r:id="rId12"/>
+    <p:sldId id="268" r:id="rId13"/>
+    <p:sldId id="269" r:id="rId14"/>
+    <p:sldId id="270" r:id="rId15"/>
+    <p:sldId id="271" r:id="rId16"/>
+    <p:sldId id="272" r:id="rId17"/>
+    <p:sldId id="273" r:id="rId18"/>
+    <p:sldId id="274" r:id="rId19"/>
+    <p:sldId id="275" r:id="rId20"/>
+    <p:sldId id="276" r:id="rId21"/>
   </p:sldIdLst>
   <p:sldSz cx="12192000" cy="6858000"/>
   <p:notesSz cx="6858000" cy="9144000"/>
@@ -121,6 +123,11 @@
       </a:defRPr>
     </a:lvl9pPr>
   </p:defaultTextStyle>
+  <p:extLst>
+    <p:ext uri="{EFAFB233-063F-42B5-8137-9DF3F51BA10A}">
+      <p15:sldGuideLst xmlns:p15="http://schemas.microsoft.com/office/powerpoint/2012/main"/>
+    </p:ext>
+  </p:extLst>
 </p:presentation>
 </file>
 
@@ -273,7 +280,7 @@
           <a:p>
             <a:fld id="{D64F5BD8-1FB7-488C-8DEC-35A5FA116E8B}" type="datetimeFigureOut">
               <a:rPr lang="es-AR" smtClean="0"/>
-              <a:t>7/7/2023</a:t>
+              <a:t>9/7/2023</a:t>
             </a:fld>
             <a:endParaRPr lang="es-AR"/>
           </a:p>
@@ -473,7 +480,7 @@
           <a:p>
             <a:fld id="{D64F5BD8-1FB7-488C-8DEC-35A5FA116E8B}" type="datetimeFigureOut">
               <a:rPr lang="es-AR" smtClean="0"/>
-              <a:t>7/7/2023</a:t>
+              <a:t>9/7/2023</a:t>
             </a:fld>
             <a:endParaRPr lang="es-AR"/>
           </a:p>
@@ -683,7 +690,7 @@
           <a:p>
             <a:fld id="{D64F5BD8-1FB7-488C-8DEC-35A5FA116E8B}" type="datetimeFigureOut">
               <a:rPr lang="es-AR" smtClean="0"/>
-              <a:t>7/7/2023</a:t>
+              <a:t>9/7/2023</a:t>
             </a:fld>
             <a:endParaRPr lang="es-AR"/>
           </a:p>
@@ -883,7 +890,7 @@
           <a:p>
             <a:fld id="{D64F5BD8-1FB7-488C-8DEC-35A5FA116E8B}" type="datetimeFigureOut">
               <a:rPr lang="es-AR" smtClean="0"/>
-              <a:t>7/7/2023</a:t>
+              <a:t>9/7/2023</a:t>
             </a:fld>
             <a:endParaRPr lang="es-AR"/>
           </a:p>
@@ -1159,7 +1166,7 @@
           <a:p>
             <a:fld id="{D64F5BD8-1FB7-488C-8DEC-35A5FA116E8B}" type="datetimeFigureOut">
               <a:rPr lang="es-AR" smtClean="0"/>
-              <a:t>7/7/2023</a:t>
+              <a:t>9/7/2023</a:t>
             </a:fld>
             <a:endParaRPr lang="es-AR"/>
           </a:p>
@@ -1427,7 +1434,7 @@
           <a:p>
             <a:fld id="{D64F5BD8-1FB7-488C-8DEC-35A5FA116E8B}" type="datetimeFigureOut">
               <a:rPr lang="es-AR" smtClean="0"/>
-              <a:t>7/7/2023</a:t>
+              <a:t>9/7/2023</a:t>
             </a:fld>
             <a:endParaRPr lang="es-AR"/>
           </a:p>
@@ -1842,7 +1849,7 @@
           <a:p>
             <a:fld id="{D64F5BD8-1FB7-488C-8DEC-35A5FA116E8B}" type="datetimeFigureOut">
               <a:rPr lang="es-AR" smtClean="0"/>
-              <a:t>7/7/2023</a:t>
+              <a:t>9/7/2023</a:t>
             </a:fld>
             <a:endParaRPr lang="es-AR"/>
           </a:p>
@@ -1984,7 +1991,7 @@
           <a:p>
             <a:fld id="{D64F5BD8-1FB7-488C-8DEC-35A5FA116E8B}" type="datetimeFigureOut">
               <a:rPr lang="es-AR" smtClean="0"/>
-              <a:t>7/7/2023</a:t>
+              <a:t>9/7/2023</a:t>
             </a:fld>
             <a:endParaRPr lang="es-AR"/>
           </a:p>
@@ -2097,7 +2104,7 @@
           <a:p>
             <a:fld id="{D64F5BD8-1FB7-488C-8DEC-35A5FA116E8B}" type="datetimeFigureOut">
               <a:rPr lang="es-AR" smtClean="0"/>
-              <a:t>7/7/2023</a:t>
+              <a:t>9/7/2023</a:t>
             </a:fld>
             <a:endParaRPr lang="es-AR"/>
           </a:p>
@@ -2410,7 +2417,7 @@
           <a:p>
             <a:fld id="{D64F5BD8-1FB7-488C-8DEC-35A5FA116E8B}" type="datetimeFigureOut">
               <a:rPr lang="es-AR" smtClean="0"/>
-              <a:t>7/7/2023</a:t>
+              <a:t>9/7/2023</a:t>
             </a:fld>
             <a:endParaRPr lang="es-AR"/>
           </a:p>
@@ -2699,7 +2706,7 @@
           <a:p>
             <a:fld id="{D64F5BD8-1FB7-488C-8DEC-35A5FA116E8B}" type="datetimeFigureOut">
               <a:rPr lang="es-AR" smtClean="0"/>
-              <a:t>7/7/2023</a:t>
+              <a:t>9/7/2023</a:t>
             </a:fld>
             <a:endParaRPr lang="es-AR"/>
           </a:p>
@@ -2942,7 +2949,7 @@
           <a:p>
             <a:fld id="{D64F5BD8-1FB7-488C-8DEC-35A5FA116E8B}" type="datetimeFigureOut">
               <a:rPr lang="es-AR" smtClean="0"/>
-              <a:t>7/7/2023</a:t>
+              <a:t>9/7/2023</a:t>
             </a:fld>
             <a:endParaRPr lang="es-AR"/>
           </a:p>
@@ -3655,10 +3662,10 @@
       </p:grpSpPr>
       <p:sp>
         <p:nvSpPr>
-          <p:cNvPr id="4" name="Subtítulo 6">
-            <a:extLst>
-              <a:ext uri="{FF2B5EF4-FFF2-40B4-BE49-F238E27FC236}">
-                <a16:creationId xmlns:a16="http://schemas.microsoft.com/office/drawing/2014/main" id="{2B71E6F2-1E12-2CC8-1A79-11BE6A720CDF}"/>
+          <p:cNvPr id="3" name="Subtítulo 6">
+            <a:extLst>
+              <a:ext uri="{FF2B5EF4-FFF2-40B4-BE49-F238E27FC236}">
+                <a16:creationId xmlns:a16="http://schemas.microsoft.com/office/drawing/2014/main" id="{BECDE419-6E25-7CE8-B6CF-A100CA2AE53D}"/>
               </a:ext>
             </a:extLst>
           </p:cNvPr>
@@ -3851,7 +3858,7 @@
                 <a:ea typeface="Calibri" panose="020F0502020204030204" pitchFamily="34" charset="0"/>
                 <a:cs typeface="Arial" panose="020B0604020202020204" pitchFamily="34" charset="0"/>
               </a:rPr>
-              <a:t>Clásico de Rosario</a:t>
+              <a:t>Determinación de la localía</a:t>
             </a:r>
           </a:p>
           <a:p>
@@ -3861,183 +3868,52 @@
               <a:cs typeface="Arial" panose="020B0604020202020204" pitchFamily="34" charset="0"/>
             </a:endParaRPr>
           </a:p>
+          <a:p>
+            <a:r>
+              <a:rPr lang="es-MX" sz="3900" kern="100" dirty="0">
+                <a:latin typeface="Calibri" panose="020F0502020204030204" pitchFamily="34" charset="0"/>
+                <a:cs typeface="Arial" panose="020B0604020202020204" pitchFamily="34" charset="0"/>
+              </a:rPr>
+              <a:t>Comparamos las distancias recorridas</a:t>
+            </a:r>
+          </a:p>
+          <a:p>
+            <a:r>
+              <a:rPr lang="es-MX" sz="3900" kern="100" dirty="0">
+                <a:latin typeface="Calibri" panose="020F0502020204030204" pitchFamily="34" charset="0"/>
+                <a:cs typeface="Arial" panose="020B0604020202020204" pitchFamily="34" charset="0"/>
+              </a:rPr>
+              <a:t>hasta ese encuentro</a:t>
+            </a:r>
+          </a:p>
+          <a:p>
+            <a:r>
+              <a:rPr lang="es-MX" sz="3900" kern="100" dirty="0">
+                <a:latin typeface="Calibri" panose="020F0502020204030204" pitchFamily="34" charset="0"/>
+                <a:cs typeface="Arial" panose="020B0604020202020204" pitchFamily="34" charset="0"/>
+              </a:rPr>
+              <a:t>El equipo que haya recorrido la mayor cantidad de km</a:t>
+            </a:r>
+          </a:p>
+          <a:p>
+            <a:r>
+              <a:rPr lang="es-MX" sz="3900" kern="100" dirty="0">
+                <a:latin typeface="Calibri" panose="020F0502020204030204" pitchFamily="34" charset="0"/>
+                <a:cs typeface="Arial" panose="020B0604020202020204" pitchFamily="34" charset="0"/>
+              </a:rPr>
+              <a:t>será designado como local</a:t>
+            </a:r>
+            <a:endParaRPr lang="es-AR" sz="3900" kern="100" dirty="0">
+              <a:latin typeface="Calibri" panose="020F0502020204030204" pitchFamily="34" charset="0"/>
+              <a:cs typeface="Arial" panose="020B0604020202020204" pitchFamily="34" charset="0"/>
+            </a:endParaRPr>
+          </a:p>
         </p:txBody>
       </p:sp>
-      <p:grpSp>
-        <p:nvGrpSpPr>
-          <p:cNvPr id="13" name="Grupo 12">
-            <a:extLst>
-              <a:ext uri="{FF2B5EF4-FFF2-40B4-BE49-F238E27FC236}">
-                <a16:creationId xmlns:a16="http://schemas.microsoft.com/office/drawing/2014/main" id="{656313E1-D4D1-C31E-834C-595E8454A681}"/>
-              </a:ext>
-            </a:extLst>
-          </p:cNvPr>
-          <p:cNvGrpSpPr/>
-          <p:nvPr/>
-        </p:nvGrpSpPr>
-        <p:grpSpPr>
-          <a:xfrm>
-            <a:off x="313030" y="2126566"/>
-            <a:ext cx="5443486" cy="3977086"/>
-            <a:chOff x="1076848" y="2596242"/>
-            <a:chExt cx="4648618" cy="3396343"/>
-          </a:xfrm>
-        </p:grpSpPr>
-        <p:pic>
-          <p:nvPicPr>
-            <p:cNvPr id="10" name="Imagen 9">
-              <a:extLst>
-                <a:ext uri="{FF2B5EF4-FFF2-40B4-BE49-F238E27FC236}">
-                  <a16:creationId xmlns:a16="http://schemas.microsoft.com/office/drawing/2014/main" id="{6DE344A9-3B19-C486-3306-F235B6A9F47E}"/>
-                </a:ext>
-              </a:extLst>
-            </p:cNvPr>
-            <p:cNvPicPr>
-              <a:picLocks noChangeAspect="1"/>
-            </p:cNvPicPr>
-            <p:nvPr/>
-          </p:nvPicPr>
-          <p:blipFill rotWithShape="1">
-            <a:blip r:embed="rId2">
-              <a:extLst>
-                <a:ext uri="{28A0092B-C50C-407E-A947-70E740481C1C}">
-                  <a14:useLocalDpi xmlns:a14="http://schemas.microsoft.com/office/drawing/2010/main" val="0"/>
-                </a:ext>
-              </a:extLst>
-            </a:blip>
-            <a:srcRect r="49771" b="50476"/>
-            <a:stretch/>
-          </p:blipFill>
-          <p:spPr>
-            <a:xfrm>
-              <a:off x="1076848" y="2596242"/>
-              <a:ext cx="2384809" cy="3396343"/>
-            </a:xfrm>
-            <a:prstGeom prst="rect">
-              <a:avLst/>
-            </a:prstGeom>
-          </p:spPr>
-        </p:pic>
-        <p:pic>
-          <p:nvPicPr>
-            <p:cNvPr id="12" name="Imagen 11" descr="Tabla&#10;&#10;Descripción generada automáticamente">
-              <a:extLst>
-                <a:ext uri="{FF2B5EF4-FFF2-40B4-BE49-F238E27FC236}">
-                  <a16:creationId xmlns:a16="http://schemas.microsoft.com/office/drawing/2014/main" id="{3B0A095D-4848-C124-4670-D5B941993AB5}"/>
-                </a:ext>
-              </a:extLst>
-            </p:cNvPr>
-            <p:cNvPicPr>
-              <a:picLocks noChangeAspect="1"/>
-            </p:cNvPicPr>
-            <p:nvPr/>
-          </p:nvPicPr>
-          <p:blipFill rotWithShape="1">
-            <a:blip r:embed="rId3"/>
-            <a:srcRect r="59156"/>
-            <a:stretch/>
-          </p:blipFill>
-          <p:spPr>
-            <a:xfrm>
-              <a:off x="3543907" y="2740724"/>
-              <a:ext cx="2181559" cy="3251861"/>
-            </a:xfrm>
-            <a:prstGeom prst="rect">
-              <a:avLst/>
-            </a:prstGeom>
-          </p:spPr>
-        </p:pic>
-      </p:grpSp>
-      <p:grpSp>
-        <p:nvGrpSpPr>
-          <p:cNvPr id="23" name="Grupo 22">
-            <a:extLst>
-              <a:ext uri="{FF2B5EF4-FFF2-40B4-BE49-F238E27FC236}">
-                <a16:creationId xmlns:a16="http://schemas.microsoft.com/office/drawing/2014/main" id="{85D4BC41-D714-5B30-BDA8-F79144816779}"/>
-              </a:ext>
-            </a:extLst>
-          </p:cNvPr>
-          <p:cNvGrpSpPr/>
-          <p:nvPr/>
-        </p:nvGrpSpPr>
-        <p:grpSpPr>
-          <a:xfrm>
-            <a:off x="6435486" y="2292390"/>
-            <a:ext cx="4695828" cy="3923808"/>
-            <a:chOff x="6707485" y="2550224"/>
-            <a:chExt cx="4010134" cy="3350846"/>
-          </a:xfrm>
-        </p:grpSpPr>
-        <p:pic>
-          <p:nvPicPr>
-            <p:cNvPr id="11" name="Imagen 10">
-              <a:extLst>
-                <a:ext uri="{FF2B5EF4-FFF2-40B4-BE49-F238E27FC236}">
-                  <a16:creationId xmlns:a16="http://schemas.microsoft.com/office/drawing/2014/main" id="{0502C4AC-EA0E-ED24-ACCC-2C13BF98ABAB}"/>
-                </a:ext>
-              </a:extLst>
-            </p:cNvPr>
-            <p:cNvPicPr>
-              <a:picLocks noChangeAspect="1"/>
-            </p:cNvPicPr>
-            <p:nvPr/>
-          </p:nvPicPr>
-          <p:blipFill rotWithShape="1">
-            <a:blip r:embed="rId2">
-              <a:extLst>
-                <a:ext uri="{28A0092B-C50C-407E-A947-70E740481C1C}">
-                  <a14:useLocalDpi xmlns:a14="http://schemas.microsoft.com/office/drawing/2010/main" val="0"/>
-                </a:ext>
-              </a:extLst>
-            </a:blip>
-            <a:srcRect l="49770" t="1832" b="49308"/>
-            <a:stretch/>
-          </p:blipFill>
-          <p:spPr>
-            <a:xfrm>
-              <a:off x="6707485" y="2550224"/>
-              <a:ext cx="2384810" cy="3350846"/>
-            </a:xfrm>
-            <a:prstGeom prst="rect">
-              <a:avLst/>
-            </a:prstGeom>
-          </p:spPr>
-        </p:pic>
-        <p:pic>
-          <p:nvPicPr>
-            <p:cNvPr id="20" name="Imagen 19">
-              <a:extLst>
-                <a:ext uri="{FF2B5EF4-FFF2-40B4-BE49-F238E27FC236}">
-                  <a16:creationId xmlns:a16="http://schemas.microsoft.com/office/drawing/2014/main" id="{2B68B4FD-5D78-D571-680B-AA24785341E0}"/>
-                </a:ext>
-              </a:extLst>
-            </p:cNvPr>
-            <p:cNvPicPr>
-              <a:picLocks noChangeAspect="1"/>
-            </p:cNvPicPr>
-            <p:nvPr/>
-          </p:nvPicPr>
-          <p:blipFill>
-            <a:blip r:embed="rId4"/>
-            <a:stretch>
-              <a:fillRect/>
-            </a:stretch>
-          </p:blipFill>
-          <p:spPr>
-            <a:xfrm>
-              <a:off x="8730716" y="2550224"/>
-              <a:ext cx="1986903" cy="3279198"/>
-            </a:xfrm>
-            <a:prstGeom prst="rect">
-              <a:avLst/>
-            </a:prstGeom>
-          </p:spPr>
-        </p:pic>
-      </p:grpSp>
     </p:spTree>
     <p:extLst>
       <p:ext uri="{BB962C8B-B14F-4D97-AF65-F5344CB8AC3E}">
-        <p14:creationId xmlns:p14="http://schemas.microsoft.com/office/powerpoint/2010/main" val="4020988848"/>
+        <p14:creationId xmlns:p14="http://schemas.microsoft.com/office/powerpoint/2010/main" val="4253860371"/>
       </p:ext>
     </p:extLst>
   </p:cSld>
@@ -4274,12 +4150,1100 @@
           </a:p>
         </p:txBody>
       </p:sp>
+      <p:pic>
+        <p:nvPicPr>
+          <p:cNvPr id="6" name="Imagen 5">
+            <a:extLst>
+              <a:ext uri="{FF2B5EF4-FFF2-40B4-BE49-F238E27FC236}">
+                <a16:creationId xmlns:a16="http://schemas.microsoft.com/office/drawing/2014/main" id="{5B1BC907-0B5C-67C6-1993-DA2FF969E901}"/>
+              </a:ext>
+            </a:extLst>
+          </p:cNvPr>
+          <p:cNvPicPr>
+            <a:picLocks noChangeAspect="1"/>
+          </p:cNvPicPr>
+          <p:nvPr/>
+        </p:nvPicPr>
+        <p:blipFill>
+          <a:blip r:embed="rId2">
+            <a:extLst>
+              <a:ext uri="{28A0092B-C50C-407E-A947-70E740481C1C}">
+                <a14:useLocalDpi xmlns:a14="http://schemas.microsoft.com/office/drawing/2010/main" val="0"/>
+              </a:ext>
+            </a:extLst>
+          </a:blip>
+          <a:stretch>
+            <a:fillRect/>
+          </a:stretch>
+        </p:blipFill>
+        <p:spPr>
+          <a:xfrm>
+            <a:off x="3179775" y="2526989"/>
+            <a:ext cx="2333056" cy="2725994"/>
+          </a:xfrm>
+          <a:prstGeom prst="rect">
+            <a:avLst/>
+          </a:prstGeom>
+        </p:spPr>
+      </p:pic>
+      <p:pic>
+        <p:nvPicPr>
+          <p:cNvPr id="9" name="Imagen 8">
+            <a:extLst>
+              <a:ext uri="{FF2B5EF4-FFF2-40B4-BE49-F238E27FC236}">
+                <a16:creationId xmlns:a16="http://schemas.microsoft.com/office/drawing/2014/main" id="{2985571B-CFC1-6791-FA33-26E1C3B10616}"/>
+              </a:ext>
+            </a:extLst>
+          </p:cNvPr>
+          <p:cNvPicPr>
+            <a:picLocks noChangeAspect="1"/>
+          </p:cNvPicPr>
+          <p:nvPr/>
+        </p:nvPicPr>
+        <p:blipFill>
+          <a:blip r:embed="rId3">
+            <a:extLst>
+              <a:ext uri="{28A0092B-C50C-407E-A947-70E740481C1C}">
+                <a14:useLocalDpi xmlns:a14="http://schemas.microsoft.com/office/drawing/2010/main" val="0"/>
+              </a:ext>
+            </a:extLst>
+          </a:blip>
+          <a:stretch>
+            <a:fillRect/>
+          </a:stretch>
+        </p:blipFill>
+        <p:spPr>
+          <a:xfrm>
+            <a:off x="6679171" y="2637502"/>
+            <a:ext cx="2087472" cy="2504968"/>
+          </a:xfrm>
+          <a:prstGeom prst="rect">
+            <a:avLst/>
+          </a:prstGeom>
+        </p:spPr>
+      </p:pic>
+      <p:sp>
+        <p:nvSpPr>
+          <p:cNvPr id="14" name="Subtítulo 6">
+            <a:extLst>
+              <a:ext uri="{FF2B5EF4-FFF2-40B4-BE49-F238E27FC236}">
+                <a16:creationId xmlns:a16="http://schemas.microsoft.com/office/drawing/2014/main" id="{ED186483-7F9C-B235-64E4-85C26EB07F5D}"/>
+              </a:ext>
+            </a:extLst>
+          </p:cNvPr>
+          <p:cNvSpPr txBox="1">
+            <a:spLocks/>
+          </p:cNvSpPr>
+          <p:nvPr/>
+        </p:nvSpPr>
+        <p:spPr>
+          <a:xfrm>
+            <a:off x="103163" y="5523897"/>
+            <a:ext cx="11985674" cy="4417758"/>
+          </a:xfrm>
+          <a:prstGeom prst="rect">
+            <a:avLst/>
+          </a:prstGeom>
+        </p:spPr>
+        <p:txBody>
+          <a:bodyPr vert="horz" lIns="91440" tIns="45720" rIns="91440" bIns="45720" rtlCol="0">
+            <a:normAutofit/>
+          </a:bodyPr>
+          <a:lstStyle>
+            <a:lvl1pPr marL="0" indent="0" algn="ctr" defTabSz="914400" rtl="0" eaLnBrk="1" latinLnBrk="0" hangingPunct="1">
+              <a:lnSpc>
+                <a:spcPct val="90000"/>
+              </a:lnSpc>
+              <a:spcBef>
+                <a:spcPts val="1000"/>
+              </a:spcBef>
+              <a:buFont typeface="Arial" panose="020B0604020202020204" pitchFamily="34" charset="0"/>
+              <a:buNone/>
+              <a:defRPr sz="2400" kern="1200">
+                <a:solidFill>
+                  <a:schemeClr val="tx1"/>
+                </a:solidFill>
+                <a:latin typeface="+mn-lt"/>
+                <a:ea typeface="+mn-ea"/>
+                <a:cs typeface="+mn-cs"/>
+              </a:defRPr>
+            </a:lvl1pPr>
+            <a:lvl2pPr marL="457200" indent="0" algn="ctr" defTabSz="914400" rtl="0" eaLnBrk="1" latinLnBrk="0" hangingPunct="1">
+              <a:lnSpc>
+                <a:spcPct val="90000"/>
+              </a:lnSpc>
+              <a:spcBef>
+                <a:spcPts val="500"/>
+              </a:spcBef>
+              <a:buFont typeface="Arial" panose="020B0604020202020204" pitchFamily="34" charset="0"/>
+              <a:buNone/>
+              <a:defRPr sz="2000" kern="1200">
+                <a:solidFill>
+                  <a:schemeClr val="tx1"/>
+                </a:solidFill>
+                <a:latin typeface="+mn-lt"/>
+                <a:ea typeface="+mn-ea"/>
+                <a:cs typeface="+mn-cs"/>
+              </a:defRPr>
+            </a:lvl2pPr>
+            <a:lvl3pPr marL="914400" indent="0" algn="ctr" defTabSz="914400" rtl="0" eaLnBrk="1" latinLnBrk="0" hangingPunct="1">
+              <a:lnSpc>
+                <a:spcPct val="90000"/>
+              </a:lnSpc>
+              <a:spcBef>
+                <a:spcPts val="500"/>
+              </a:spcBef>
+              <a:buFont typeface="Arial" panose="020B0604020202020204" pitchFamily="34" charset="0"/>
+              <a:buNone/>
+              <a:defRPr sz="1800" kern="1200">
+                <a:solidFill>
+                  <a:schemeClr val="tx1"/>
+                </a:solidFill>
+                <a:latin typeface="+mn-lt"/>
+                <a:ea typeface="+mn-ea"/>
+                <a:cs typeface="+mn-cs"/>
+              </a:defRPr>
+            </a:lvl3pPr>
+            <a:lvl4pPr marL="1371600" indent="0" algn="ctr" defTabSz="914400" rtl="0" eaLnBrk="1" latinLnBrk="0" hangingPunct="1">
+              <a:lnSpc>
+                <a:spcPct val="90000"/>
+              </a:lnSpc>
+              <a:spcBef>
+                <a:spcPts val="500"/>
+              </a:spcBef>
+              <a:buFont typeface="Arial" panose="020B0604020202020204" pitchFamily="34" charset="0"/>
+              <a:buNone/>
+              <a:defRPr sz="1600" kern="1200">
+                <a:solidFill>
+                  <a:schemeClr val="tx1"/>
+                </a:solidFill>
+                <a:latin typeface="+mn-lt"/>
+                <a:ea typeface="+mn-ea"/>
+                <a:cs typeface="+mn-cs"/>
+              </a:defRPr>
+            </a:lvl4pPr>
+            <a:lvl5pPr marL="1828800" indent="0" algn="ctr" defTabSz="914400" rtl="0" eaLnBrk="1" latinLnBrk="0" hangingPunct="1">
+              <a:lnSpc>
+                <a:spcPct val="90000"/>
+              </a:lnSpc>
+              <a:spcBef>
+                <a:spcPts val="500"/>
+              </a:spcBef>
+              <a:buFont typeface="Arial" panose="020B0604020202020204" pitchFamily="34" charset="0"/>
+              <a:buNone/>
+              <a:defRPr sz="1600" kern="1200">
+                <a:solidFill>
+                  <a:schemeClr val="tx1"/>
+                </a:solidFill>
+                <a:latin typeface="+mn-lt"/>
+                <a:ea typeface="+mn-ea"/>
+                <a:cs typeface="+mn-cs"/>
+              </a:defRPr>
+            </a:lvl5pPr>
+            <a:lvl6pPr marL="2286000" indent="0" algn="ctr" defTabSz="914400" rtl="0" eaLnBrk="1" latinLnBrk="0" hangingPunct="1">
+              <a:lnSpc>
+                <a:spcPct val="90000"/>
+              </a:lnSpc>
+              <a:spcBef>
+                <a:spcPts val="500"/>
+              </a:spcBef>
+              <a:buFont typeface="Arial" panose="020B0604020202020204" pitchFamily="34" charset="0"/>
+              <a:buNone/>
+              <a:defRPr sz="1600" kern="1200">
+                <a:solidFill>
+                  <a:schemeClr val="tx1"/>
+                </a:solidFill>
+                <a:latin typeface="+mn-lt"/>
+                <a:ea typeface="+mn-ea"/>
+                <a:cs typeface="+mn-cs"/>
+              </a:defRPr>
+            </a:lvl6pPr>
+            <a:lvl7pPr marL="2743200" indent="0" algn="ctr" defTabSz="914400" rtl="0" eaLnBrk="1" latinLnBrk="0" hangingPunct="1">
+              <a:lnSpc>
+                <a:spcPct val="90000"/>
+              </a:lnSpc>
+              <a:spcBef>
+                <a:spcPts val="500"/>
+              </a:spcBef>
+              <a:buFont typeface="Arial" panose="020B0604020202020204" pitchFamily="34" charset="0"/>
+              <a:buNone/>
+              <a:defRPr sz="1600" kern="1200">
+                <a:solidFill>
+                  <a:schemeClr val="tx1"/>
+                </a:solidFill>
+                <a:latin typeface="+mn-lt"/>
+                <a:ea typeface="+mn-ea"/>
+                <a:cs typeface="+mn-cs"/>
+              </a:defRPr>
+            </a:lvl7pPr>
+            <a:lvl8pPr marL="3200400" indent="0" algn="ctr" defTabSz="914400" rtl="0" eaLnBrk="1" latinLnBrk="0" hangingPunct="1">
+              <a:lnSpc>
+                <a:spcPct val="90000"/>
+              </a:lnSpc>
+              <a:spcBef>
+                <a:spcPts val="500"/>
+              </a:spcBef>
+              <a:buFont typeface="Arial" panose="020B0604020202020204" pitchFamily="34" charset="0"/>
+              <a:buNone/>
+              <a:defRPr sz="1600" kern="1200">
+                <a:solidFill>
+                  <a:schemeClr val="tx1"/>
+                </a:solidFill>
+                <a:latin typeface="+mn-lt"/>
+                <a:ea typeface="+mn-ea"/>
+                <a:cs typeface="+mn-cs"/>
+              </a:defRPr>
+            </a:lvl8pPr>
+            <a:lvl9pPr marL="3657600" indent="0" algn="ctr" defTabSz="914400" rtl="0" eaLnBrk="1" latinLnBrk="0" hangingPunct="1">
+              <a:lnSpc>
+                <a:spcPct val="90000"/>
+              </a:lnSpc>
+              <a:spcBef>
+                <a:spcPts val="500"/>
+              </a:spcBef>
+              <a:buFont typeface="Arial" panose="020B0604020202020204" pitchFamily="34" charset="0"/>
+              <a:buNone/>
+              <a:defRPr sz="1600" kern="1200">
+                <a:solidFill>
+                  <a:schemeClr val="tx1"/>
+                </a:solidFill>
+                <a:latin typeface="+mn-lt"/>
+                <a:ea typeface="+mn-ea"/>
+                <a:cs typeface="+mn-cs"/>
+              </a:defRPr>
+            </a:lvl9pPr>
+          </a:lstStyle>
+          <a:p>
+            <a:r>
+              <a:rPr lang="es-AR" sz="3200" kern="100" dirty="0">
+                <a:latin typeface="Calibri" panose="020F0502020204030204" pitchFamily="34" charset="0"/>
+                <a:ea typeface="Calibri" panose="020F0502020204030204" pitchFamily="34" charset="0"/>
+                <a:cs typeface="Arial" panose="020B0604020202020204" pitchFamily="34" charset="0"/>
+              </a:rPr>
+              <a:t>Fecha 7</a:t>
+            </a:r>
+          </a:p>
+          <a:p>
+            <a:endParaRPr lang="es-AR" sz="5400" b="1" kern="100" dirty="0">
+              <a:latin typeface="Calibri" panose="020F0502020204030204" pitchFamily="34" charset="0"/>
+              <a:ea typeface="Calibri" panose="020F0502020204030204" pitchFamily="34" charset="0"/>
+              <a:cs typeface="Arial" panose="020B0604020202020204" pitchFamily="34" charset="0"/>
+            </a:endParaRPr>
+          </a:p>
+        </p:txBody>
+      </p:sp>
+    </p:spTree>
+    <p:extLst>
+      <p:ext uri="{BB962C8B-B14F-4D97-AF65-F5344CB8AC3E}">
+        <p14:creationId xmlns:p14="http://schemas.microsoft.com/office/powerpoint/2010/main" val="4105214199"/>
+      </p:ext>
+    </p:extLst>
+  </p:cSld>
+  <p:clrMapOvr>
+    <a:masterClrMapping/>
+  </p:clrMapOvr>
+</p:sld>
+</file>
+
+<file path=ppt/slides/slide12.xml><?xml version="1.0" encoding="utf-8"?>
+<p:sld xmlns:a="http://schemas.openxmlformats.org/drawingml/2006/main" xmlns:r="http://schemas.openxmlformats.org/officeDocument/2006/relationships" xmlns:p="http://schemas.openxmlformats.org/presentationml/2006/main">
+  <p:cSld>
+    <p:spTree>
+      <p:nvGrpSpPr>
+        <p:cNvPr id="1" name=""/>
+        <p:cNvGrpSpPr/>
+        <p:nvPr/>
+      </p:nvGrpSpPr>
+      <p:grpSpPr>
+        <a:xfrm>
+          <a:off x="0" y="0"/>
+          <a:ext cx="0" cy="0"/>
+          <a:chOff x="0" y="0"/>
+          <a:chExt cx="0" cy="0"/>
+        </a:xfrm>
+      </p:grpSpPr>
+      <p:sp>
+        <p:nvSpPr>
+          <p:cNvPr id="4" name="Subtítulo 6">
+            <a:extLst>
+              <a:ext uri="{FF2B5EF4-FFF2-40B4-BE49-F238E27FC236}">
+                <a16:creationId xmlns:a16="http://schemas.microsoft.com/office/drawing/2014/main" id="{2B71E6F2-1E12-2CC8-1A79-11BE6A720CDF}"/>
+              </a:ext>
+            </a:extLst>
+          </p:cNvPr>
+          <p:cNvSpPr txBox="1">
+            <a:spLocks/>
+          </p:cNvSpPr>
+          <p:nvPr/>
+        </p:nvSpPr>
+        <p:spPr>
+          <a:xfrm>
+            <a:off x="103163" y="1220121"/>
+            <a:ext cx="11985674" cy="4417758"/>
+          </a:xfrm>
+          <a:prstGeom prst="rect">
+            <a:avLst/>
+          </a:prstGeom>
+        </p:spPr>
+        <p:txBody>
+          <a:bodyPr vert="horz" lIns="91440" tIns="45720" rIns="91440" bIns="45720" rtlCol="0">
+            <a:normAutofit/>
+          </a:bodyPr>
+          <a:lstStyle>
+            <a:lvl1pPr marL="0" indent="0" algn="ctr" defTabSz="914400" rtl="0" eaLnBrk="1" latinLnBrk="0" hangingPunct="1">
+              <a:lnSpc>
+                <a:spcPct val="90000"/>
+              </a:lnSpc>
+              <a:spcBef>
+                <a:spcPts val="1000"/>
+              </a:spcBef>
+              <a:buFont typeface="Arial" panose="020B0604020202020204" pitchFamily="34" charset="0"/>
+              <a:buNone/>
+              <a:defRPr sz="2400" kern="1200">
+                <a:solidFill>
+                  <a:schemeClr val="tx1"/>
+                </a:solidFill>
+                <a:latin typeface="+mn-lt"/>
+                <a:ea typeface="+mn-ea"/>
+                <a:cs typeface="+mn-cs"/>
+              </a:defRPr>
+            </a:lvl1pPr>
+            <a:lvl2pPr marL="457200" indent="0" algn="ctr" defTabSz="914400" rtl="0" eaLnBrk="1" latinLnBrk="0" hangingPunct="1">
+              <a:lnSpc>
+                <a:spcPct val="90000"/>
+              </a:lnSpc>
+              <a:spcBef>
+                <a:spcPts val="500"/>
+              </a:spcBef>
+              <a:buFont typeface="Arial" panose="020B0604020202020204" pitchFamily="34" charset="0"/>
+              <a:buNone/>
+              <a:defRPr sz="2000" kern="1200">
+                <a:solidFill>
+                  <a:schemeClr val="tx1"/>
+                </a:solidFill>
+                <a:latin typeface="+mn-lt"/>
+                <a:ea typeface="+mn-ea"/>
+                <a:cs typeface="+mn-cs"/>
+              </a:defRPr>
+            </a:lvl2pPr>
+            <a:lvl3pPr marL="914400" indent="0" algn="ctr" defTabSz="914400" rtl="0" eaLnBrk="1" latinLnBrk="0" hangingPunct="1">
+              <a:lnSpc>
+                <a:spcPct val="90000"/>
+              </a:lnSpc>
+              <a:spcBef>
+                <a:spcPts val="500"/>
+              </a:spcBef>
+              <a:buFont typeface="Arial" panose="020B0604020202020204" pitchFamily="34" charset="0"/>
+              <a:buNone/>
+              <a:defRPr sz="1800" kern="1200">
+                <a:solidFill>
+                  <a:schemeClr val="tx1"/>
+                </a:solidFill>
+                <a:latin typeface="+mn-lt"/>
+                <a:ea typeface="+mn-ea"/>
+                <a:cs typeface="+mn-cs"/>
+              </a:defRPr>
+            </a:lvl3pPr>
+            <a:lvl4pPr marL="1371600" indent="0" algn="ctr" defTabSz="914400" rtl="0" eaLnBrk="1" latinLnBrk="0" hangingPunct="1">
+              <a:lnSpc>
+                <a:spcPct val="90000"/>
+              </a:lnSpc>
+              <a:spcBef>
+                <a:spcPts val="500"/>
+              </a:spcBef>
+              <a:buFont typeface="Arial" panose="020B0604020202020204" pitchFamily="34" charset="0"/>
+              <a:buNone/>
+              <a:defRPr sz="1600" kern="1200">
+                <a:solidFill>
+                  <a:schemeClr val="tx1"/>
+                </a:solidFill>
+                <a:latin typeface="+mn-lt"/>
+                <a:ea typeface="+mn-ea"/>
+                <a:cs typeface="+mn-cs"/>
+              </a:defRPr>
+            </a:lvl4pPr>
+            <a:lvl5pPr marL="1828800" indent="0" algn="ctr" defTabSz="914400" rtl="0" eaLnBrk="1" latinLnBrk="0" hangingPunct="1">
+              <a:lnSpc>
+                <a:spcPct val="90000"/>
+              </a:lnSpc>
+              <a:spcBef>
+                <a:spcPts val="500"/>
+              </a:spcBef>
+              <a:buFont typeface="Arial" panose="020B0604020202020204" pitchFamily="34" charset="0"/>
+              <a:buNone/>
+              <a:defRPr sz="1600" kern="1200">
+                <a:solidFill>
+                  <a:schemeClr val="tx1"/>
+                </a:solidFill>
+                <a:latin typeface="+mn-lt"/>
+                <a:ea typeface="+mn-ea"/>
+                <a:cs typeface="+mn-cs"/>
+              </a:defRPr>
+            </a:lvl5pPr>
+            <a:lvl6pPr marL="2286000" indent="0" algn="ctr" defTabSz="914400" rtl="0" eaLnBrk="1" latinLnBrk="0" hangingPunct="1">
+              <a:lnSpc>
+                <a:spcPct val="90000"/>
+              </a:lnSpc>
+              <a:spcBef>
+                <a:spcPts val="500"/>
+              </a:spcBef>
+              <a:buFont typeface="Arial" panose="020B0604020202020204" pitchFamily="34" charset="0"/>
+              <a:buNone/>
+              <a:defRPr sz="1600" kern="1200">
+                <a:solidFill>
+                  <a:schemeClr val="tx1"/>
+                </a:solidFill>
+                <a:latin typeface="+mn-lt"/>
+                <a:ea typeface="+mn-ea"/>
+                <a:cs typeface="+mn-cs"/>
+              </a:defRPr>
+            </a:lvl6pPr>
+            <a:lvl7pPr marL="2743200" indent="0" algn="ctr" defTabSz="914400" rtl="0" eaLnBrk="1" latinLnBrk="0" hangingPunct="1">
+              <a:lnSpc>
+                <a:spcPct val="90000"/>
+              </a:lnSpc>
+              <a:spcBef>
+                <a:spcPts val="500"/>
+              </a:spcBef>
+              <a:buFont typeface="Arial" panose="020B0604020202020204" pitchFamily="34" charset="0"/>
+              <a:buNone/>
+              <a:defRPr sz="1600" kern="1200">
+                <a:solidFill>
+                  <a:schemeClr val="tx1"/>
+                </a:solidFill>
+                <a:latin typeface="+mn-lt"/>
+                <a:ea typeface="+mn-ea"/>
+                <a:cs typeface="+mn-cs"/>
+              </a:defRPr>
+            </a:lvl7pPr>
+            <a:lvl8pPr marL="3200400" indent="0" algn="ctr" defTabSz="914400" rtl="0" eaLnBrk="1" latinLnBrk="0" hangingPunct="1">
+              <a:lnSpc>
+                <a:spcPct val="90000"/>
+              </a:lnSpc>
+              <a:spcBef>
+                <a:spcPts val="500"/>
+              </a:spcBef>
+              <a:buFont typeface="Arial" panose="020B0604020202020204" pitchFamily="34" charset="0"/>
+              <a:buNone/>
+              <a:defRPr sz="1600" kern="1200">
+                <a:solidFill>
+                  <a:schemeClr val="tx1"/>
+                </a:solidFill>
+                <a:latin typeface="+mn-lt"/>
+                <a:ea typeface="+mn-ea"/>
+                <a:cs typeface="+mn-cs"/>
+              </a:defRPr>
+            </a:lvl8pPr>
+            <a:lvl9pPr marL="3657600" indent="0" algn="ctr" defTabSz="914400" rtl="0" eaLnBrk="1" latinLnBrk="0" hangingPunct="1">
+              <a:lnSpc>
+                <a:spcPct val="90000"/>
+              </a:lnSpc>
+              <a:spcBef>
+                <a:spcPts val="500"/>
+              </a:spcBef>
+              <a:buFont typeface="Arial" panose="020B0604020202020204" pitchFamily="34" charset="0"/>
+              <a:buNone/>
+              <a:defRPr sz="1600" kern="1200">
+                <a:solidFill>
+                  <a:schemeClr val="tx1"/>
+                </a:solidFill>
+                <a:latin typeface="+mn-lt"/>
+                <a:ea typeface="+mn-ea"/>
+                <a:cs typeface="+mn-cs"/>
+              </a:defRPr>
+            </a:lvl9pPr>
+          </a:lstStyle>
+          <a:p>
+            <a:r>
+              <a:rPr lang="es-AR" sz="5400" b="1" kern="100" dirty="0">
+                <a:latin typeface="Calibri" panose="020F0502020204030204" pitchFamily="34" charset="0"/>
+                <a:ea typeface="Calibri" panose="020F0502020204030204" pitchFamily="34" charset="0"/>
+                <a:cs typeface="Arial" panose="020B0604020202020204" pitchFamily="34" charset="0"/>
+              </a:rPr>
+              <a:t>Clásico de Rosario</a:t>
+            </a:r>
+          </a:p>
+          <a:p>
+            <a:endParaRPr lang="es-AR" sz="5400" b="1" kern="100" dirty="0">
+              <a:latin typeface="Calibri" panose="020F0502020204030204" pitchFamily="34" charset="0"/>
+              <a:ea typeface="Calibri" panose="020F0502020204030204" pitchFamily="34" charset="0"/>
+              <a:cs typeface="Arial" panose="020B0604020202020204" pitchFamily="34" charset="0"/>
+            </a:endParaRPr>
+          </a:p>
+        </p:txBody>
+      </p:sp>
       <p:grpSp>
         <p:nvGrpSpPr>
-          <p:cNvPr id="6" name="Grupo 5">
-            <a:extLst>
-              <a:ext uri="{FF2B5EF4-FFF2-40B4-BE49-F238E27FC236}">
-                <a16:creationId xmlns:a16="http://schemas.microsoft.com/office/drawing/2014/main" id="{FAF261E1-5678-8434-DA83-7484154C0BB7}"/>
+          <p:cNvPr id="27" name="Grupo 26">
+            <a:extLst>
+              <a:ext uri="{FF2B5EF4-FFF2-40B4-BE49-F238E27FC236}">
+                <a16:creationId xmlns:a16="http://schemas.microsoft.com/office/drawing/2014/main" id="{B9A57D99-52F5-CD2A-1779-E83968BECEF2}"/>
+              </a:ext>
+            </a:extLst>
+          </p:cNvPr>
+          <p:cNvGrpSpPr/>
+          <p:nvPr/>
+        </p:nvGrpSpPr>
+        <p:grpSpPr>
+          <a:xfrm>
+            <a:off x="6435485" y="2314192"/>
+            <a:ext cx="4662726" cy="3955450"/>
+            <a:chOff x="6435485" y="2314192"/>
+            <a:chExt cx="4662726" cy="3955450"/>
+          </a:xfrm>
+        </p:grpSpPr>
+        <p:pic>
+          <p:nvPicPr>
+            <p:cNvPr id="11" name="Imagen 10">
+              <a:extLst>
+                <a:ext uri="{FF2B5EF4-FFF2-40B4-BE49-F238E27FC236}">
+                  <a16:creationId xmlns:a16="http://schemas.microsoft.com/office/drawing/2014/main" id="{0502C4AC-EA0E-ED24-ACCC-2C13BF98ABAB}"/>
+                </a:ext>
+              </a:extLst>
+            </p:cNvPr>
+            <p:cNvPicPr>
+              <a:picLocks noChangeAspect="1"/>
+            </p:cNvPicPr>
+            <p:nvPr/>
+          </p:nvPicPr>
+          <p:blipFill rotWithShape="1">
+            <a:blip r:embed="rId2">
+              <a:extLst>
+                <a:ext uri="{28A0092B-C50C-407E-A947-70E740481C1C}">
+                  <a14:useLocalDpi xmlns:a14="http://schemas.microsoft.com/office/drawing/2010/main" val="0"/>
+                </a:ext>
+              </a:extLst>
+            </a:blip>
+            <a:srcRect l="50345" t="1832" r="8879" b="49308"/>
+            <a:stretch/>
+          </p:blipFill>
+          <p:spPr>
+            <a:xfrm>
+              <a:off x="6435485" y="2314192"/>
+              <a:ext cx="2266950" cy="3955450"/>
+            </a:xfrm>
+            <a:prstGeom prst="rect">
+              <a:avLst/>
+            </a:prstGeom>
+          </p:spPr>
+        </p:pic>
+        <p:grpSp>
+          <p:nvGrpSpPr>
+            <p:cNvPr id="26" name="Grupo 25">
+              <a:extLst>
+                <a:ext uri="{FF2B5EF4-FFF2-40B4-BE49-F238E27FC236}">
+                  <a16:creationId xmlns:a16="http://schemas.microsoft.com/office/drawing/2014/main" id="{28E9EFDD-0881-1544-39E0-C812C67AADF6}"/>
+                </a:ext>
+              </a:extLst>
+            </p:cNvPr>
+            <p:cNvGrpSpPr/>
+            <p:nvPr/>
+          </p:nvGrpSpPr>
+          <p:grpSpPr>
+            <a:xfrm>
+              <a:off x="8850305" y="2314192"/>
+              <a:ext cx="2247906" cy="3839908"/>
+              <a:chOff x="8850305" y="2314192"/>
+              <a:chExt cx="2247906" cy="3839908"/>
+            </a:xfrm>
+          </p:grpSpPr>
+          <p:pic>
+            <p:nvPicPr>
+              <p:cNvPr id="20" name="Imagen 19">
+                <a:extLst>
+                  <a:ext uri="{FF2B5EF4-FFF2-40B4-BE49-F238E27FC236}">
+                    <a16:creationId xmlns:a16="http://schemas.microsoft.com/office/drawing/2014/main" id="{2B68B4FD-5D78-D571-680B-AA24785341E0}"/>
+                  </a:ext>
+                </a:extLst>
+              </p:cNvPr>
+              <p:cNvPicPr>
+                <a:picLocks noChangeAspect="1"/>
+              </p:cNvPicPr>
+              <p:nvPr/>
+            </p:nvPicPr>
+            <p:blipFill rotWithShape="1">
+              <a:blip r:embed="rId3"/>
+              <a:srcRect l="1347" r="2446"/>
+              <a:stretch/>
+            </p:blipFill>
+            <p:spPr>
+              <a:xfrm>
+                <a:off x="8855070" y="2314192"/>
+                <a:ext cx="2238376" cy="3839908"/>
+              </a:xfrm>
+              <a:prstGeom prst="rect">
+                <a:avLst/>
+              </a:prstGeom>
+            </p:spPr>
+          </p:pic>
+          <p:cxnSp>
+            <p:nvCxnSpPr>
+              <p:cNvPr id="3" name="Conector recto 2">
+                <a:extLst>
+                  <a:ext uri="{FF2B5EF4-FFF2-40B4-BE49-F238E27FC236}">
+                    <a16:creationId xmlns:a16="http://schemas.microsoft.com/office/drawing/2014/main" id="{B61C39ED-BE15-9FCF-5FE5-61102186BE80}"/>
+                  </a:ext>
+                </a:extLst>
+              </p:cNvPr>
+              <p:cNvCxnSpPr>
+                <a:cxnSpLocks/>
+              </p:cNvCxnSpPr>
+              <p:nvPr/>
+            </p:nvCxnSpPr>
+            <p:spPr>
+              <a:xfrm>
+                <a:off x="8850305" y="2333672"/>
+                <a:ext cx="4772" cy="3783764"/>
+              </a:xfrm>
+              <a:prstGeom prst="line">
+                <a:avLst/>
+              </a:prstGeom>
+            </p:spPr>
+            <p:style>
+              <a:lnRef idx="3">
+                <a:schemeClr val="dk1"/>
+              </a:lnRef>
+              <a:fillRef idx="0">
+                <a:schemeClr val="dk1"/>
+              </a:fillRef>
+              <a:effectRef idx="2">
+                <a:schemeClr val="dk1"/>
+              </a:effectRef>
+              <a:fontRef idx="minor">
+                <a:schemeClr val="tx1"/>
+              </a:fontRef>
+            </p:style>
+          </p:cxnSp>
+          <p:cxnSp>
+            <p:nvCxnSpPr>
+              <p:cNvPr id="5" name="Conector recto 4">
+                <a:extLst>
+                  <a:ext uri="{FF2B5EF4-FFF2-40B4-BE49-F238E27FC236}">
+                    <a16:creationId xmlns:a16="http://schemas.microsoft.com/office/drawing/2014/main" id="{DB5D7B11-7DDD-7E72-3113-3761222BD404}"/>
+                  </a:ext>
+                </a:extLst>
+              </p:cNvPr>
+              <p:cNvCxnSpPr>
+                <a:cxnSpLocks/>
+              </p:cNvCxnSpPr>
+              <p:nvPr/>
+            </p:nvCxnSpPr>
+            <p:spPr>
+              <a:xfrm>
+                <a:off x="11079165" y="2333672"/>
+                <a:ext cx="19046" cy="3783764"/>
+              </a:xfrm>
+              <a:prstGeom prst="line">
+                <a:avLst/>
+              </a:prstGeom>
+            </p:spPr>
+            <p:style>
+              <a:lnRef idx="3">
+                <a:schemeClr val="dk1"/>
+              </a:lnRef>
+              <a:fillRef idx="0">
+                <a:schemeClr val="dk1"/>
+              </a:fillRef>
+              <a:effectRef idx="2">
+                <a:schemeClr val="dk1"/>
+              </a:effectRef>
+              <a:fontRef idx="minor">
+                <a:schemeClr val="tx1"/>
+              </a:fontRef>
+            </p:style>
+          </p:cxnSp>
+        </p:grpSp>
+      </p:grpSp>
+      <p:grpSp>
+        <p:nvGrpSpPr>
+          <p:cNvPr id="22" name="Grupo 21">
+            <a:extLst>
+              <a:ext uri="{FF2B5EF4-FFF2-40B4-BE49-F238E27FC236}">
+                <a16:creationId xmlns:a16="http://schemas.microsoft.com/office/drawing/2014/main" id="{D5EB84CE-BDF8-B037-BE93-DA0A5D49E169}"/>
+              </a:ext>
+            </a:extLst>
+          </p:cNvPr>
+          <p:cNvGrpSpPr/>
+          <p:nvPr/>
+        </p:nvGrpSpPr>
+        <p:grpSpPr>
+          <a:xfrm>
+            <a:off x="872454" y="2295753"/>
+            <a:ext cx="4893584" cy="3807899"/>
+            <a:chOff x="872454" y="2295753"/>
+            <a:chExt cx="4893584" cy="3807899"/>
+          </a:xfrm>
+        </p:grpSpPr>
+        <p:pic>
+          <p:nvPicPr>
+            <p:cNvPr id="10" name="Imagen 9">
+              <a:extLst>
+                <a:ext uri="{FF2B5EF4-FFF2-40B4-BE49-F238E27FC236}">
+                  <a16:creationId xmlns:a16="http://schemas.microsoft.com/office/drawing/2014/main" id="{6DE344A9-3B19-C486-3306-F235B6A9F47E}"/>
+                </a:ext>
+              </a:extLst>
+            </p:cNvPr>
+            <p:cNvPicPr>
+              <a:picLocks noChangeAspect="1"/>
+            </p:cNvPicPr>
+            <p:nvPr/>
+          </p:nvPicPr>
+          <p:blipFill rotWithShape="1">
+            <a:blip r:embed="rId2">
+              <a:extLst>
+                <a:ext uri="{28A0092B-C50C-407E-A947-70E740481C1C}">
+                  <a14:useLocalDpi xmlns:a14="http://schemas.microsoft.com/office/drawing/2010/main" val="0"/>
+                </a:ext>
+              </a:extLst>
+            </a:blip>
+            <a:srcRect l="10062" t="2336" r="49771" b="50477"/>
+            <a:stretch/>
+          </p:blipFill>
+          <p:spPr>
+            <a:xfrm>
+              <a:off x="872454" y="2314192"/>
+              <a:ext cx="2233163" cy="3789459"/>
+            </a:xfrm>
+            <a:prstGeom prst="rect">
+              <a:avLst/>
+            </a:prstGeom>
+          </p:spPr>
+        </p:pic>
+        <p:grpSp>
+          <p:nvGrpSpPr>
+            <p:cNvPr id="21" name="Grupo 20">
+              <a:extLst>
+                <a:ext uri="{FF2B5EF4-FFF2-40B4-BE49-F238E27FC236}">
+                  <a16:creationId xmlns:a16="http://schemas.microsoft.com/office/drawing/2014/main" id="{B0A328B2-00D5-7463-C82C-78C7B4B99FD9}"/>
+                </a:ext>
+              </a:extLst>
+            </p:cNvPr>
+            <p:cNvGrpSpPr/>
+            <p:nvPr/>
+          </p:nvGrpSpPr>
+          <p:grpSpPr>
+            <a:xfrm>
+              <a:off x="3201932" y="2295753"/>
+              <a:ext cx="2564106" cy="3807899"/>
+              <a:chOff x="3201932" y="2295753"/>
+              <a:chExt cx="2564106" cy="3807899"/>
+            </a:xfrm>
+          </p:grpSpPr>
+          <p:pic>
+            <p:nvPicPr>
+              <p:cNvPr id="12" name="Imagen 11" descr="Tabla&#10;&#10;Descripción generada automáticamente">
+                <a:extLst>
+                  <a:ext uri="{FF2B5EF4-FFF2-40B4-BE49-F238E27FC236}">
+                    <a16:creationId xmlns:a16="http://schemas.microsoft.com/office/drawing/2014/main" id="{3B0A095D-4848-C124-4670-D5B941993AB5}"/>
+                  </a:ext>
+                </a:extLst>
+              </p:cNvPr>
+              <p:cNvPicPr>
+                <a:picLocks noChangeAspect="1"/>
+              </p:cNvPicPr>
+              <p:nvPr/>
+            </p:nvPicPr>
+            <p:blipFill rotWithShape="1">
+              <a:blip r:embed="rId4"/>
+              <a:srcRect r="59156"/>
+              <a:stretch/>
+            </p:blipFill>
+            <p:spPr>
+              <a:xfrm>
+                <a:off x="3201932" y="2295753"/>
+                <a:ext cx="2554584" cy="3807899"/>
+              </a:xfrm>
+              <a:prstGeom prst="rect">
+                <a:avLst/>
+              </a:prstGeom>
+            </p:spPr>
+          </p:pic>
+          <p:cxnSp>
+            <p:nvCxnSpPr>
+              <p:cNvPr id="18" name="Conector recto 17">
+                <a:extLst>
+                  <a:ext uri="{FF2B5EF4-FFF2-40B4-BE49-F238E27FC236}">
+                    <a16:creationId xmlns:a16="http://schemas.microsoft.com/office/drawing/2014/main" id="{E6EB02C3-6FB1-5132-99E7-F69C32FD1D92}"/>
+                  </a:ext>
+                </a:extLst>
+              </p:cNvPr>
+              <p:cNvCxnSpPr>
+                <a:cxnSpLocks/>
+              </p:cNvCxnSpPr>
+              <p:nvPr/>
+            </p:nvCxnSpPr>
+            <p:spPr>
+              <a:xfrm>
+                <a:off x="5750273" y="2314193"/>
+                <a:ext cx="15765" cy="3765139"/>
+              </a:xfrm>
+              <a:prstGeom prst="line">
+                <a:avLst/>
+              </a:prstGeom>
+            </p:spPr>
+            <p:style>
+              <a:lnRef idx="3">
+                <a:schemeClr val="dk1"/>
+              </a:lnRef>
+              <a:fillRef idx="0">
+                <a:schemeClr val="dk1"/>
+              </a:fillRef>
+              <a:effectRef idx="2">
+                <a:schemeClr val="dk1"/>
+              </a:effectRef>
+              <a:fontRef idx="minor">
+                <a:schemeClr val="tx1"/>
+              </a:fontRef>
+            </p:style>
+          </p:cxnSp>
+        </p:grpSp>
+      </p:grpSp>
+    </p:spTree>
+    <p:extLst>
+      <p:ext uri="{BB962C8B-B14F-4D97-AF65-F5344CB8AC3E}">
+        <p14:creationId xmlns:p14="http://schemas.microsoft.com/office/powerpoint/2010/main" val="4020988848"/>
+      </p:ext>
+    </p:extLst>
+  </p:cSld>
+  <p:clrMapOvr>
+    <a:masterClrMapping/>
+  </p:clrMapOvr>
+</p:sld>
+</file>
+
+<file path=ppt/slides/slide13.xml><?xml version="1.0" encoding="utf-8"?>
+<p:sld xmlns:a="http://schemas.openxmlformats.org/drawingml/2006/main" xmlns:r="http://schemas.openxmlformats.org/officeDocument/2006/relationships" xmlns:p="http://schemas.openxmlformats.org/presentationml/2006/main">
+  <p:cSld>
+    <p:spTree>
+      <p:nvGrpSpPr>
+        <p:cNvPr id="1" name=""/>
+        <p:cNvGrpSpPr/>
+        <p:nvPr/>
+      </p:nvGrpSpPr>
+      <p:grpSpPr>
+        <a:xfrm>
+          <a:off x="0" y="0"/>
+          <a:ext cx="0" cy="0"/>
+          <a:chOff x="0" y="0"/>
+          <a:chExt cx="0" cy="0"/>
+        </a:xfrm>
+      </p:grpSpPr>
+      <p:sp>
+        <p:nvSpPr>
+          <p:cNvPr id="4" name="Subtítulo 6">
+            <a:extLst>
+              <a:ext uri="{FF2B5EF4-FFF2-40B4-BE49-F238E27FC236}">
+                <a16:creationId xmlns:a16="http://schemas.microsoft.com/office/drawing/2014/main" id="{2B71E6F2-1E12-2CC8-1A79-11BE6A720CDF}"/>
+              </a:ext>
+            </a:extLst>
+          </p:cNvPr>
+          <p:cNvSpPr txBox="1">
+            <a:spLocks/>
+          </p:cNvSpPr>
+          <p:nvPr/>
+        </p:nvSpPr>
+        <p:spPr>
+          <a:xfrm>
+            <a:off x="103163" y="1220121"/>
+            <a:ext cx="11985674" cy="4417758"/>
+          </a:xfrm>
+          <a:prstGeom prst="rect">
+            <a:avLst/>
+          </a:prstGeom>
+        </p:spPr>
+        <p:txBody>
+          <a:bodyPr vert="horz" lIns="91440" tIns="45720" rIns="91440" bIns="45720" rtlCol="0">
+            <a:normAutofit/>
+          </a:bodyPr>
+          <a:lstStyle>
+            <a:lvl1pPr marL="0" indent="0" algn="ctr" defTabSz="914400" rtl="0" eaLnBrk="1" latinLnBrk="0" hangingPunct="1">
+              <a:lnSpc>
+                <a:spcPct val="90000"/>
+              </a:lnSpc>
+              <a:spcBef>
+                <a:spcPts val="1000"/>
+              </a:spcBef>
+              <a:buFont typeface="Arial" panose="020B0604020202020204" pitchFamily="34" charset="0"/>
+              <a:buNone/>
+              <a:defRPr sz="2400" kern="1200">
+                <a:solidFill>
+                  <a:schemeClr val="tx1"/>
+                </a:solidFill>
+                <a:latin typeface="+mn-lt"/>
+                <a:ea typeface="+mn-ea"/>
+                <a:cs typeface="+mn-cs"/>
+              </a:defRPr>
+            </a:lvl1pPr>
+            <a:lvl2pPr marL="457200" indent="0" algn="ctr" defTabSz="914400" rtl="0" eaLnBrk="1" latinLnBrk="0" hangingPunct="1">
+              <a:lnSpc>
+                <a:spcPct val="90000"/>
+              </a:lnSpc>
+              <a:spcBef>
+                <a:spcPts val="500"/>
+              </a:spcBef>
+              <a:buFont typeface="Arial" panose="020B0604020202020204" pitchFamily="34" charset="0"/>
+              <a:buNone/>
+              <a:defRPr sz="2000" kern="1200">
+                <a:solidFill>
+                  <a:schemeClr val="tx1"/>
+                </a:solidFill>
+                <a:latin typeface="+mn-lt"/>
+                <a:ea typeface="+mn-ea"/>
+                <a:cs typeface="+mn-cs"/>
+              </a:defRPr>
+            </a:lvl2pPr>
+            <a:lvl3pPr marL="914400" indent="0" algn="ctr" defTabSz="914400" rtl="0" eaLnBrk="1" latinLnBrk="0" hangingPunct="1">
+              <a:lnSpc>
+                <a:spcPct val="90000"/>
+              </a:lnSpc>
+              <a:spcBef>
+                <a:spcPts val="500"/>
+              </a:spcBef>
+              <a:buFont typeface="Arial" panose="020B0604020202020204" pitchFamily="34" charset="0"/>
+              <a:buNone/>
+              <a:defRPr sz="1800" kern="1200">
+                <a:solidFill>
+                  <a:schemeClr val="tx1"/>
+                </a:solidFill>
+                <a:latin typeface="+mn-lt"/>
+                <a:ea typeface="+mn-ea"/>
+                <a:cs typeface="+mn-cs"/>
+              </a:defRPr>
+            </a:lvl3pPr>
+            <a:lvl4pPr marL="1371600" indent="0" algn="ctr" defTabSz="914400" rtl="0" eaLnBrk="1" latinLnBrk="0" hangingPunct="1">
+              <a:lnSpc>
+                <a:spcPct val="90000"/>
+              </a:lnSpc>
+              <a:spcBef>
+                <a:spcPts val="500"/>
+              </a:spcBef>
+              <a:buFont typeface="Arial" panose="020B0604020202020204" pitchFamily="34" charset="0"/>
+              <a:buNone/>
+              <a:defRPr sz="1600" kern="1200">
+                <a:solidFill>
+                  <a:schemeClr val="tx1"/>
+                </a:solidFill>
+                <a:latin typeface="+mn-lt"/>
+                <a:ea typeface="+mn-ea"/>
+                <a:cs typeface="+mn-cs"/>
+              </a:defRPr>
+            </a:lvl4pPr>
+            <a:lvl5pPr marL="1828800" indent="0" algn="ctr" defTabSz="914400" rtl="0" eaLnBrk="1" latinLnBrk="0" hangingPunct="1">
+              <a:lnSpc>
+                <a:spcPct val="90000"/>
+              </a:lnSpc>
+              <a:spcBef>
+                <a:spcPts val="500"/>
+              </a:spcBef>
+              <a:buFont typeface="Arial" panose="020B0604020202020204" pitchFamily="34" charset="0"/>
+              <a:buNone/>
+              <a:defRPr sz="1600" kern="1200">
+                <a:solidFill>
+                  <a:schemeClr val="tx1"/>
+                </a:solidFill>
+                <a:latin typeface="+mn-lt"/>
+                <a:ea typeface="+mn-ea"/>
+                <a:cs typeface="+mn-cs"/>
+              </a:defRPr>
+            </a:lvl5pPr>
+            <a:lvl6pPr marL="2286000" indent="0" algn="ctr" defTabSz="914400" rtl="0" eaLnBrk="1" latinLnBrk="0" hangingPunct="1">
+              <a:lnSpc>
+                <a:spcPct val="90000"/>
+              </a:lnSpc>
+              <a:spcBef>
+                <a:spcPts val="500"/>
+              </a:spcBef>
+              <a:buFont typeface="Arial" panose="020B0604020202020204" pitchFamily="34" charset="0"/>
+              <a:buNone/>
+              <a:defRPr sz="1600" kern="1200">
+                <a:solidFill>
+                  <a:schemeClr val="tx1"/>
+                </a:solidFill>
+                <a:latin typeface="+mn-lt"/>
+                <a:ea typeface="+mn-ea"/>
+                <a:cs typeface="+mn-cs"/>
+              </a:defRPr>
+            </a:lvl6pPr>
+            <a:lvl7pPr marL="2743200" indent="0" algn="ctr" defTabSz="914400" rtl="0" eaLnBrk="1" latinLnBrk="0" hangingPunct="1">
+              <a:lnSpc>
+                <a:spcPct val="90000"/>
+              </a:lnSpc>
+              <a:spcBef>
+                <a:spcPts val="500"/>
+              </a:spcBef>
+              <a:buFont typeface="Arial" panose="020B0604020202020204" pitchFamily="34" charset="0"/>
+              <a:buNone/>
+              <a:defRPr sz="1600" kern="1200">
+                <a:solidFill>
+                  <a:schemeClr val="tx1"/>
+                </a:solidFill>
+                <a:latin typeface="+mn-lt"/>
+                <a:ea typeface="+mn-ea"/>
+                <a:cs typeface="+mn-cs"/>
+              </a:defRPr>
+            </a:lvl7pPr>
+            <a:lvl8pPr marL="3200400" indent="0" algn="ctr" defTabSz="914400" rtl="0" eaLnBrk="1" latinLnBrk="0" hangingPunct="1">
+              <a:lnSpc>
+                <a:spcPct val="90000"/>
+              </a:lnSpc>
+              <a:spcBef>
+                <a:spcPts val="500"/>
+              </a:spcBef>
+              <a:buFont typeface="Arial" panose="020B0604020202020204" pitchFamily="34" charset="0"/>
+              <a:buNone/>
+              <a:defRPr sz="1600" kern="1200">
+                <a:solidFill>
+                  <a:schemeClr val="tx1"/>
+                </a:solidFill>
+                <a:latin typeface="+mn-lt"/>
+                <a:ea typeface="+mn-ea"/>
+                <a:cs typeface="+mn-cs"/>
+              </a:defRPr>
+            </a:lvl8pPr>
+            <a:lvl9pPr marL="3657600" indent="0" algn="ctr" defTabSz="914400" rtl="0" eaLnBrk="1" latinLnBrk="0" hangingPunct="1">
+              <a:lnSpc>
+                <a:spcPct val="90000"/>
+              </a:lnSpc>
+              <a:spcBef>
+                <a:spcPts val="500"/>
+              </a:spcBef>
+              <a:buFont typeface="Arial" panose="020B0604020202020204" pitchFamily="34" charset="0"/>
+              <a:buNone/>
+              <a:defRPr sz="1600" kern="1200">
+                <a:solidFill>
+                  <a:schemeClr val="tx1"/>
+                </a:solidFill>
+                <a:latin typeface="+mn-lt"/>
+                <a:ea typeface="+mn-ea"/>
+                <a:cs typeface="+mn-cs"/>
+              </a:defRPr>
+            </a:lvl9pPr>
+          </a:lstStyle>
+          <a:p>
+            <a:r>
+              <a:rPr lang="es-AR" sz="5400" b="1" kern="100" dirty="0">
+                <a:latin typeface="Calibri" panose="020F0502020204030204" pitchFamily="34" charset="0"/>
+                <a:ea typeface="Calibri" panose="020F0502020204030204" pitchFamily="34" charset="0"/>
+                <a:cs typeface="Arial" panose="020B0604020202020204" pitchFamily="34" charset="0"/>
+              </a:rPr>
+              <a:t>Clásico de Rosario</a:t>
+            </a:r>
+          </a:p>
+          <a:p>
+            <a:endParaRPr lang="es-AR" sz="5400" b="1" kern="100" dirty="0">
+              <a:latin typeface="Calibri" panose="020F0502020204030204" pitchFamily="34" charset="0"/>
+              <a:ea typeface="Calibri" panose="020F0502020204030204" pitchFamily="34" charset="0"/>
+              <a:cs typeface="Arial" panose="020B0604020202020204" pitchFamily="34" charset="0"/>
+            </a:endParaRPr>
+          </a:p>
+        </p:txBody>
+      </p:sp>
+      <p:grpSp>
+        <p:nvGrpSpPr>
+          <p:cNvPr id="18" name="Grupo 17">
+            <a:extLst>
+              <a:ext uri="{FF2B5EF4-FFF2-40B4-BE49-F238E27FC236}">
+                <a16:creationId xmlns:a16="http://schemas.microsoft.com/office/drawing/2014/main" id="{A53DAFFB-EE2B-FF8A-27AD-F50D1D0988DF}"/>
               </a:ext>
             </a:extLst>
           </p:cNvPr>
@@ -4289,9 +5253,9 @@
         <p:grpSpPr>
           <a:xfrm>
             <a:off x="831734" y="2292390"/>
-            <a:ext cx="4706210" cy="3923808"/>
+            <a:ext cx="4683241" cy="3923808"/>
             <a:chOff x="831734" y="2292390"/>
-            <a:chExt cx="4706210" cy="3923808"/>
+            <a:chExt cx="4683241" cy="3923808"/>
           </a:xfrm>
         </p:grpSpPr>
         <p:pic>
@@ -4329,43 +5293,101 @@
             </a:prstGeom>
           </p:spPr>
         </p:pic>
-        <p:pic>
-          <p:nvPicPr>
-            <p:cNvPr id="5" name="Imagen 4">
+        <p:grpSp>
+          <p:nvGrpSpPr>
+            <p:cNvPr id="17" name="Grupo 16">
               <a:extLst>
                 <a:ext uri="{FF2B5EF4-FFF2-40B4-BE49-F238E27FC236}">
-                  <a16:creationId xmlns:a16="http://schemas.microsoft.com/office/drawing/2014/main" id="{EADEECDE-2B8B-F457-A667-8BEAE6D18907}"/>
+                  <a16:creationId xmlns:a16="http://schemas.microsoft.com/office/drawing/2014/main" id="{010D7EFD-6CD9-7F8E-5B56-A4BCF8301262}"/>
                 </a:ext>
               </a:extLst>
             </p:cNvPr>
-            <p:cNvPicPr>
-              <a:picLocks noChangeAspect="1"/>
-            </p:cNvPicPr>
+            <p:cNvGrpSpPr/>
             <p:nvPr/>
-          </p:nvPicPr>
-          <p:blipFill>
-            <a:blip r:embed="rId3"/>
-            <a:stretch>
-              <a:fillRect/>
-            </a:stretch>
-          </p:blipFill>
-          <p:spPr>
+          </p:nvGrpSpPr>
+          <p:grpSpPr>
             <a:xfrm>
-              <a:off x="3213520" y="2292390"/>
-              <a:ext cx="2324424" cy="3858163"/>
+              <a:off x="3241091" y="2292390"/>
+              <a:ext cx="2273884" cy="3858163"/>
+              <a:chOff x="3241091" y="2292390"/>
+              <a:chExt cx="2273884" cy="3858163"/>
             </a:xfrm>
-            <a:prstGeom prst="rect">
-              <a:avLst/>
-            </a:prstGeom>
-          </p:spPr>
-        </p:pic>
+          </p:grpSpPr>
+          <p:pic>
+            <p:nvPicPr>
+              <p:cNvPr id="5" name="Imagen 4">
+                <a:extLst>
+                  <a:ext uri="{FF2B5EF4-FFF2-40B4-BE49-F238E27FC236}">
+                    <a16:creationId xmlns:a16="http://schemas.microsoft.com/office/drawing/2014/main" id="{EADEECDE-2B8B-F457-A667-8BEAE6D18907}"/>
+                  </a:ext>
+                </a:extLst>
+              </p:cNvPr>
+              <p:cNvPicPr>
+                <a:picLocks noChangeAspect="1"/>
+              </p:cNvPicPr>
+              <p:nvPr/>
+            </p:nvPicPr>
+            <p:blipFill rotWithShape="1">
+              <a:blip r:embed="rId3"/>
+              <a:srcRect l="1186" r="988"/>
+              <a:stretch/>
+            </p:blipFill>
+            <p:spPr>
+              <a:xfrm>
+                <a:off x="3241091" y="2292390"/>
+                <a:ext cx="2273884" cy="3858163"/>
+              </a:xfrm>
+              <a:prstGeom prst="rect">
+                <a:avLst/>
+              </a:prstGeom>
+            </p:spPr>
+          </p:pic>
+          <p:cxnSp>
+            <p:nvCxnSpPr>
+              <p:cNvPr id="7" name="Conector recto 6">
+                <a:extLst>
+                  <a:ext uri="{FF2B5EF4-FFF2-40B4-BE49-F238E27FC236}">
+                    <a16:creationId xmlns:a16="http://schemas.microsoft.com/office/drawing/2014/main" id="{06129224-54AB-335A-555C-4C0E8567AFA4}"/>
+                  </a:ext>
+                </a:extLst>
+              </p:cNvPr>
+              <p:cNvCxnSpPr>
+                <a:cxnSpLocks/>
+              </p:cNvCxnSpPr>
+              <p:nvPr/>
+            </p:nvCxnSpPr>
+            <p:spPr>
+              <a:xfrm>
+                <a:off x="3241091" y="2313782"/>
+                <a:ext cx="0" cy="3806031"/>
+              </a:xfrm>
+              <a:prstGeom prst="line">
+                <a:avLst/>
+              </a:prstGeom>
+            </p:spPr>
+            <p:style>
+              <a:lnRef idx="2">
+                <a:schemeClr val="dk1"/>
+              </a:lnRef>
+              <a:fillRef idx="0">
+                <a:schemeClr val="dk1"/>
+              </a:fillRef>
+              <a:effectRef idx="1">
+                <a:schemeClr val="dk1"/>
+              </a:effectRef>
+              <a:fontRef idx="minor">
+                <a:schemeClr val="tx1"/>
+              </a:fontRef>
+            </p:style>
+          </p:cxnSp>
+        </p:grpSp>
       </p:grpSp>
       <p:grpSp>
         <p:nvGrpSpPr>
-          <p:cNvPr id="16" name="Grupo 15">
-            <a:extLst>
-              <a:ext uri="{FF2B5EF4-FFF2-40B4-BE49-F238E27FC236}">
-                <a16:creationId xmlns:a16="http://schemas.microsoft.com/office/drawing/2014/main" id="{1D77C9A5-47EA-A086-CB25-15A20B2D5D64}"/>
+          <p:cNvPr id="19" name="Grupo 18">
+            <a:extLst>
+              <a:ext uri="{FF2B5EF4-FFF2-40B4-BE49-F238E27FC236}">
+                <a16:creationId xmlns:a16="http://schemas.microsoft.com/office/drawing/2014/main" id="{D05207C4-F061-EACD-8809-B11A61026DD2}"/>
               </a:ext>
             </a:extLst>
           </p:cNvPr>
@@ -4374,10 +5396,10 @@
         </p:nvGrpSpPr>
         <p:grpSpPr>
           <a:xfrm>
-            <a:off x="6435486" y="2292390"/>
-            <a:ext cx="4695828" cy="3923808"/>
-            <a:chOff x="6435486" y="2292390"/>
-            <a:chExt cx="4695828" cy="3923808"/>
+            <a:off x="6464054" y="2292390"/>
+            <a:ext cx="4644477" cy="3923808"/>
+            <a:chOff x="6464054" y="2292390"/>
+            <a:chExt cx="4644477" cy="3923808"/>
           </a:xfrm>
         </p:grpSpPr>
         <p:pic>
@@ -4402,49 +5424,107 @@
                 </a:ext>
               </a:extLst>
             </a:blip>
-            <a:srcRect l="50000" t="50522" r="8151" b="618"/>
+            <a:srcRect l="50514" t="50522" r="8769" b="618"/>
             <a:stretch/>
           </p:blipFill>
           <p:spPr>
             <a:xfrm>
-              <a:off x="6435486" y="2292390"/>
-              <a:ext cx="2326644" cy="3923808"/>
+              <a:off x="6464054" y="2292390"/>
+              <a:ext cx="2263688" cy="3923808"/>
             </a:xfrm>
             <a:prstGeom prst="rect">
               <a:avLst/>
             </a:prstGeom>
           </p:spPr>
         </p:pic>
-        <p:pic>
-          <p:nvPicPr>
-            <p:cNvPr id="15" name="Imagen 14">
+        <p:grpSp>
+          <p:nvGrpSpPr>
+            <p:cNvPr id="14" name="Grupo 13">
               <a:extLst>
                 <a:ext uri="{FF2B5EF4-FFF2-40B4-BE49-F238E27FC236}">
-                  <a16:creationId xmlns:a16="http://schemas.microsoft.com/office/drawing/2014/main" id="{7E989784-0B65-60E4-059B-2849C440E2E0}"/>
+                  <a16:creationId xmlns:a16="http://schemas.microsoft.com/office/drawing/2014/main" id="{BD2AC153-6230-C5FD-A172-063C17645DAC}"/>
                 </a:ext>
               </a:extLst>
             </p:cNvPr>
-            <p:cNvPicPr>
-              <a:picLocks noChangeAspect="1"/>
-            </p:cNvPicPr>
+            <p:cNvGrpSpPr/>
             <p:nvPr/>
-          </p:nvPicPr>
-          <p:blipFill>
-            <a:blip r:embed="rId4"/>
-            <a:stretch>
-              <a:fillRect/>
-            </a:stretch>
-          </p:blipFill>
-          <p:spPr>
+          </p:nvGrpSpPr>
+          <p:grpSpPr>
             <a:xfrm>
-              <a:off x="8806890" y="2297310"/>
-              <a:ext cx="2324424" cy="3848637"/>
+              <a:off x="8841791" y="2297310"/>
+              <a:ext cx="2266740" cy="3848637"/>
+              <a:chOff x="8841791" y="2297310"/>
+              <a:chExt cx="2266740" cy="3848637"/>
             </a:xfrm>
-            <a:prstGeom prst="rect">
-              <a:avLst/>
-            </a:prstGeom>
-          </p:spPr>
-        </p:pic>
+          </p:grpSpPr>
+          <p:pic>
+            <p:nvPicPr>
+              <p:cNvPr id="15" name="Imagen 14">
+                <a:extLst>
+                  <a:ext uri="{FF2B5EF4-FFF2-40B4-BE49-F238E27FC236}">
+                    <a16:creationId xmlns:a16="http://schemas.microsoft.com/office/drawing/2014/main" id="{7E989784-0B65-60E4-059B-2849C440E2E0}"/>
+                  </a:ext>
+                </a:extLst>
+              </p:cNvPr>
+              <p:cNvPicPr>
+                <a:picLocks noChangeAspect="1"/>
+              </p:cNvPicPr>
+              <p:nvPr/>
+            </p:nvPicPr>
+            <p:blipFill rotWithShape="1">
+              <a:blip r:embed="rId4"/>
+              <a:srcRect l="1633" r="979"/>
+              <a:stretch/>
+            </p:blipFill>
+            <p:spPr>
+              <a:xfrm>
+                <a:off x="8844843" y="2297310"/>
+                <a:ext cx="2263688" cy="3848637"/>
+              </a:xfrm>
+              <a:prstGeom prst="rect">
+                <a:avLst/>
+              </a:prstGeom>
+            </p:spPr>
+          </p:pic>
+          <p:cxnSp>
+            <p:nvCxnSpPr>
+              <p:cNvPr id="9" name="Conector recto 8">
+                <a:extLst>
+                  <a:ext uri="{FF2B5EF4-FFF2-40B4-BE49-F238E27FC236}">
+                    <a16:creationId xmlns:a16="http://schemas.microsoft.com/office/drawing/2014/main" id="{2C3A8A85-B742-B7BD-87BA-A58C51BB49AF}"/>
+                  </a:ext>
+                </a:extLst>
+              </p:cNvPr>
+              <p:cNvCxnSpPr>
+                <a:cxnSpLocks/>
+              </p:cNvCxnSpPr>
+              <p:nvPr/>
+            </p:nvCxnSpPr>
+            <p:spPr>
+              <a:xfrm>
+                <a:off x="8841791" y="2320925"/>
+                <a:ext cx="3052" cy="3806031"/>
+              </a:xfrm>
+              <a:prstGeom prst="line">
+                <a:avLst/>
+              </a:prstGeom>
+            </p:spPr>
+            <p:style>
+              <a:lnRef idx="2">
+                <a:schemeClr val="dk1"/>
+              </a:lnRef>
+              <a:fillRef idx="0">
+                <a:schemeClr val="dk1"/>
+              </a:fillRef>
+              <a:effectRef idx="1">
+                <a:schemeClr val="dk1"/>
+              </a:effectRef>
+              <a:fontRef idx="minor">
+                <a:schemeClr val="tx1"/>
+              </a:fontRef>
+            </p:style>
+          </p:cxnSp>
+        </p:grpSp>
       </p:grpSp>
     </p:spTree>
     <p:extLst>
@@ -4459,7 +5539,7 @@
 </p:sld>
 </file>
 
-<file path=ppt/slides/slide12.xml><?xml version="1.0" encoding="utf-8"?>
+<file path=ppt/slides/slide14.xml><?xml version="1.0" encoding="utf-8"?>
 <p:sld xmlns:a="http://schemas.openxmlformats.org/drawingml/2006/main" xmlns:r="http://schemas.openxmlformats.org/officeDocument/2006/relationships" xmlns:p="http://schemas.openxmlformats.org/presentationml/2006/main">
   <p:cSld>
     <p:spTree>
@@ -4688,10 +5768,10 @@
       </p:sp>
       <p:grpSp>
         <p:nvGrpSpPr>
-          <p:cNvPr id="9" name="Grupo 8">
-            <a:extLst>
-              <a:ext uri="{FF2B5EF4-FFF2-40B4-BE49-F238E27FC236}">
-                <a16:creationId xmlns:a16="http://schemas.microsoft.com/office/drawing/2014/main" id="{9F2E1A95-C275-8705-0FE6-5877F4F7CFE6}"/>
+          <p:cNvPr id="25" name="Grupo 24">
+            <a:extLst>
+              <a:ext uri="{FF2B5EF4-FFF2-40B4-BE49-F238E27FC236}">
+                <a16:creationId xmlns:a16="http://schemas.microsoft.com/office/drawing/2014/main" id="{7CD47898-AA6B-3F8A-A4D2-B511D80A8003}"/>
               </a:ext>
             </a:extLst>
           </p:cNvPr>
@@ -4701,9 +5781,9 @@
         <p:grpSpPr>
           <a:xfrm>
             <a:off x="851027" y="2243060"/>
-            <a:ext cx="4690133" cy="3917020"/>
+            <a:ext cx="4635522" cy="3917020"/>
             <a:chOff x="851027" y="2243060"/>
-            <a:chExt cx="4690133" cy="3917020"/>
+            <a:chExt cx="4635522" cy="3917020"/>
           </a:xfrm>
         </p:grpSpPr>
         <p:pic>
@@ -4741,43 +5821,139 @@
             </a:prstGeom>
           </p:spPr>
         </p:pic>
-        <p:pic>
-          <p:nvPicPr>
-            <p:cNvPr id="6" name="Imagen 5">
+        <p:grpSp>
+          <p:nvGrpSpPr>
+            <p:cNvPr id="14" name="Grupo 13">
               <a:extLst>
                 <a:ext uri="{FF2B5EF4-FFF2-40B4-BE49-F238E27FC236}">
-                  <a16:creationId xmlns:a16="http://schemas.microsoft.com/office/drawing/2014/main" id="{1EC0A582-71CC-A462-C51F-FBDDCE978690}"/>
+                  <a16:creationId xmlns:a16="http://schemas.microsoft.com/office/drawing/2014/main" id="{07F3EDE2-B545-23DF-52FE-48C62DA48142}"/>
                 </a:ext>
               </a:extLst>
             </p:cNvPr>
-            <p:cNvPicPr>
-              <a:picLocks noChangeAspect="1"/>
-            </p:cNvPicPr>
+            <p:cNvGrpSpPr/>
             <p:nvPr/>
-          </p:nvPicPr>
-          <p:blipFill>
-            <a:blip r:embed="rId3"/>
-            <a:stretch>
-              <a:fillRect/>
-            </a:stretch>
-          </p:blipFill>
-          <p:spPr>
+          </p:nvGrpSpPr>
+          <p:grpSpPr>
             <a:xfrm>
-              <a:off x="3207209" y="2292390"/>
-              <a:ext cx="2333951" cy="3867690"/>
+              <a:off x="3231957" y="2292390"/>
+              <a:ext cx="2254592" cy="3867690"/>
+              <a:chOff x="3231957" y="2292390"/>
+              <a:chExt cx="2254592" cy="3867690"/>
             </a:xfrm>
-            <a:prstGeom prst="rect">
-              <a:avLst/>
-            </a:prstGeom>
-          </p:spPr>
-        </p:pic>
+          </p:grpSpPr>
+          <p:pic>
+            <p:nvPicPr>
+              <p:cNvPr id="6" name="Imagen 5">
+                <a:extLst>
+                  <a:ext uri="{FF2B5EF4-FFF2-40B4-BE49-F238E27FC236}">
+                    <a16:creationId xmlns:a16="http://schemas.microsoft.com/office/drawing/2014/main" id="{1EC0A582-71CC-A462-C51F-FBDDCE978690}"/>
+                  </a:ext>
+                </a:extLst>
+              </p:cNvPr>
+              <p:cNvPicPr>
+                <a:picLocks noChangeAspect="1"/>
+              </p:cNvPicPr>
+              <p:nvPr/>
+            </p:nvPicPr>
+            <p:blipFill rotWithShape="1">
+              <a:blip r:embed="rId3"/>
+              <a:srcRect l="1061" r="2340"/>
+              <a:stretch/>
+            </p:blipFill>
+            <p:spPr>
+              <a:xfrm>
+                <a:off x="3231957" y="2292390"/>
+                <a:ext cx="2254592" cy="3867690"/>
+              </a:xfrm>
+              <a:prstGeom prst="rect">
+                <a:avLst/>
+              </a:prstGeom>
+            </p:spPr>
+          </p:pic>
+          <p:cxnSp>
+            <p:nvCxnSpPr>
+              <p:cNvPr id="5" name="Conector recto 4">
+                <a:extLst>
+                  <a:ext uri="{FF2B5EF4-FFF2-40B4-BE49-F238E27FC236}">
+                    <a16:creationId xmlns:a16="http://schemas.microsoft.com/office/drawing/2014/main" id="{CD209113-11AF-4D09-CBF8-7E4ED09B65BF}"/>
+                  </a:ext>
+                </a:extLst>
+              </p:cNvPr>
+              <p:cNvCxnSpPr>
+                <a:cxnSpLocks/>
+              </p:cNvCxnSpPr>
+              <p:nvPr/>
+            </p:nvCxnSpPr>
+            <p:spPr>
+              <a:xfrm>
+                <a:off x="5486549" y="2308622"/>
+                <a:ext cx="0" cy="3813572"/>
+              </a:xfrm>
+              <a:prstGeom prst="line">
+                <a:avLst/>
+              </a:prstGeom>
+            </p:spPr>
+            <p:style>
+              <a:lnRef idx="2">
+                <a:schemeClr val="dk1"/>
+              </a:lnRef>
+              <a:fillRef idx="0">
+                <a:schemeClr val="dk1"/>
+              </a:fillRef>
+              <a:effectRef idx="1">
+                <a:schemeClr val="dk1"/>
+              </a:effectRef>
+              <a:fontRef idx="minor">
+                <a:schemeClr val="tx1"/>
+              </a:fontRef>
+            </p:style>
+          </p:cxnSp>
+          <p:cxnSp>
+            <p:nvCxnSpPr>
+              <p:cNvPr id="7" name="Conector recto 6">
+                <a:extLst>
+                  <a:ext uri="{FF2B5EF4-FFF2-40B4-BE49-F238E27FC236}">
+                    <a16:creationId xmlns:a16="http://schemas.microsoft.com/office/drawing/2014/main" id="{28AF0C82-D828-3780-387C-DA75A7F39C1C}"/>
+                  </a:ext>
+                </a:extLst>
+              </p:cNvPr>
+              <p:cNvCxnSpPr>
+                <a:cxnSpLocks/>
+              </p:cNvCxnSpPr>
+              <p:nvPr/>
+            </p:nvCxnSpPr>
+            <p:spPr>
+              <a:xfrm>
+                <a:off x="3238649" y="2320969"/>
+                <a:ext cx="0" cy="3801225"/>
+              </a:xfrm>
+              <a:prstGeom prst="line">
+                <a:avLst/>
+              </a:prstGeom>
+            </p:spPr>
+            <p:style>
+              <a:lnRef idx="2">
+                <a:schemeClr val="dk1"/>
+              </a:lnRef>
+              <a:fillRef idx="0">
+                <a:schemeClr val="dk1"/>
+              </a:fillRef>
+              <a:effectRef idx="1">
+                <a:schemeClr val="dk1"/>
+              </a:effectRef>
+              <a:fontRef idx="minor">
+                <a:schemeClr val="tx1"/>
+              </a:fontRef>
+            </p:style>
+          </p:cxnSp>
+        </p:grpSp>
       </p:grpSp>
       <p:grpSp>
         <p:nvGrpSpPr>
-          <p:cNvPr id="18" name="Grupo 17">
-            <a:extLst>
-              <a:ext uri="{FF2B5EF4-FFF2-40B4-BE49-F238E27FC236}">
-                <a16:creationId xmlns:a16="http://schemas.microsoft.com/office/drawing/2014/main" id="{D49BB64F-BCEA-81D9-4E14-8A7D19A0C8C8}"/>
+          <p:cNvPr id="24" name="Grupo 23">
+            <a:extLst>
+              <a:ext uri="{FF2B5EF4-FFF2-40B4-BE49-F238E27FC236}">
+                <a16:creationId xmlns:a16="http://schemas.microsoft.com/office/drawing/2014/main" id="{36DBF74B-3D5D-9BB1-1564-A3370E0562DA}"/>
               </a:ext>
             </a:extLst>
           </p:cNvPr>
@@ -4787,9 +5963,9 @@
         <p:grpSpPr>
           <a:xfrm>
             <a:off x="6435486" y="2308622"/>
-            <a:ext cx="4695828" cy="3851458"/>
+            <a:ext cx="4670663" cy="3851458"/>
             <a:chOff x="6435486" y="2308622"/>
-            <a:chExt cx="4695828" cy="3851458"/>
+            <a:chExt cx="4670663" cy="3851458"/>
           </a:xfrm>
         </p:grpSpPr>
         <p:pic>
@@ -4841,22 +6017,59 @@
             </p:cNvPicPr>
             <p:nvPr/>
           </p:nvPicPr>
-          <p:blipFill>
+          <p:blipFill rotWithShape="1">
             <a:blip r:embed="rId4"/>
-            <a:stretch>
-              <a:fillRect/>
-            </a:stretch>
+            <a:srcRect l="856" r="1087"/>
+            <a:stretch/>
           </p:blipFill>
           <p:spPr>
             <a:xfrm>
-              <a:off x="8816416" y="2320969"/>
-              <a:ext cx="2314898" cy="3839111"/>
+              <a:off x="8836220" y="2320969"/>
+              <a:ext cx="2269929" cy="3839111"/>
             </a:xfrm>
             <a:prstGeom prst="rect">
               <a:avLst/>
             </a:prstGeom>
           </p:spPr>
         </p:pic>
+        <p:cxnSp>
+          <p:nvCxnSpPr>
+            <p:cNvPr id="16" name="Conector recto 15">
+              <a:extLst>
+                <a:ext uri="{FF2B5EF4-FFF2-40B4-BE49-F238E27FC236}">
+                  <a16:creationId xmlns:a16="http://schemas.microsoft.com/office/drawing/2014/main" id="{6C69BED4-2B17-DF19-096B-55EF9BAE6120}"/>
+                </a:ext>
+              </a:extLst>
+            </p:cNvPr>
+            <p:cNvCxnSpPr>
+              <a:cxnSpLocks/>
+            </p:cNvCxnSpPr>
+            <p:nvPr/>
+          </p:nvCxnSpPr>
+          <p:spPr>
+            <a:xfrm flipH="1">
+              <a:off x="8829824" y="2320969"/>
+              <a:ext cx="6396" cy="3822878"/>
+            </a:xfrm>
+            <a:prstGeom prst="line">
+              <a:avLst/>
+            </a:prstGeom>
+          </p:spPr>
+          <p:style>
+            <a:lnRef idx="2">
+              <a:schemeClr val="dk1"/>
+            </a:lnRef>
+            <a:fillRef idx="0">
+              <a:schemeClr val="dk1"/>
+            </a:fillRef>
+            <a:effectRef idx="1">
+              <a:schemeClr val="dk1"/>
+            </a:effectRef>
+            <a:fontRef idx="minor">
+              <a:schemeClr val="tx1"/>
+            </a:fontRef>
+          </p:style>
+        </p:cxnSp>
       </p:grpSp>
     </p:spTree>
     <p:extLst>
@@ -4871,7 +6084,7 @@
 </p:sld>
 </file>
 
-<file path=ppt/slides/slide13.xml><?xml version="1.0" encoding="utf-8"?>
+<file path=ppt/slides/slide15.xml><?xml version="1.0" encoding="utf-8"?>
 <p:sld xmlns:a="http://schemas.openxmlformats.org/drawingml/2006/main" xmlns:r="http://schemas.openxmlformats.org/officeDocument/2006/relationships" xmlns:p="http://schemas.openxmlformats.org/presentationml/2006/main">
   <p:cSld>
     <p:spTree>
@@ -5100,10 +6313,10 @@
       </p:sp>
       <p:grpSp>
         <p:nvGrpSpPr>
-          <p:cNvPr id="6" name="Grupo 5">
-            <a:extLst>
-              <a:ext uri="{FF2B5EF4-FFF2-40B4-BE49-F238E27FC236}">
-                <a16:creationId xmlns:a16="http://schemas.microsoft.com/office/drawing/2014/main" id="{190958D4-5840-3033-26EA-8A54F158DA7B}"/>
+          <p:cNvPr id="11" name="Grupo 10">
+            <a:extLst>
+              <a:ext uri="{FF2B5EF4-FFF2-40B4-BE49-F238E27FC236}">
+                <a16:creationId xmlns:a16="http://schemas.microsoft.com/office/drawing/2014/main" id="{DC8F1095-41A1-87ED-8BCF-2E478F6B0A61}"/>
               </a:ext>
             </a:extLst>
           </p:cNvPr>
@@ -5113,9 +6326,9 @@
         <p:grpSpPr>
           <a:xfrm>
             <a:off x="2028217" y="2315436"/>
-            <a:ext cx="8135566" cy="3867690"/>
-            <a:chOff x="2090749" y="2382671"/>
-            <a:chExt cx="8135566" cy="3867690"/>
+            <a:ext cx="8128995" cy="3846542"/>
+            <a:chOff x="2028217" y="2315436"/>
+            <a:chExt cx="8128995" cy="3846542"/>
           </a:xfrm>
         </p:grpSpPr>
         <p:pic>
@@ -5145,7 +6358,7 @@
           </p:blipFill>
           <p:spPr>
             <a:xfrm>
-              <a:off x="2090749" y="2393988"/>
+              <a:off x="2028217" y="2326753"/>
               <a:ext cx="2237220" cy="3835225"/>
             </a:xfrm>
             <a:prstGeom prst="rect">
@@ -5167,437 +6380,114 @@
             </p:cNvPicPr>
             <p:nvPr/>
           </p:nvPicPr>
-          <p:blipFill>
+          <p:blipFill rotWithShape="1">
             <a:blip r:embed="rId3"/>
-            <a:stretch>
-              <a:fillRect/>
-            </a:stretch>
+            <a:srcRect l="461" r="698" b="839"/>
+            <a:stretch/>
           </p:blipFill>
           <p:spPr>
             <a:xfrm>
-              <a:off x="4681991" y="2382671"/>
-              <a:ext cx="5544324" cy="3867690"/>
+              <a:off x="4645025" y="2315436"/>
+              <a:ext cx="5480050" cy="3835225"/>
             </a:xfrm>
             <a:prstGeom prst="rect">
               <a:avLst/>
             </a:prstGeom>
           </p:spPr>
         </p:pic>
+        <p:sp>
+          <p:nvSpPr>
+            <p:cNvPr id="7" name="Rectángulo 6">
+              <a:extLst>
+                <a:ext uri="{FF2B5EF4-FFF2-40B4-BE49-F238E27FC236}">
+                  <a16:creationId xmlns:a16="http://schemas.microsoft.com/office/drawing/2014/main" id="{5D08FAB9-12BF-13F8-8AF1-AA39C8E9A5D1}"/>
+                </a:ext>
+              </a:extLst>
+            </p:cNvPr>
+            <p:cNvSpPr/>
+            <p:nvPr/>
+          </p:nvSpPr>
+          <p:spPr>
+            <a:xfrm>
+              <a:off x="4612888" y="3589417"/>
+              <a:ext cx="5544324" cy="435429"/>
+            </a:xfrm>
+            <a:prstGeom prst="rect">
+              <a:avLst/>
+            </a:prstGeom>
+            <a:noFill/>
+            <a:ln w="28575">
+              <a:solidFill>
+                <a:srgbClr val="FF0000"/>
+              </a:solidFill>
+            </a:ln>
+          </p:spPr>
+          <p:style>
+            <a:lnRef idx="2">
+              <a:schemeClr val="accent6"/>
+            </a:lnRef>
+            <a:fillRef idx="1">
+              <a:schemeClr val="lt1"/>
+            </a:fillRef>
+            <a:effectRef idx="0">
+              <a:schemeClr val="accent6"/>
+            </a:effectRef>
+            <a:fontRef idx="minor">
+              <a:schemeClr val="dk1"/>
+            </a:fontRef>
+          </p:style>
+          <p:txBody>
+            <a:bodyPr rtlCol="0" anchor="ctr"/>
+            <a:lstStyle/>
+            <a:p>
+              <a:pPr algn="ctr"/>
+              <a:endParaRPr lang="es-AR"/>
+            </a:p>
+          </p:txBody>
+        </p:sp>
+        <p:cxnSp>
+          <p:nvCxnSpPr>
+            <p:cNvPr id="8" name="Conector recto 7">
+              <a:extLst>
+                <a:ext uri="{FF2B5EF4-FFF2-40B4-BE49-F238E27FC236}">
+                  <a16:creationId xmlns:a16="http://schemas.microsoft.com/office/drawing/2014/main" id="{DFC774FA-7E03-45B7-4A1D-0E59E8A8B6CA}"/>
+                </a:ext>
+              </a:extLst>
+            </p:cNvPr>
+            <p:cNvCxnSpPr>
+              <a:cxnSpLocks/>
+            </p:cNvCxnSpPr>
+            <p:nvPr/>
+          </p:nvCxnSpPr>
+          <p:spPr>
+            <a:xfrm>
+              <a:off x="4645025" y="2326753"/>
+              <a:ext cx="0" cy="3809728"/>
+            </a:xfrm>
+            <a:prstGeom prst="line">
+              <a:avLst/>
+            </a:prstGeom>
+          </p:spPr>
+          <p:style>
+            <a:lnRef idx="2">
+              <a:schemeClr val="dk1"/>
+            </a:lnRef>
+            <a:fillRef idx="0">
+              <a:schemeClr val="dk1"/>
+            </a:fillRef>
+            <a:effectRef idx="1">
+              <a:schemeClr val="dk1"/>
+            </a:effectRef>
+            <a:fontRef idx="minor">
+              <a:schemeClr val="tx1"/>
+            </a:fontRef>
+          </p:style>
+        </p:cxnSp>
       </p:grpSp>
-      <p:sp>
-        <p:nvSpPr>
-          <p:cNvPr id="7" name="Rectángulo 6">
-            <a:extLst>
-              <a:ext uri="{FF2B5EF4-FFF2-40B4-BE49-F238E27FC236}">
-                <a16:creationId xmlns:a16="http://schemas.microsoft.com/office/drawing/2014/main" id="{5D08FAB9-12BF-13F8-8AF1-AA39C8E9A5D1}"/>
-              </a:ext>
-            </a:extLst>
-          </p:cNvPr>
-          <p:cNvSpPr/>
-          <p:nvPr/>
-        </p:nvSpPr>
-        <p:spPr>
-          <a:xfrm>
-            <a:off x="4609411" y="3572907"/>
-            <a:ext cx="5544324" cy="435429"/>
-          </a:xfrm>
-          <a:prstGeom prst="rect">
-            <a:avLst/>
-          </a:prstGeom>
-          <a:noFill/>
-          <a:ln w="28575">
-            <a:solidFill>
-              <a:srgbClr val="FF0000"/>
-            </a:solidFill>
-          </a:ln>
-        </p:spPr>
-        <p:style>
-          <a:lnRef idx="2">
-            <a:schemeClr val="accent6"/>
-          </a:lnRef>
-          <a:fillRef idx="1">
-            <a:schemeClr val="lt1"/>
-          </a:fillRef>
-          <a:effectRef idx="0">
-            <a:schemeClr val="accent6"/>
-          </a:effectRef>
-          <a:fontRef idx="minor">
-            <a:schemeClr val="dk1"/>
-          </a:fontRef>
-        </p:style>
-        <p:txBody>
-          <a:bodyPr rtlCol="0" anchor="ctr"/>
-          <a:lstStyle/>
-          <a:p>
-            <a:pPr algn="ctr"/>
-            <a:endParaRPr lang="es-AR"/>
-          </a:p>
-        </p:txBody>
-      </p:sp>
     </p:spTree>
     <p:extLst>
       <p:ext uri="{BB962C8B-B14F-4D97-AF65-F5344CB8AC3E}">
         <p14:creationId xmlns:p14="http://schemas.microsoft.com/office/powerpoint/2010/main" val="4214656678"/>
-      </p:ext>
-    </p:extLst>
-  </p:cSld>
-  <p:clrMapOvr>
-    <a:masterClrMapping/>
-  </p:clrMapOvr>
-  <p:timing>
-    <p:tnLst>
-      <p:par>
-        <p:cTn id="1" dur="indefinite" restart="never" nodeType="tmRoot">
-          <p:childTnLst>
-            <p:seq concurrent="1" nextAc="seek">
-              <p:cTn id="2" dur="indefinite" nodeType="mainSeq">
-                <p:childTnLst>
-                  <p:par>
-                    <p:cTn id="3" fill="hold">
-                      <p:stCondLst>
-                        <p:cond delay="indefinite"/>
-                        <p:cond evt="onBegin" delay="0">
-                          <p:tn val="2"/>
-                        </p:cond>
-                      </p:stCondLst>
-                      <p:childTnLst>
-                        <p:par>
-                          <p:cTn id="4" fill="hold">
-                            <p:stCondLst>
-                              <p:cond delay="0"/>
-                            </p:stCondLst>
-                            <p:childTnLst>
-                              <p:par>
-                                <p:cTn id="5" presetID="2" presetClass="entr" presetSubtype="4" fill="hold" grpId="0" nodeType="withEffect">
-                                  <p:stCondLst>
-                                    <p:cond delay="0"/>
-                                  </p:stCondLst>
-                                  <p:childTnLst>
-                                    <p:set>
-                                      <p:cBhvr>
-                                        <p:cTn id="6" dur="1" fill="hold">
-                                          <p:stCondLst>
-                                            <p:cond delay="0"/>
-                                          </p:stCondLst>
-                                        </p:cTn>
-                                        <p:tgtEl>
-                                          <p:spTgt spid="7"/>
-                                        </p:tgtEl>
-                                        <p:attrNameLst>
-                                          <p:attrName>style.visibility</p:attrName>
-                                        </p:attrNameLst>
-                                      </p:cBhvr>
-                                      <p:to>
-                                        <p:strVal val="visible"/>
-                                      </p:to>
-                                    </p:set>
-                                    <p:anim calcmode="lin" valueType="num">
-                                      <p:cBhvr additive="base">
-                                        <p:cTn id="7" dur="500" fill="hold"/>
-                                        <p:tgtEl>
-                                          <p:spTgt spid="7"/>
-                                        </p:tgtEl>
-                                        <p:attrNameLst>
-                                          <p:attrName>ppt_x</p:attrName>
-                                        </p:attrNameLst>
-                                      </p:cBhvr>
-                                      <p:tavLst>
-                                        <p:tav tm="0">
-                                          <p:val>
-                                            <p:strVal val="#ppt_x"/>
-                                          </p:val>
-                                        </p:tav>
-                                        <p:tav tm="100000">
-                                          <p:val>
-                                            <p:strVal val="#ppt_x"/>
-                                          </p:val>
-                                        </p:tav>
-                                      </p:tavLst>
-                                    </p:anim>
-                                    <p:anim calcmode="lin" valueType="num">
-                                      <p:cBhvr additive="base">
-                                        <p:cTn id="8" dur="500" fill="hold"/>
-                                        <p:tgtEl>
-                                          <p:spTgt spid="7"/>
-                                        </p:tgtEl>
-                                        <p:attrNameLst>
-                                          <p:attrName>ppt_y</p:attrName>
-                                        </p:attrNameLst>
-                                      </p:cBhvr>
-                                      <p:tavLst>
-                                        <p:tav tm="0">
-                                          <p:val>
-                                            <p:strVal val="1+#ppt_h/2"/>
-                                          </p:val>
-                                        </p:tav>
-                                        <p:tav tm="100000">
-                                          <p:val>
-                                            <p:strVal val="#ppt_y"/>
-                                          </p:val>
-                                        </p:tav>
-                                      </p:tavLst>
-                                    </p:anim>
-                                  </p:childTnLst>
-                                </p:cTn>
-                              </p:par>
-                            </p:childTnLst>
-                          </p:cTn>
-                        </p:par>
-                      </p:childTnLst>
-                    </p:cTn>
-                  </p:par>
-                </p:childTnLst>
-              </p:cTn>
-              <p:prevCondLst>
-                <p:cond evt="onPrev" delay="0">
-                  <p:tgtEl>
-                    <p:sldTgt/>
-                  </p:tgtEl>
-                </p:cond>
-              </p:prevCondLst>
-              <p:nextCondLst>
-                <p:cond evt="onNext" delay="0">
-                  <p:tgtEl>
-                    <p:sldTgt/>
-                  </p:tgtEl>
-                </p:cond>
-              </p:nextCondLst>
-            </p:seq>
-          </p:childTnLst>
-        </p:cTn>
-      </p:par>
-    </p:tnLst>
-    <p:bldLst>
-      <p:bldP spid="7" grpId="0" animBg="1"/>
-    </p:bldLst>
-  </p:timing>
-</p:sld>
-</file>
-
-<file path=ppt/slides/slide14.xml><?xml version="1.0" encoding="utf-8"?>
-<p:sld xmlns:a="http://schemas.openxmlformats.org/drawingml/2006/main" xmlns:r="http://schemas.openxmlformats.org/officeDocument/2006/relationships" xmlns:p="http://schemas.openxmlformats.org/presentationml/2006/main">
-  <p:cSld>
-    <p:spTree>
-      <p:nvGrpSpPr>
-        <p:cNvPr id="1" name=""/>
-        <p:cNvGrpSpPr/>
-        <p:nvPr/>
-      </p:nvGrpSpPr>
-      <p:grpSpPr>
-        <a:xfrm>
-          <a:off x="0" y="0"/>
-          <a:ext cx="0" cy="0"/>
-          <a:chOff x="0" y="0"/>
-          <a:chExt cx="0" cy="0"/>
-        </a:xfrm>
-      </p:grpSpPr>
-      <p:sp>
-        <p:nvSpPr>
-          <p:cNvPr id="7" name="Subtítulo 6">
-            <a:extLst>
-              <a:ext uri="{FF2B5EF4-FFF2-40B4-BE49-F238E27FC236}">
-                <a16:creationId xmlns:a16="http://schemas.microsoft.com/office/drawing/2014/main" id="{5C54FA5F-97D3-95D3-CB0E-2C470FA43ADA}"/>
-              </a:ext>
-            </a:extLst>
-          </p:cNvPr>
-          <p:cNvSpPr>
-            <a:spLocks noGrp="1"/>
-          </p:cNvSpPr>
-          <p:nvPr>
-            <p:ph type="subTitle" idx="1"/>
-          </p:nvPr>
-        </p:nvSpPr>
-        <p:spPr>
-          <a:xfrm>
-            <a:off x="264941" y="1979651"/>
-            <a:ext cx="11662117" cy="2898698"/>
-          </a:xfrm>
-        </p:spPr>
-        <p:txBody>
-          <a:bodyPr>
-            <a:normAutofit fontScale="92500"/>
-          </a:bodyPr>
-          <a:lstStyle/>
-          <a:p>
-            <a:r>
-              <a:rPr lang="es-MX" sz="5400" b="1" kern="100" dirty="0">
-                <a:effectLst/>
-                <a:latin typeface="Calibri" panose="020F0502020204030204" pitchFamily="34" charset="0"/>
-                <a:ea typeface="Calibri" panose="020F0502020204030204" pitchFamily="34" charset="0"/>
-                <a:cs typeface="Arial" panose="020B0604020202020204" pitchFamily="34" charset="0"/>
-              </a:rPr>
-              <a:t>Aplicación del modelo a otros partidos</a:t>
-            </a:r>
-          </a:p>
-          <a:p>
-            <a:endParaRPr lang="es-MX" sz="5400" b="1" kern="100" dirty="0">
-              <a:latin typeface="Calibri" panose="020F0502020204030204" pitchFamily="34" charset="0"/>
-              <a:ea typeface="Calibri" panose="020F0502020204030204" pitchFamily="34" charset="0"/>
-              <a:cs typeface="Arial" panose="020B0604020202020204" pitchFamily="34" charset="0"/>
-            </a:endParaRPr>
-          </a:p>
-          <a:p>
-            <a:r>
-              <a:rPr lang="es-MX" sz="3900" kern="100" dirty="0">
-                <a:latin typeface="Calibri" panose="020F0502020204030204" pitchFamily="34" charset="0"/>
-                <a:cs typeface="Arial" panose="020B0604020202020204" pitchFamily="34" charset="0"/>
-              </a:rPr>
-              <a:t>Puede ser aplicado a otros partidos de manera similar.</a:t>
-            </a:r>
-          </a:p>
-          <a:p>
-            <a:r>
-              <a:rPr lang="es-MX" sz="3900" kern="100" dirty="0">
-                <a:latin typeface="Calibri" panose="020F0502020204030204" pitchFamily="34" charset="0"/>
-                <a:cs typeface="Arial" panose="020B0604020202020204" pitchFamily="34" charset="0"/>
-              </a:rPr>
-              <a:t>Como por ejemplo partidos claves o etapas finales del torneo</a:t>
-            </a:r>
-            <a:endParaRPr lang="es-AR" sz="3900" kern="100" dirty="0">
-              <a:latin typeface="Calibri" panose="020F0502020204030204" pitchFamily="34" charset="0"/>
-              <a:cs typeface="Arial" panose="020B0604020202020204" pitchFamily="34" charset="0"/>
-            </a:endParaRPr>
-          </a:p>
-        </p:txBody>
-      </p:sp>
-    </p:spTree>
-    <p:extLst>
-      <p:ext uri="{BB962C8B-B14F-4D97-AF65-F5344CB8AC3E}">
-        <p14:creationId xmlns:p14="http://schemas.microsoft.com/office/powerpoint/2010/main" val="1957339746"/>
-      </p:ext>
-    </p:extLst>
-  </p:cSld>
-  <p:clrMapOvr>
-    <a:masterClrMapping/>
-  </p:clrMapOvr>
-</p:sld>
-</file>
-
-<file path=ppt/slides/slide15.xml><?xml version="1.0" encoding="utf-8"?>
-<p:sld xmlns:a="http://schemas.openxmlformats.org/drawingml/2006/main" xmlns:r="http://schemas.openxmlformats.org/officeDocument/2006/relationships" xmlns:p="http://schemas.openxmlformats.org/presentationml/2006/main">
-  <p:cSld>
-    <p:spTree>
-      <p:nvGrpSpPr>
-        <p:cNvPr id="1" name=""/>
-        <p:cNvGrpSpPr/>
-        <p:nvPr/>
-      </p:nvGrpSpPr>
-      <p:grpSpPr>
-        <a:xfrm>
-          <a:off x="0" y="0"/>
-          <a:ext cx="0" cy="0"/>
-          <a:chOff x="0" y="0"/>
-          <a:chExt cx="0" cy="0"/>
-        </a:xfrm>
-      </p:grpSpPr>
-      <p:sp>
-        <p:nvSpPr>
-          <p:cNvPr id="7" name="Subtítulo 6">
-            <a:extLst>
-              <a:ext uri="{FF2B5EF4-FFF2-40B4-BE49-F238E27FC236}">
-                <a16:creationId xmlns:a16="http://schemas.microsoft.com/office/drawing/2014/main" id="{5C54FA5F-97D3-95D3-CB0E-2C470FA43ADA}"/>
-              </a:ext>
-            </a:extLst>
-          </p:cNvPr>
-          <p:cNvSpPr>
-            <a:spLocks noGrp="1"/>
-          </p:cNvSpPr>
-          <p:nvPr>
-            <p:ph type="subTitle" idx="1"/>
-          </p:nvPr>
-        </p:nvSpPr>
-        <p:spPr>
-          <a:xfrm>
-            <a:off x="103163" y="1220121"/>
-            <a:ext cx="11985674" cy="4417758"/>
-          </a:xfrm>
-        </p:spPr>
-        <p:txBody>
-          <a:bodyPr>
-            <a:normAutofit fontScale="92500" lnSpcReduction="10000"/>
-          </a:bodyPr>
-          <a:lstStyle/>
-          <a:p>
-            <a:r>
-              <a:rPr lang="es-AR" sz="5400" b="1" kern="100" dirty="0">
-                <a:effectLst/>
-                <a:latin typeface="Calibri" panose="020F0502020204030204" pitchFamily="34" charset="0"/>
-                <a:ea typeface="Calibri" panose="020F0502020204030204" pitchFamily="34" charset="0"/>
-                <a:cs typeface="Arial" panose="020B0604020202020204" pitchFamily="34" charset="0"/>
-              </a:rPr>
-              <a:t>En resumen, el modelo se basa en los siguientes pasos:</a:t>
-            </a:r>
-          </a:p>
-          <a:p>
-            <a:endParaRPr lang="es-AR" sz="5400" b="1" kern="100" dirty="0">
-              <a:effectLst/>
-              <a:latin typeface="Calibri" panose="020F0502020204030204" pitchFamily="34" charset="0"/>
-              <a:ea typeface="Calibri" panose="020F0502020204030204" pitchFamily="34" charset="0"/>
-              <a:cs typeface="Arial" panose="020B0604020202020204" pitchFamily="34" charset="0"/>
-            </a:endParaRPr>
-          </a:p>
-          <a:p>
-            <a:pPr marL="571500" indent="-571500">
-              <a:buFont typeface="Arial" panose="020B0604020202020204" pitchFamily="34" charset="0"/>
-              <a:buChar char="•"/>
-            </a:pPr>
-            <a:r>
-              <a:rPr lang="es-MX" sz="3900" kern="100" dirty="0">
-                <a:latin typeface="Calibri" panose="020F0502020204030204" pitchFamily="34" charset="0"/>
-                <a:cs typeface="Arial" panose="020B0604020202020204" pitchFamily="34" charset="0"/>
-              </a:rPr>
-              <a:t>Recopilación de datos</a:t>
-            </a:r>
-          </a:p>
-          <a:p>
-            <a:pPr marL="571500" indent="-571500">
-              <a:buFont typeface="Arial" panose="020B0604020202020204" pitchFamily="34" charset="0"/>
-              <a:buChar char="•"/>
-            </a:pPr>
-            <a:r>
-              <a:rPr lang="es-MX" sz="3900" kern="100" dirty="0">
-                <a:latin typeface="Calibri" panose="020F0502020204030204" pitchFamily="34" charset="0"/>
-                <a:cs typeface="Arial" panose="020B0604020202020204" pitchFamily="34" charset="0"/>
-              </a:rPr>
-              <a:t>Actualización de la matriz de distancias</a:t>
-            </a:r>
-          </a:p>
-          <a:p>
-            <a:pPr marL="571500" indent="-571500">
-              <a:buFont typeface="Arial" panose="020B0604020202020204" pitchFamily="34" charset="0"/>
-              <a:buChar char="•"/>
-            </a:pPr>
-            <a:r>
-              <a:rPr lang="es-MX" sz="3900" kern="100" dirty="0">
-                <a:latin typeface="Calibri" panose="020F0502020204030204" pitchFamily="34" charset="0"/>
-                <a:cs typeface="Arial" panose="020B0604020202020204" pitchFamily="34" charset="0"/>
-              </a:rPr>
-              <a:t>Comparación de distancias recorridas</a:t>
-            </a:r>
-          </a:p>
-          <a:p>
-            <a:pPr marL="571500" indent="-571500">
-              <a:buFont typeface="Arial" panose="020B0604020202020204" pitchFamily="34" charset="0"/>
-              <a:buChar char="•"/>
-            </a:pPr>
-            <a:r>
-              <a:rPr lang="es-MX" sz="3900" kern="100" dirty="0">
-                <a:latin typeface="Calibri" panose="020F0502020204030204" pitchFamily="34" charset="0"/>
-                <a:cs typeface="Arial" panose="020B0604020202020204" pitchFamily="34" charset="0"/>
-              </a:rPr>
-              <a:t>Selección del equipo local</a:t>
-            </a:r>
-            <a:endParaRPr lang="es-AR" sz="3900" kern="100" dirty="0">
-              <a:latin typeface="Calibri" panose="020F0502020204030204" pitchFamily="34" charset="0"/>
-              <a:cs typeface="Arial" panose="020B0604020202020204" pitchFamily="34" charset="0"/>
-            </a:endParaRPr>
-          </a:p>
-        </p:txBody>
-      </p:sp>
-    </p:spTree>
-    <p:extLst>
-      <p:ext uri="{BB962C8B-B14F-4D97-AF65-F5344CB8AC3E}">
-        <p14:creationId xmlns:p14="http://schemas.microsoft.com/office/powerpoint/2010/main" val="530269972"/>
       </p:ext>
     </p:extLst>
   </p:cSld>
@@ -5642,63 +6532,61 @@
         </p:nvSpPr>
         <p:spPr>
           <a:xfrm>
-            <a:off x="103163" y="1220121"/>
-            <a:ext cx="11985674" cy="4417758"/>
+            <a:off x="264941" y="1979651"/>
+            <a:ext cx="11662117" cy="2898698"/>
           </a:xfrm>
         </p:spPr>
         <p:txBody>
           <a:bodyPr>
-            <a:normAutofit lnSpcReduction="10000"/>
+            <a:normAutofit fontScale="92500"/>
           </a:bodyPr>
           <a:lstStyle/>
           <a:p>
             <a:r>
-              <a:rPr lang="es-AR" sz="5400" b="1" kern="100" dirty="0">
+              <a:rPr lang="es-MX" sz="5400" b="1" kern="100" dirty="0">
                 <a:effectLst/>
                 <a:latin typeface="Calibri" panose="020F0502020204030204" pitchFamily="34" charset="0"/>
                 <a:ea typeface="Calibri" panose="020F0502020204030204" pitchFamily="34" charset="0"/>
                 <a:cs typeface="Arial" panose="020B0604020202020204" pitchFamily="34" charset="0"/>
               </a:rPr>
-              <a:t>Conclusiones</a:t>
-            </a:r>
-          </a:p>
-          <a:p>
-            <a:endParaRPr lang="es-AR" sz="5400" b="1" kern="100" dirty="0">
+              <a:t>Aplicación del modelo a otros partidos</a:t>
+            </a:r>
+          </a:p>
+          <a:p>
+            <a:endParaRPr lang="es-MX" sz="5400" b="1" kern="100" dirty="0">
+              <a:latin typeface="Calibri" panose="020F0502020204030204" pitchFamily="34" charset="0"/>
+              <a:ea typeface="Calibri" panose="020F0502020204030204" pitchFamily="34" charset="0"/>
+              <a:cs typeface="Arial" panose="020B0604020202020204" pitchFamily="34" charset="0"/>
+            </a:endParaRPr>
+          </a:p>
+          <a:p>
+            <a:r>
+              <a:rPr lang="es-MX" sz="3900" kern="100" dirty="0">
+                <a:latin typeface="Calibri" panose="020F0502020204030204" pitchFamily="34" charset="0"/>
+                <a:cs typeface="Arial" panose="020B0604020202020204" pitchFamily="34" charset="0"/>
+              </a:rPr>
+              <a:t>Puede ser aplicado a otros partidos de manera similar.</a:t>
+            </a:r>
+          </a:p>
+          <a:p>
+            <a:r>
+              <a:rPr lang="es-MX" sz="3900" kern="100" dirty="0">
+                <a:latin typeface="Calibri" panose="020F0502020204030204" pitchFamily="34" charset="0"/>
+                <a:cs typeface="Arial" panose="020B0604020202020204" pitchFamily="34" charset="0"/>
+              </a:rPr>
+              <a:t>Como por ejemplo partidos claves o etapas finales del torneo</a:t>
+            </a:r>
+            <a:endParaRPr lang="es-AR" sz="3900" kern="100" dirty="0">
               <a:latin typeface="Calibri" panose="020F0502020204030204" pitchFamily="34" charset="0"/>
               <a:cs typeface="Arial" panose="020B0604020202020204" pitchFamily="34" charset="0"/>
             </a:endParaRPr>
-          </a:p>
-          <a:p>
-            <a:r>
-              <a:rPr lang="es-MX" sz="3600" kern="100" dirty="0">
-                <a:latin typeface="Calibri" panose="020F0502020204030204" pitchFamily="34" charset="0"/>
-                <a:cs typeface="Arial" panose="020B0604020202020204" pitchFamily="34" charset="0"/>
-              </a:rPr>
-              <a:t>El modelo propuesto ofrece una metodología clara y precisa para determinar la localía en los clásicos de la fecha, tomando en cuenta la distancia recorrida por cada equipo.</a:t>
-            </a:r>
-          </a:p>
-          <a:p>
-            <a:r>
-              <a:rPr lang="es-MX" sz="3600" kern="100" dirty="0">
-                <a:latin typeface="Calibri" panose="020F0502020204030204" pitchFamily="34" charset="0"/>
-                <a:cs typeface="Arial" panose="020B0604020202020204" pitchFamily="34" charset="0"/>
-              </a:rPr>
-              <a:t>Además, existe el potencial de expandir y mejorar el modelo en investigaciones futuras</a:t>
-            </a:r>
-          </a:p>
-          <a:p>
-            <a:pPr marL="571500" indent="-571500">
-              <a:buFont typeface="Arial" panose="020B0604020202020204" pitchFamily="34" charset="0"/>
-              <a:buChar char="•"/>
-            </a:pPr>
-            <a:endParaRPr lang="es-MX" sz="3200" dirty="0"/>
           </a:p>
         </p:txBody>
       </p:sp>
     </p:spTree>
     <p:extLst>
       <p:ext uri="{BB962C8B-B14F-4D97-AF65-F5344CB8AC3E}">
-        <p14:creationId xmlns:p14="http://schemas.microsoft.com/office/powerpoint/2010/main" val="1704403105"/>
+        <p14:creationId xmlns:p14="http://schemas.microsoft.com/office/powerpoint/2010/main" val="1957339746"/>
       </p:ext>
     </p:extLst>
   </p:cSld>
@@ -5727,209 +6615,87 @@
       </p:grpSpPr>
       <p:sp>
         <p:nvSpPr>
-          <p:cNvPr id="4" name="Subtítulo 6">
-            <a:extLst>
-              <a:ext uri="{FF2B5EF4-FFF2-40B4-BE49-F238E27FC236}">
-                <a16:creationId xmlns:a16="http://schemas.microsoft.com/office/drawing/2014/main" id="{2B71E6F2-1E12-2CC8-1A79-11BE6A720CDF}"/>
-              </a:ext>
-            </a:extLst>
-          </p:cNvPr>
-          <p:cNvSpPr txBox="1">
-            <a:spLocks/>
+          <p:cNvPr id="7" name="Subtítulo 6">
+            <a:extLst>
+              <a:ext uri="{FF2B5EF4-FFF2-40B4-BE49-F238E27FC236}">
+                <a16:creationId xmlns:a16="http://schemas.microsoft.com/office/drawing/2014/main" id="{5C54FA5F-97D3-95D3-CB0E-2C470FA43ADA}"/>
+              </a:ext>
+            </a:extLst>
+          </p:cNvPr>
+          <p:cNvSpPr>
+            <a:spLocks noGrp="1"/>
           </p:cNvSpPr>
-          <p:nvPr/>
+          <p:nvPr>
+            <p:ph type="subTitle" idx="1"/>
+          </p:nvPr>
         </p:nvSpPr>
         <p:spPr>
           <a:xfrm>
-            <a:off x="103163" y="2987500"/>
-            <a:ext cx="11985674" cy="882999"/>
+            <a:off x="103163" y="1220121"/>
+            <a:ext cx="11985674" cy="4417758"/>
           </a:xfrm>
-          <a:prstGeom prst="rect">
-            <a:avLst/>
-          </a:prstGeom>
         </p:spPr>
         <p:txBody>
-          <a:bodyPr vert="horz" lIns="91440" tIns="45720" rIns="91440" bIns="45720" rtlCol="0">
-            <a:normAutofit/>
+          <a:bodyPr>
+            <a:normAutofit fontScale="92500" lnSpcReduction="10000"/>
           </a:bodyPr>
-          <a:lstStyle>
-            <a:lvl1pPr marL="0" indent="0" algn="ctr" defTabSz="914400" rtl="0" eaLnBrk="1" latinLnBrk="0" hangingPunct="1">
-              <a:lnSpc>
-                <a:spcPct val="90000"/>
-              </a:lnSpc>
-              <a:spcBef>
-                <a:spcPts val="1000"/>
-              </a:spcBef>
-              <a:buFont typeface="Arial" panose="020B0604020202020204" pitchFamily="34" charset="0"/>
-              <a:buNone/>
-              <a:defRPr sz="2400" kern="1200">
-                <a:solidFill>
-                  <a:schemeClr val="tx1"/>
-                </a:solidFill>
-                <a:latin typeface="+mn-lt"/>
-                <a:ea typeface="+mn-ea"/>
-                <a:cs typeface="+mn-cs"/>
-              </a:defRPr>
-            </a:lvl1pPr>
-            <a:lvl2pPr marL="457200" indent="0" algn="ctr" defTabSz="914400" rtl="0" eaLnBrk="1" latinLnBrk="0" hangingPunct="1">
-              <a:lnSpc>
-                <a:spcPct val="90000"/>
-              </a:lnSpc>
-              <a:spcBef>
-                <a:spcPts val="500"/>
-              </a:spcBef>
-              <a:buFont typeface="Arial" panose="020B0604020202020204" pitchFamily="34" charset="0"/>
-              <a:buNone/>
-              <a:defRPr sz="2000" kern="1200">
-                <a:solidFill>
-                  <a:schemeClr val="tx1"/>
-                </a:solidFill>
-                <a:latin typeface="+mn-lt"/>
-                <a:ea typeface="+mn-ea"/>
-                <a:cs typeface="+mn-cs"/>
-              </a:defRPr>
-            </a:lvl2pPr>
-            <a:lvl3pPr marL="914400" indent="0" algn="ctr" defTabSz="914400" rtl="0" eaLnBrk="1" latinLnBrk="0" hangingPunct="1">
-              <a:lnSpc>
-                <a:spcPct val="90000"/>
-              </a:lnSpc>
-              <a:spcBef>
-                <a:spcPts val="500"/>
-              </a:spcBef>
-              <a:buFont typeface="Arial" panose="020B0604020202020204" pitchFamily="34" charset="0"/>
-              <a:buNone/>
-              <a:defRPr sz="1800" kern="1200">
-                <a:solidFill>
-                  <a:schemeClr val="tx1"/>
-                </a:solidFill>
-                <a:latin typeface="+mn-lt"/>
-                <a:ea typeface="+mn-ea"/>
-                <a:cs typeface="+mn-cs"/>
-              </a:defRPr>
-            </a:lvl3pPr>
-            <a:lvl4pPr marL="1371600" indent="0" algn="ctr" defTabSz="914400" rtl="0" eaLnBrk="1" latinLnBrk="0" hangingPunct="1">
-              <a:lnSpc>
-                <a:spcPct val="90000"/>
-              </a:lnSpc>
-              <a:spcBef>
-                <a:spcPts val="500"/>
-              </a:spcBef>
-              <a:buFont typeface="Arial" panose="020B0604020202020204" pitchFamily="34" charset="0"/>
-              <a:buNone/>
-              <a:defRPr sz="1600" kern="1200">
-                <a:solidFill>
-                  <a:schemeClr val="tx1"/>
-                </a:solidFill>
-                <a:latin typeface="+mn-lt"/>
-                <a:ea typeface="+mn-ea"/>
-                <a:cs typeface="+mn-cs"/>
-              </a:defRPr>
-            </a:lvl4pPr>
-            <a:lvl5pPr marL="1828800" indent="0" algn="ctr" defTabSz="914400" rtl="0" eaLnBrk="1" latinLnBrk="0" hangingPunct="1">
-              <a:lnSpc>
-                <a:spcPct val="90000"/>
-              </a:lnSpc>
-              <a:spcBef>
-                <a:spcPts val="500"/>
-              </a:spcBef>
-              <a:buFont typeface="Arial" panose="020B0604020202020204" pitchFamily="34" charset="0"/>
-              <a:buNone/>
-              <a:defRPr sz="1600" kern="1200">
-                <a:solidFill>
-                  <a:schemeClr val="tx1"/>
-                </a:solidFill>
-                <a:latin typeface="+mn-lt"/>
-                <a:ea typeface="+mn-ea"/>
-                <a:cs typeface="+mn-cs"/>
-              </a:defRPr>
-            </a:lvl5pPr>
-            <a:lvl6pPr marL="2286000" indent="0" algn="ctr" defTabSz="914400" rtl="0" eaLnBrk="1" latinLnBrk="0" hangingPunct="1">
-              <a:lnSpc>
-                <a:spcPct val="90000"/>
-              </a:lnSpc>
-              <a:spcBef>
-                <a:spcPts val="500"/>
-              </a:spcBef>
-              <a:buFont typeface="Arial" panose="020B0604020202020204" pitchFamily="34" charset="0"/>
-              <a:buNone/>
-              <a:defRPr sz="1600" kern="1200">
-                <a:solidFill>
-                  <a:schemeClr val="tx1"/>
-                </a:solidFill>
-                <a:latin typeface="+mn-lt"/>
-                <a:ea typeface="+mn-ea"/>
-                <a:cs typeface="+mn-cs"/>
-              </a:defRPr>
-            </a:lvl6pPr>
-            <a:lvl7pPr marL="2743200" indent="0" algn="ctr" defTabSz="914400" rtl="0" eaLnBrk="1" latinLnBrk="0" hangingPunct="1">
-              <a:lnSpc>
-                <a:spcPct val="90000"/>
-              </a:lnSpc>
-              <a:spcBef>
-                <a:spcPts val="500"/>
-              </a:spcBef>
-              <a:buFont typeface="Arial" panose="020B0604020202020204" pitchFamily="34" charset="0"/>
-              <a:buNone/>
-              <a:defRPr sz="1600" kern="1200">
-                <a:solidFill>
-                  <a:schemeClr val="tx1"/>
-                </a:solidFill>
-                <a:latin typeface="+mn-lt"/>
-                <a:ea typeface="+mn-ea"/>
-                <a:cs typeface="+mn-cs"/>
-              </a:defRPr>
-            </a:lvl7pPr>
-            <a:lvl8pPr marL="3200400" indent="0" algn="ctr" defTabSz="914400" rtl="0" eaLnBrk="1" latinLnBrk="0" hangingPunct="1">
-              <a:lnSpc>
-                <a:spcPct val="90000"/>
-              </a:lnSpc>
-              <a:spcBef>
-                <a:spcPts val="500"/>
-              </a:spcBef>
-              <a:buFont typeface="Arial" panose="020B0604020202020204" pitchFamily="34" charset="0"/>
-              <a:buNone/>
-              <a:defRPr sz="1600" kern="1200">
-                <a:solidFill>
-                  <a:schemeClr val="tx1"/>
-                </a:solidFill>
-                <a:latin typeface="+mn-lt"/>
-                <a:ea typeface="+mn-ea"/>
-                <a:cs typeface="+mn-cs"/>
-              </a:defRPr>
-            </a:lvl8pPr>
-            <a:lvl9pPr marL="3657600" indent="0" algn="ctr" defTabSz="914400" rtl="0" eaLnBrk="1" latinLnBrk="0" hangingPunct="1">
-              <a:lnSpc>
-                <a:spcPct val="90000"/>
-              </a:lnSpc>
-              <a:spcBef>
-                <a:spcPts val="500"/>
-              </a:spcBef>
-              <a:buFont typeface="Arial" panose="020B0604020202020204" pitchFamily="34" charset="0"/>
-              <a:buNone/>
-              <a:defRPr sz="1600" kern="1200">
-                <a:solidFill>
-                  <a:schemeClr val="tx1"/>
-                </a:solidFill>
-                <a:latin typeface="+mn-lt"/>
-                <a:ea typeface="+mn-ea"/>
-                <a:cs typeface="+mn-cs"/>
-              </a:defRPr>
-            </a:lvl9pPr>
-          </a:lstStyle>
+          <a:lstStyle/>
           <a:p>
             <a:r>
               <a:rPr lang="es-AR" sz="5400" b="1" kern="100" dirty="0">
+                <a:effectLst/>
                 <a:latin typeface="Calibri" panose="020F0502020204030204" pitchFamily="34" charset="0"/>
                 <a:ea typeface="Calibri" panose="020F0502020204030204" pitchFamily="34" charset="0"/>
                 <a:cs typeface="Arial" panose="020B0604020202020204" pitchFamily="34" charset="0"/>
               </a:rPr>
-              <a:t>Dudas? Preguntas?</a:t>
+              <a:t>En resumen, el modelo se basa en los siguientes pasos:</a:t>
             </a:r>
           </a:p>
           <a:p>
             <a:endParaRPr lang="es-AR" sz="5400" b="1" kern="100" dirty="0">
+              <a:effectLst/>
               <a:latin typeface="Calibri" panose="020F0502020204030204" pitchFamily="34" charset="0"/>
               <a:ea typeface="Calibri" panose="020F0502020204030204" pitchFamily="34" charset="0"/>
+              <a:cs typeface="Arial" panose="020B0604020202020204" pitchFamily="34" charset="0"/>
+            </a:endParaRPr>
+          </a:p>
+          <a:p>
+            <a:r>
+              <a:rPr lang="es-MX" sz="3900" kern="100" dirty="0">
+                <a:latin typeface="Calibri" panose="020F0502020204030204" pitchFamily="34" charset="0"/>
+                <a:cs typeface="Arial" panose="020B0604020202020204" pitchFamily="34" charset="0"/>
+              </a:rPr>
+              <a:t>Recopilación de datos</a:t>
+            </a:r>
+          </a:p>
+          <a:p>
+            <a:r>
+              <a:rPr lang="es-MX" sz="3900" kern="100" dirty="0">
+                <a:latin typeface="Calibri" panose="020F0502020204030204" pitchFamily="34" charset="0"/>
+                <a:cs typeface="Arial" panose="020B0604020202020204" pitchFamily="34" charset="0"/>
+              </a:rPr>
+              <a:t>Actualización de la matriz de distancias</a:t>
+            </a:r>
+          </a:p>
+          <a:p>
+            <a:r>
+              <a:rPr lang="es-MX" sz="3900" kern="100" dirty="0">
+                <a:latin typeface="Calibri" panose="020F0502020204030204" pitchFamily="34" charset="0"/>
+                <a:cs typeface="Arial" panose="020B0604020202020204" pitchFamily="34" charset="0"/>
+              </a:rPr>
+              <a:t>Comparación de distancias recorridas</a:t>
+            </a:r>
+          </a:p>
+          <a:p>
+            <a:r>
+              <a:rPr lang="es-MX" sz="3900" kern="100" dirty="0">
+                <a:latin typeface="Calibri" panose="020F0502020204030204" pitchFamily="34" charset="0"/>
+                <a:cs typeface="Arial" panose="020B0604020202020204" pitchFamily="34" charset="0"/>
+              </a:rPr>
+              <a:t>Selección del equipo local</a:t>
+            </a:r>
+            <a:endParaRPr lang="es-AR" sz="3900" kern="100" dirty="0">
+              <a:latin typeface="Calibri" panose="020F0502020204030204" pitchFamily="34" charset="0"/>
               <a:cs typeface="Arial" panose="020B0604020202020204" pitchFamily="34" charset="0"/>
             </a:endParaRPr>
           </a:p>
@@ -5938,7 +6704,7 @@
     </p:spTree>
     <p:extLst>
       <p:ext uri="{BB962C8B-B14F-4D97-AF65-F5344CB8AC3E}">
-        <p14:creationId xmlns:p14="http://schemas.microsoft.com/office/powerpoint/2010/main" val="137466251"/>
+        <p14:creationId xmlns:p14="http://schemas.microsoft.com/office/powerpoint/2010/main" val="530269972"/>
       </p:ext>
     </p:extLst>
   </p:cSld>
@@ -5967,6 +6733,107 @@
       </p:grpSpPr>
       <p:sp>
         <p:nvSpPr>
+          <p:cNvPr id="7" name="Subtítulo 6">
+            <a:extLst>
+              <a:ext uri="{FF2B5EF4-FFF2-40B4-BE49-F238E27FC236}">
+                <a16:creationId xmlns:a16="http://schemas.microsoft.com/office/drawing/2014/main" id="{5C54FA5F-97D3-95D3-CB0E-2C470FA43ADA}"/>
+              </a:ext>
+            </a:extLst>
+          </p:cNvPr>
+          <p:cNvSpPr>
+            <a:spLocks noGrp="1"/>
+          </p:cNvSpPr>
+          <p:nvPr>
+            <p:ph type="subTitle" idx="1"/>
+          </p:nvPr>
+        </p:nvSpPr>
+        <p:spPr>
+          <a:xfrm>
+            <a:off x="103163" y="1220121"/>
+            <a:ext cx="11985674" cy="4417758"/>
+          </a:xfrm>
+        </p:spPr>
+        <p:txBody>
+          <a:bodyPr>
+            <a:normAutofit lnSpcReduction="10000"/>
+          </a:bodyPr>
+          <a:lstStyle/>
+          <a:p>
+            <a:r>
+              <a:rPr lang="es-AR" sz="5400" b="1" kern="100" dirty="0">
+                <a:effectLst/>
+                <a:latin typeface="Calibri" panose="020F0502020204030204" pitchFamily="34" charset="0"/>
+                <a:ea typeface="Calibri" panose="020F0502020204030204" pitchFamily="34" charset="0"/>
+                <a:cs typeface="Arial" panose="020B0604020202020204" pitchFamily="34" charset="0"/>
+              </a:rPr>
+              <a:t>Conclusiones</a:t>
+            </a:r>
+          </a:p>
+          <a:p>
+            <a:endParaRPr lang="es-AR" sz="5400" b="1" kern="100" dirty="0">
+              <a:latin typeface="Calibri" panose="020F0502020204030204" pitchFamily="34" charset="0"/>
+              <a:cs typeface="Arial" panose="020B0604020202020204" pitchFamily="34" charset="0"/>
+            </a:endParaRPr>
+          </a:p>
+          <a:p>
+            <a:r>
+              <a:rPr lang="es-MX" sz="3600" kern="100" dirty="0">
+                <a:latin typeface="Calibri" panose="020F0502020204030204" pitchFamily="34" charset="0"/>
+                <a:cs typeface="Arial" panose="020B0604020202020204" pitchFamily="34" charset="0"/>
+              </a:rPr>
+              <a:t>El modelo propuesto ofrece una metodología clara y precisa para determinar la localía en los clásicos de la fecha, tomando en cuenta la distancia recorrida por cada equipo.</a:t>
+            </a:r>
+          </a:p>
+          <a:p>
+            <a:r>
+              <a:rPr lang="es-MX" sz="3600" kern="100" dirty="0">
+                <a:latin typeface="Calibri" panose="020F0502020204030204" pitchFamily="34" charset="0"/>
+                <a:cs typeface="Arial" panose="020B0604020202020204" pitchFamily="34" charset="0"/>
+              </a:rPr>
+              <a:t>Además, existe el potencial de expandir y mejorar el modelo en investigaciones futuras</a:t>
+            </a:r>
+          </a:p>
+          <a:p>
+            <a:pPr marL="571500" indent="-571500">
+              <a:buFont typeface="Arial" panose="020B0604020202020204" pitchFamily="34" charset="0"/>
+              <a:buChar char="•"/>
+            </a:pPr>
+            <a:endParaRPr lang="es-MX" sz="3200" dirty="0"/>
+          </a:p>
+        </p:txBody>
+      </p:sp>
+    </p:spTree>
+    <p:extLst>
+      <p:ext uri="{BB962C8B-B14F-4D97-AF65-F5344CB8AC3E}">
+        <p14:creationId xmlns:p14="http://schemas.microsoft.com/office/powerpoint/2010/main" val="1704403105"/>
+      </p:ext>
+    </p:extLst>
+  </p:cSld>
+  <p:clrMapOvr>
+    <a:masterClrMapping/>
+  </p:clrMapOvr>
+</p:sld>
+</file>
+
+<file path=ppt/slides/slide19.xml><?xml version="1.0" encoding="utf-8"?>
+<p:sld xmlns:a="http://schemas.openxmlformats.org/drawingml/2006/main" xmlns:r="http://schemas.openxmlformats.org/officeDocument/2006/relationships" xmlns:p="http://schemas.openxmlformats.org/presentationml/2006/main">
+  <p:cSld>
+    <p:spTree>
+      <p:nvGrpSpPr>
+        <p:cNvPr id="1" name=""/>
+        <p:cNvGrpSpPr/>
+        <p:nvPr/>
+      </p:nvGrpSpPr>
+      <p:grpSpPr>
+        <a:xfrm>
+          <a:off x="0" y="0"/>
+          <a:ext cx="0" cy="0"/>
+          <a:chOff x="0" y="0"/>
+          <a:chExt cx="0" cy="0"/>
+        </a:xfrm>
+      </p:grpSpPr>
+      <p:sp>
+        <p:nvSpPr>
           <p:cNvPr id="4" name="Subtítulo 6">
             <a:extLst>
               <a:ext uri="{FF2B5EF4-FFF2-40B4-BE49-F238E27FC236}">
@@ -6158,13 +7025,15 @@
           </a:lstStyle>
           <a:p>
             <a:r>
-              <a:rPr lang="es-MX" sz="5400" b="1" kern="100" dirty="0">
+              <a:rPr lang="es-AR" sz="5400" b="1" kern="100" dirty="0">
                 <a:latin typeface="Calibri" panose="020F0502020204030204" pitchFamily="34" charset="0"/>
                 <a:ea typeface="Calibri" panose="020F0502020204030204" pitchFamily="34" charset="0"/>
                 <a:cs typeface="Arial" panose="020B0604020202020204" pitchFamily="34" charset="0"/>
               </a:rPr>
-              <a:t>Muchas Gracias!</a:t>
-            </a:r>
+              <a:t>Dudas? Preguntas?</a:t>
+            </a:r>
+          </a:p>
+          <a:p>
             <a:endParaRPr lang="es-AR" sz="5400" b="1" kern="100" dirty="0">
               <a:latin typeface="Calibri" panose="020F0502020204030204" pitchFamily="34" charset="0"/>
               <a:ea typeface="Calibri" panose="020F0502020204030204" pitchFamily="34" charset="0"/>
@@ -6176,7 +7045,7 @@
     </p:spTree>
     <p:extLst>
       <p:ext uri="{BB962C8B-B14F-4D97-AF65-F5344CB8AC3E}">
-        <p14:creationId xmlns:p14="http://schemas.microsoft.com/office/powerpoint/2010/main" val="2603421792"/>
+        <p14:creationId xmlns:p14="http://schemas.microsoft.com/office/powerpoint/2010/main" val="137466251"/>
       </p:ext>
     </p:extLst>
   </p:cSld>
@@ -6203,12 +7072,1024 @@
           <a:chExt cx="0" cy="0"/>
         </a:xfrm>
       </p:grpSpPr>
+      <p:grpSp>
+        <p:nvGrpSpPr>
+          <p:cNvPr id="22" name="Grupo 21">
+            <a:extLst>
+              <a:ext uri="{FF2B5EF4-FFF2-40B4-BE49-F238E27FC236}">
+                <a16:creationId xmlns:a16="http://schemas.microsoft.com/office/drawing/2014/main" id="{D1CC5095-4516-9CE8-42E9-5F23242CA556}"/>
+              </a:ext>
+            </a:extLst>
+          </p:cNvPr>
+          <p:cNvGrpSpPr/>
+          <p:nvPr/>
+        </p:nvGrpSpPr>
+        <p:grpSpPr>
+          <a:xfrm>
+            <a:off x="2690266" y="711063"/>
+            <a:ext cx="6811469" cy="5435874"/>
+            <a:chOff x="999381" y="3610803"/>
+            <a:chExt cx="4859239" cy="5435874"/>
+          </a:xfrm>
+        </p:grpSpPr>
+        <p:sp>
+          <p:nvSpPr>
+            <p:cNvPr id="5" name="Elipse 4">
+              <a:extLst>
+                <a:ext uri="{FF2B5EF4-FFF2-40B4-BE49-F238E27FC236}">
+                  <a16:creationId xmlns:a16="http://schemas.microsoft.com/office/drawing/2014/main" id="{53AD18F7-815D-E818-6748-5E16DFAFDB38}"/>
+                </a:ext>
+              </a:extLst>
+            </p:cNvPr>
+            <p:cNvSpPr/>
+            <p:nvPr/>
+          </p:nvSpPr>
+          <p:spPr>
+            <a:xfrm>
+              <a:off x="2781350" y="5422229"/>
+              <a:ext cx="1296218" cy="1296218"/>
+            </a:xfrm>
+            <a:prstGeom prst="ellipse">
+              <a:avLst/>
+            </a:prstGeom>
+            <a:solidFill>
+              <a:schemeClr val="bg1"/>
+            </a:solidFill>
+            <a:ln w="9525"/>
+          </p:spPr>
+          <p:style>
+            <a:lnRef idx="2">
+              <a:schemeClr val="accent1">
+                <a:shade val="15000"/>
+              </a:schemeClr>
+            </a:lnRef>
+            <a:fillRef idx="1">
+              <a:schemeClr val="accent1"/>
+            </a:fillRef>
+            <a:effectRef idx="0">
+              <a:schemeClr val="accent1"/>
+            </a:effectRef>
+            <a:fontRef idx="minor">
+              <a:schemeClr val="lt1"/>
+            </a:fontRef>
+          </p:style>
+          <p:txBody>
+            <a:bodyPr lIns="36000" tIns="36000" rIns="36000" bIns="36000" rtlCol="0" anchor="ctr"/>
+            <a:lstStyle/>
+            <a:p>
+              <a:pPr algn="ctr"/>
+              <a:r>
+                <a:rPr lang="es-AR" sz="1400" b="1" dirty="0">
+                  <a:solidFill>
+                    <a:schemeClr val="tx1"/>
+                  </a:solidFill>
+                </a:rPr>
+                <a:t>Integrantes</a:t>
+              </a:r>
+            </a:p>
+          </p:txBody>
+        </p:sp>
+        <p:cxnSp>
+          <p:nvCxnSpPr>
+            <p:cNvPr id="6" name="Conector recto 5">
+              <a:extLst>
+                <a:ext uri="{FF2B5EF4-FFF2-40B4-BE49-F238E27FC236}">
+                  <a16:creationId xmlns:a16="http://schemas.microsoft.com/office/drawing/2014/main" id="{899A1929-0834-ED1B-CF14-0D5F1C91DDB1}"/>
+                </a:ext>
+              </a:extLst>
+            </p:cNvPr>
+            <p:cNvCxnSpPr>
+              <a:cxnSpLocks/>
+              <a:stCxn id="5" idx="7"/>
+              <a:endCxn id="10" idx="3"/>
+            </p:cNvCxnSpPr>
+            <p:nvPr/>
+          </p:nvCxnSpPr>
+          <p:spPr>
+            <a:xfrm flipV="1">
+              <a:off x="3887741" y="4559049"/>
+              <a:ext cx="1020909" cy="1053007"/>
+            </a:xfrm>
+            <a:prstGeom prst="line">
+              <a:avLst/>
+            </a:prstGeom>
+          </p:spPr>
+          <p:style>
+            <a:lnRef idx="2">
+              <a:schemeClr val="accent1"/>
+            </a:lnRef>
+            <a:fillRef idx="0">
+              <a:schemeClr val="accent1"/>
+            </a:fillRef>
+            <a:effectRef idx="1">
+              <a:schemeClr val="accent1"/>
+            </a:effectRef>
+            <a:fontRef idx="minor">
+              <a:schemeClr val="tx1"/>
+            </a:fontRef>
+          </p:style>
+        </p:cxnSp>
+        <p:cxnSp>
+          <p:nvCxnSpPr>
+            <p:cNvPr id="7" name="Conector recto 6">
+              <a:extLst>
+                <a:ext uri="{FF2B5EF4-FFF2-40B4-BE49-F238E27FC236}">
+                  <a16:creationId xmlns:a16="http://schemas.microsoft.com/office/drawing/2014/main" id="{EDC3C3BC-A888-AE4F-8B7F-BFD79F1862D7}"/>
+                </a:ext>
+              </a:extLst>
+            </p:cNvPr>
+            <p:cNvCxnSpPr>
+              <a:cxnSpLocks/>
+              <a:stCxn id="5" idx="1"/>
+              <a:endCxn id="12" idx="5"/>
+            </p:cNvCxnSpPr>
+            <p:nvPr/>
+          </p:nvCxnSpPr>
+          <p:spPr>
+            <a:xfrm flipH="1" flipV="1">
+              <a:off x="1947628" y="4565168"/>
+              <a:ext cx="1023549" cy="1046888"/>
+            </a:xfrm>
+            <a:prstGeom prst="line">
+              <a:avLst/>
+            </a:prstGeom>
+          </p:spPr>
+          <p:style>
+            <a:lnRef idx="2">
+              <a:schemeClr val="accent1"/>
+            </a:lnRef>
+            <a:fillRef idx="0">
+              <a:schemeClr val="accent1"/>
+            </a:fillRef>
+            <a:effectRef idx="1">
+              <a:schemeClr val="accent1"/>
+            </a:effectRef>
+            <a:fontRef idx="minor">
+              <a:schemeClr val="tx1"/>
+            </a:fontRef>
+          </p:style>
+        </p:cxnSp>
+        <p:cxnSp>
+          <p:nvCxnSpPr>
+            <p:cNvPr id="8" name="Conector recto 7">
+              <a:extLst>
+                <a:ext uri="{FF2B5EF4-FFF2-40B4-BE49-F238E27FC236}">
+                  <a16:creationId xmlns:a16="http://schemas.microsoft.com/office/drawing/2014/main" id="{1B9DE4CD-88FD-FFF4-06A9-D377BA416010}"/>
+                </a:ext>
+              </a:extLst>
+            </p:cNvPr>
+            <p:cNvCxnSpPr>
+              <a:cxnSpLocks/>
+              <a:stCxn id="5" idx="3"/>
+              <a:endCxn id="11" idx="6"/>
+            </p:cNvCxnSpPr>
+            <p:nvPr/>
+          </p:nvCxnSpPr>
+          <p:spPr>
+            <a:xfrm flipH="1">
+              <a:off x="2110320" y="6528620"/>
+              <a:ext cx="860857" cy="707817"/>
+            </a:xfrm>
+            <a:prstGeom prst="line">
+              <a:avLst/>
+            </a:prstGeom>
+          </p:spPr>
+          <p:style>
+            <a:lnRef idx="2">
+              <a:schemeClr val="accent1"/>
+            </a:lnRef>
+            <a:fillRef idx="0">
+              <a:schemeClr val="accent1"/>
+            </a:fillRef>
+            <a:effectRef idx="1">
+              <a:schemeClr val="accent1"/>
+            </a:effectRef>
+            <a:fontRef idx="minor">
+              <a:schemeClr val="tx1"/>
+            </a:fontRef>
+          </p:style>
+        </p:cxnSp>
+        <p:cxnSp>
+          <p:nvCxnSpPr>
+            <p:cNvPr id="9" name="Conector recto 8">
+              <a:extLst>
+                <a:ext uri="{FF2B5EF4-FFF2-40B4-BE49-F238E27FC236}">
+                  <a16:creationId xmlns:a16="http://schemas.microsoft.com/office/drawing/2014/main" id="{EA180A2A-7AB9-8957-582B-977388453A4B}"/>
+                </a:ext>
+              </a:extLst>
+            </p:cNvPr>
+            <p:cNvCxnSpPr>
+              <a:cxnSpLocks/>
+              <a:stCxn id="5" idx="5"/>
+              <a:endCxn id="13" idx="2"/>
+            </p:cNvCxnSpPr>
+            <p:nvPr/>
+          </p:nvCxnSpPr>
+          <p:spPr>
+            <a:xfrm>
+              <a:off x="3887741" y="6528620"/>
+              <a:ext cx="859940" cy="707816"/>
+            </a:xfrm>
+            <a:prstGeom prst="line">
+              <a:avLst/>
+            </a:prstGeom>
+          </p:spPr>
+          <p:style>
+            <a:lnRef idx="2">
+              <a:schemeClr val="accent1"/>
+            </a:lnRef>
+            <a:fillRef idx="0">
+              <a:schemeClr val="accent1"/>
+            </a:fillRef>
+            <a:effectRef idx="1">
+              <a:schemeClr val="accent1"/>
+            </a:effectRef>
+            <a:fontRef idx="minor">
+              <a:schemeClr val="tx1"/>
+            </a:fontRef>
+          </p:style>
+        </p:cxnSp>
+        <p:sp>
+          <p:nvSpPr>
+            <p:cNvPr id="10" name="Elipse 9">
+              <a:extLst>
+                <a:ext uri="{FF2B5EF4-FFF2-40B4-BE49-F238E27FC236}">
+                  <a16:creationId xmlns:a16="http://schemas.microsoft.com/office/drawing/2014/main" id="{ADB43FE4-C5C7-1530-8555-95B80664129A}"/>
+                </a:ext>
+              </a:extLst>
+            </p:cNvPr>
+            <p:cNvSpPr/>
+            <p:nvPr/>
+          </p:nvSpPr>
+          <p:spPr>
+            <a:xfrm>
+              <a:off x="4745957" y="3610803"/>
+              <a:ext cx="1110939" cy="1110939"/>
+            </a:xfrm>
+            <a:prstGeom prst="ellipse">
+              <a:avLst/>
+            </a:prstGeom>
+            <a:solidFill>
+              <a:schemeClr val="bg1"/>
+            </a:solidFill>
+            <a:ln w="9525"/>
+          </p:spPr>
+          <p:style>
+            <a:lnRef idx="2">
+              <a:schemeClr val="accent1">
+                <a:shade val="15000"/>
+              </a:schemeClr>
+            </a:lnRef>
+            <a:fillRef idx="1">
+              <a:schemeClr val="accent1"/>
+            </a:fillRef>
+            <a:effectRef idx="0">
+              <a:schemeClr val="accent1"/>
+            </a:effectRef>
+            <a:fontRef idx="minor">
+              <a:schemeClr val="lt1"/>
+            </a:fontRef>
+          </p:style>
+          <p:txBody>
+            <a:bodyPr lIns="36000" tIns="36000" rIns="36000" bIns="36000" rtlCol="0" anchor="ctr"/>
+            <a:lstStyle/>
+            <a:p>
+              <a:pPr algn="ctr"/>
+              <a:r>
+                <a:rPr lang="es-AR" sz="1600" dirty="0" err="1">
+                  <a:solidFill>
+                    <a:schemeClr val="tx1"/>
+                  </a:solidFill>
+                </a:rPr>
+                <a:t>Rabbia</a:t>
+              </a:r>
+              <a:br>
+                <a:rPr lang="es-AR" sz="1600" dirty="0">
+                  <a:solidFill>
+                    <a:schemeClr val="tx1"/>
+                  </a:solidFill>
+                </a:rPr>
+              </a:br>
+              <a:r>
+                <a:rPr lang="es-AR" sz="1600" dirty="0">
+                  <a:solidFill>
+                    <a:schemeClr val="tx1"/>
+                  </a:solidFill>
+                </a:rPr>
+                <a:t>Alexis</a:t>
+              </a:r>
+            </a:p>
+          </p:txBody>
+        </p:sp>
+        <p:sp>
+          <p:nvSpPr>
+            <p:cNvPr id="11" name="Elipse 10">
+              <a:extLst>
+                <a:ext uri="{FF2B5EF4-FFF2-40B4-BE49-F238E27FC236}">
+                  <a16:creationId xmlns:a16="http://schemas.microsoft.com/office/drawing/2014/main" id="{B8187ABF-B36B-18EC-5C1F-79046F9FE64D}"/>
+                </a:ext>
+              </a:extLst>
+            </p:cNvPr>
+            <p:cNvSpPr/>
+            <p:nvPr/>
+          </p:nvSpPr>
+          <p:spPr>
+            <a:xfrm>
+              <a:off x="999381" y="6680967"/>
+              <a:ext cx="1110939" cy="1110939"/>
+            </a:xfrm>
+            <a:prstGeom prst="ellipse">
+              <a:avLst/>
+            </a:prstGeom>
+            <a:solidFill>
+              <a:schemeClr val="bg1"/>
+            </a:solidFill>
+            <a:ln w="9525"/>
+          </p:spPr>
+          <p:style>
+            <a:lnRef idx="2">
+              <a:schemeClr val="accent1">
+                <a:shade val="15000"/>
+              </a:schemeClr>
+            </a:lnRef>
+            <a:fillRef idx="1">
+              <a:schemeClr val="accent1"/>
+            </a:fillRef>
+            <a:effectRef idx="0">
+              <a:schemeClr val="accent1"/>
+            </a:effectRef>
+            <a:fontRef idx="minor">
+              <a:schemeClr val="lt1"/>
+            </a:fontRef>
+          </p:style>
+          <p:txBody>
+            <a:bodyPr lIns="36000" tIns="36000" rIns="36000" bIns="36000" rtlCol="0" anchor="ctr"/>
+            <a:lstStyle/>
+            <a:p>
+              <a:pPr algn="ctr"/>
+              <a:r>
+                <a:rPr lang="es-AR" sz="1600" dirty="0">
+                  <a:solidFill>
+                    <a:schemeClr val="tx1"/>
+                  </a:solidFill>
+                </a:rPr>
+                <a:t>Cepeda</a:t>
+              </a:r>
+              <a:br>
+                <a:rPr lang="es-AR" sz="1600" dirty="0">
+                  <a:solidFill>
+                    <a:schemeClr val="tx1"/>
+                  </a:solidFill>
+                </a:rPr>
+              </a:br>
+              <a:r>
+                <a:rPr lang="es-AR" sz="1600" dirty="0">
+                  <a:solidFill>
+                    <a:schemeClr val="tx1"/>
+                  </a:solidFill>
+                </a:rPr>
+                <a:t>Marcelo</a:t>
+              </a:r>
+            </a:p>
+          </p:txBody>
+        </p:sp>
+        <p:sp>
+          <p:nvSpPr>
+            <p:cNvPr id="12" name="Elipse 11">
+              <a:extLst>
+                <a:ext uri="{FF2B5EF4-FFF2-40B4-BE49-F238E27FC236}">
+                  <a16:creationId xmlns:a16="http://schemas.microsoft.com/office/drawing/2014/main" id="{F9D03464-0412-CAD7-4369-E2D4BD35451B}"/>
+                </a:ext>
+              </a:extLst>
+            </p:cNvPr>
+            <p:cNvSpPr/>
+            <p:nvPr/>
+          </p:nvSpPr>
+          <p:spPr>
+            <a:xfrm>
+              <a:off x="999382" y="3616922"/>
+              <a:ext cx="1110939" cy="1110939"/>
+            </a:xfrm>
+            <a:prstGeom prst="ellipse">
+              <a:avLst/>
+            </a:prstGeom>
+            <a:solidFill>
+              <a:schemeClr val="bg1"/>
+            </a:solidFill>
+            <a:ln w="9525"/>
+          </p:spPr>
+          <p:style>
+            <a:lnRef idx="2">
+              <a:schemeClr val="accent1">
+                <a:shade val="15000"/>
+              </a:schemeClr>
+            </a:lnRef>
+            <a:fillRef idx="1">
+              <a:schemeClr val="accent1"/>
+            </a:fillRef>
+            <a:effectRef idx="0">
+              <a:schemeClr val="accent1"/>
+            </a:effectRef>
+            <a:fontRef idx="minor">
+              <a:schemeClr val="lt1"/>
+            </a:fontRef>
+          </p:style>
+          <p:txBody>
+            <a:bodyPr lIns="36000" tIns="36000" rIns="36000" bIns="36000" rtlCol="0" anchor="ctr"/>
+            <a:lstStyle/>
+            <a:p>
+              <a:pPr algn="ctr"/>
+              <a:r>
+                <a:rPr lang="es-AR" sz="1600" dirty="0">
+                  <a:solidFill>
+                    <a:schemeClr val="tx1"/>
+                  </a:solidFill>
+                </a:rPr>
+                <a:t>Dell Olio</a:t>
+              </a:r>
+              <a:br>
+                <a:rPr lang="es-AR" sz="1600" dirty="0">
+                  <a:solidFill>
+                    <a:schemeClr val="tx1"/>
+                  </a:solidFill>
+                </a:rPr>
+              </a:br>
+              <a:r>
+                <a:rPr lang="es-AR" sz="1600" dirty="0">
+                  <a:solidFill>
+                    <a:schemeClr val="tx1"/>
+                  </a:solidFill>
+                </a:rPr>
+                <a:t> Lucia</a:t>
+              </a:r>
+            </a:p>
+          </p:txBody>
+        </p:sp>
+        <p:sp>
+          <p:nvSpPr>
+            <p:cNvPr id="13" name="Elipse 12">
+              <a:extLst>
+                <a:ext uri="{FF2B5EF4-FFF2-40B4-BE49-F238E27FC236}">
+                  <a16:creationId xmlns:a16="http://schemas.microsoft.com/office/drawing/2014/main" id="{B8FD180E-D46E-6726-A9FE-52A6040717E2}"/>
+                </a:ext>
+              </a:extLst>
+            </p:cNvPr>
+            <p:cNvSpPr/>
+            <p:nvPr/>
+          </p:nvSpPr>
+          <p:spPr>
+            <a:xfrm>
+              <a:off x="4747681" y="6680966"/>
+              <a:ext cx="1110939" cy="1110939"/>
+            </a:xfrm>
+            <a:prstGeom prst="ellipse">
+              <a:avLst/>
+            </a:prstGeom>
+            <a:solidFill>
+              <a:schemeClr val="bg1"/>
+            </a:solidFill>
+            <a:ln w="9525"/>
+          </p:spPr>
+          <p:style>
+            <a:lnRef idx="2">
+              <a:schemeClr val="accent1">
+                <a:shade val="15000"/>
+              </a:schemeClr>
+            </a:lnRef>
+            <a:fillRef idx="1">
+              <a:schemeClr val="accent1"/>
+            </a:fillRef>
+            <a:effectRef idx="0">
+              <a:schemeClr val="accent1"/>
+            </a:effectRef>
+            <a:fontRef idx="minor">
+              <a:schemeClr val="lt1"/>
+            </a:fontRef>
+          </p:style>
+          <p:txBody>
+            <a:bodyPr lIns="36000" tIns="36000" rIns="36000" bIns="36000" rtlCol="0" anchor="ctr"/>
+            <a:lstStyle/>
+            <a:p>
+              <a:pPr algn="ctr"/>
+              <a:r>
+                <a:rPr lang="es-AR" sz="1600" dirty="0">
+                  <a:solidFill>
+                    <a:schemeClr val="tx1"/>
+                  </a:solidFill>
+                </a:rPr>
+                <a:t>Molina</a:t>
+              </a:r>
+              <a:br>
+                <a:rPr lang="es-AR" sz="1600" dirty="0">
+                  <a:solidFill>
+                    <a:schemeClr val="tx1"/>
+                  </a:solidFill>
+                </a:rPr>
+              </a:br>
+              <a:r>
+                <a:rPr lang="es-AR" sz="1600" dirty="0">
+                  <a:solidFill>
+                    <a:schemeClr val="tx1"/>
+                  </a:solidFill>
+                </a:rPr>
+                <a:t>Paula</a:t>
+              </a:r>
+            </a:p>
+          </p:txBody>
+        </p:sp>
+        <p:sp>
+          <p:nvSpPr>
+            <p:cNvPr id="14" name="Elipse 13">
+              <a:extLst>
+                <a:ext uri="{FF2B5EF4-FFF2-40B4-BE49-F238E27FC236}">
+                  <a16:creationId xmlns:a16="http://schemas.microsoft.com/office/drawing/2014/main" id="{5AAE8557-4A78-5848-C000-AA92ED63CE9D}"/>
+                </a:ext>
+              </a:extLst>
+            </p:cNvPr>
+            <p:cNvSpPr/>
+            <p:nvPr/>
+          </p:nvSpPr>
+          <p:spPr>
+            <a:xfrm>
+              <a:off x="1096568" y="8130113"/>
+              <a:ext cx="916564" cy="916564"/>
+            </a:xfrm>
+            <a:prstGeom prst="ellipse">
+              <a:avLst/>
+            </a:prstGeom>
+            <a:solidFill>
+              <a:schemeClr val="bg1"/>
+            </a:solidFill>
+          </p:spPr>
+          <p:style>
+            <a:lnRef idx="2">
+              <a:schemeClr val="accent1">
+                <a:shade val="15000"/>
+              </a:schemeClr>
+            </a:lnRef>
+            <a:fillRef idx="1">
+              <a:schemeClr val="accent1"/>
+            </a:fillRef>
+            <a:effectRef idx="0">
+              <a:schemeClr val="accent1"/>
+            </a:effectRef>
+            <a:fontRef idx="minor">
+              <a:schemeClr val="lt1"/>
+            </a:fontRef>
+          </p:style>
+          <p:txBody>
+            <a:bodyPr rtlCol="0" anchor="ctr"/>
+            <a:lstStyle/>
+            <a:p>
+              <a:pPr algn="ctr"/>
+              <a:r>
+                <a:rPr lang="es-AR" sz="1100" dirty="0">
+                  <a:solidFill>
+                    <a:schemeClr val="tx1"/>
+                  </a:solidFill>
+                </a:rPr>
+                <a:t>Legajo</a:t>
+              </a:r>
+              <a:br>
+                <a:rPr lang="es-AR" sz="1100" dirty="0">
+                  <a:solidFill>
+                    <a:schemeClr val="tx1"/>
+                  </a:solidFill>
+                </a:rPr>
+              </a:br>
+              <a:r>
+                <a:rPr lang="es-AR" sz="1100" dirty="0">
+                  <a:solidFill>
+                    <a:schemeClr val="tx1"/>
+                  </a:solidFill>
+                </a:rPr>
+                <a:t>53022  </a:t>
+              </a:r>
+            </a:p>
+          </p:txBody>
+        </p:sp>
+        <p:sp>
+          <p:nvSpPr>
+            <p:cNvPr id="15" name="Elipse 14">
+              <a:extLst>
+                <a:ext uri="{FF2B5EF4-FFF2-40B4-BE49-F238E27FC236}">
+                  <a16:creationId xmlns:a16="http://schemas.microsoft.com/office/drawing/2014/main" id="{00D65C69-9486-6BBF-A4B7-6425E415C70B}"/>
+                </a:ext>
+              </a:extLst>
+            </p:cNvPr>
+            <p:cNvSpPr/>
+            <p:nvPr/>
+          </p:nvSpPr>
+          <p:spPr>
+            <a:xfrm>
+              <a:off x="4843144" y="8130113"/>
+              <a:ext cx="916564" cy="916564"/>
+            </a:xfrm>
+            <a:prstGeom prst="ellipse">
+              <a:avLst/>
+            </a:prstGeom>
+            <a:solidFill>
+              <a:schemeClr val="bg1"/>
+            </a:solidFill>
+          </p:spPr>
+          <p:style>
+            <a:lnRef idx="2">
+              <a:schemeClr val="accent1">
+                <a:shade val="15000"/>
+              </a:schemeClr>
+            </a:lnRef>
+            <a:fillRef idx="1">
+              <a:schemeClr val="accent1"/>
+            </a:fillRef>
+            <a:effectRef idx="0">
+              <a:schemeClr val="accent1"/>
+            </a:effectRef>
+            <a:fontRef idx="minor">
+              <a:schemeClr val="lt1"/>
+            </a:fontRef>
+          </p:style>
+          <p:txBody>
+            <a:bodyPr rtlCol="0" anchor="ctr"/>
+            <a:lstStyle/>
+            <a:p>
+              <a:pPr algn="ctr"/>
+              <a:r>
+                <a:rPr lang="es-AR" sz="1100" dirty="0">
+                  <a:solidFill>
+                    <a:schemeClr val="tx1"/>
+                  </a:solidFill>
+                </a:rPr>
+                <a:t>Legajo</a:t>
+              </a:r>
+              <a:br>
+                <a:rPr lang="es-AR" sz="1100" dirty="0">
+                  <a:solidFill>
+                    <a:schemeClr val="tx1"/>
+                  </a:solidFill>
+                </a:rPr>
+              </a:br>
+              <a:r>
+                <a:rPr lang="es-AR" sz="1100" dirty="0">
+                  <a:solidFill>
+                    <a:schemeClr val="tx1"/>
+                  </a:solidFill>
+                </a:rPr>
+                <a:t>53234  </a:t>
+              </a:r>
+            </a:p>
+          </p:txBody>
+        </p:sp>
+        <p:sp>
+          <p:nvSpPr>
+            <p:cNvPr id="16" name="Elipse 15">
+              <a:extLst>
+                <a:ext uri="{FF2B5EF4-FFF2-40B4-BE49-F238E27FC236}">
+                  <a16:creationId xmlns:a16="http://schemas.microsoft.com/office/drawing/2014/main" id="{037DD321-FF4B-502F-5823-C927FAA35568}"/>
+                </a:ext>
+              </a:extLst>
+            </p:cNvPr>
+            <p:cNvSpPr/>
+            <p:nvPr/>
+          </p:nvSpPr>
+          <p:spPr>
+            <a:xfrm>
+              <a:off x="1096569" y="5028486"/>
+              <a:ext cx="916564" cy="916564"/>
+            </a:xfrm>
+            <a:prstGeom prst="ellipse">
+              <a:avLst/>
+            </a:prstGeom>
+            <a:solidFill>
+              <a:schemeClr val="bg1"/>
+            </a:solidFill>
+          </p:spPr>
+          <p:style>
+            <a:lnRef idx="2">
+              <a:schemeClr val="accent1">
+                <a:shade val="15000"/>
+              </a:schemeClr>
+            </a:lnRef>
+            <a:fillRef idx="1">
+              <a:schemeClr val="accent1"/>
+            </a:fillRef>
+            <a:effectRef idx="0">
+              <a:schemeClr val="accent1"/>
+            </a:effectRef>
+            <a:fontRef idx="minor">
+              <a:schemeClr val="lt1"/>
+            </a:fontRef>
+          </p:style>
+          <p:txBody>
+            <a:bodyPr rtlCol="0" anchor="ctr"/>
+            <a:lstStyle/>
+            <a:p>
+              <a:pPr algn="ctr"/>
+              <a:r>
+                <a:rPr lang="es-AR" sz="1100" dirty="0">
+                  <a:solidFill>
+                    <a:schemeClr val="tx1"/>
+                  </a:solidFill>
+                </a:rPr>
+                <a:t>Legajo</a:t>
+              </a:r>
+              <a:br>
+                <a:rPr lang="es-AR" sz="1100" dirty="0">
+                  <a:solidFill>
+                    <a:schemeClr val="tx1"/>
+                  </a:solidFill>
+                </a:rPr>
+              </a:br>
+              <a:r>
+                <a:rPr lang="es-AR" sz="1100" dirty="0">
+                  <a:solidFill>
+                    <a:schemeClr val="tx1"/>
+                  </a:solidFill>
+                </a:rPr>
+                <a:t>933024  </a:t>
+              </a:r>
+            </a:p>
+          </p:txBody>
+        </p:sp>
+        <p:sp>
+          <p:nvSpPr>
+            <p:cNvPr id="17" name="Elipse 16">
+              <a:extLst>
+                <a:ext uri="{FF2B5EF4-FFF2-40B4-BE49-F238E27FC236}">
+                  <a16:creationId xmlns:a16="http://schemas.microsoft.com/office/drawing/2014/main" id="{F178F90A-9CBB-9FC0-ECD5-BF839C389259}"/>
+                </a:ext>
+              </a:extLst>
+            </p:cNvPr>
+            <p:cNvSpPr/>
+            <p:nvPr/>
+          </p:nvSpPr>
+          <p:spPr>
+            <a:xfrm>
+              <a:off x="4843144" y="5028486"/>
+              <a:ext cx="916564" cy="916564"/>
+            </a:xfrm>
+            <a:prstGeom prst="ellipse">
+              <a:avLst/>
+            </a:prstGeom>
+            <a:solidFill>
+              <a:schemeClr val="bg1"/>
+            </a:solidFill>
+          </p:spPr>
+          <p:style>
+            <a:lnRef idx="2">
+              <a:schemeClr val="accent1">
+                <a:shade val="15000"/>
+              </a:schemeClr>
+            </a:lnRef>
+            <a:fillRef idx="1">
+              <a:schemeClr val="accent1"/>
+            </a:fillRef>
+            <a:effectRef idx="0">
+              <a:schemeClr val="accent1"/>
+            </a:effectRef>
+            <a:fontRef idx="minor">
+              <a:schemeClr val="lt1"/>
+            </a:fontRef>
+          </p:style>
+          <p:txBody>
+            <a:bodyPr rtlCol="0" anchor="ctr"/>
+            <a:lstStyle/>
+            <a:p>
+              <a:pPr algn="ctr"/>
+              <a:r>
+                <a:rPr lang="es-AR" sz="1100" dirty="0">
+                  <a:solidFill>
+                    <a:schemeClr val="tx1"/>
+                  </a:solidFill>
+                </a:rPr>
+                <a:t>Legajo</a:t>
+              </a:r>
+              <a:br>
+                <a:rPr lang="es-AR" sz="1100" dirty="0">
+                  <a:solidFill>
+                    <a:schemeClr val="tx1"/>
+                  </a:solidFill>
+                </a:rPr>
+              </a:br>
+              <a:r>
+                <a:rPr lang="es-AR" sz="1100" dirty="0">
+                  <a:solidFill>
+                    <a:schemeClr val="tx1"/>
+                  </a:solidFill>
+                </a:rPr>
+                <a:t>57053  </a:t>
+              </a:r>
+            </a:p>
+          </p:txBody>
+        </p:sp>
+        <p:cxnSp>
+          <p:nvCxnSpPr>
+            <p:cNvPr id="18" name="Conector recto de flecha 17">
+              <a:extLst>
+                <a:ext uri="{FF2B5EF4-FFF2-40B4-BE49-F238E27FC236}">
+                  <a16:creationId xmlns:a16="http://schemas.microsoft.com/office/drawing/2014/main" id="{4CD23153-D8F3-E660-0D23-743E9707C79A}"/>
+                </a:ext>
+              </a:extLst>
+            </p:cNvPr>
+            <p:cNvCxnSpPr>
+              <a:cxnSpLocks/>
+              <a:stCxn id="12" idx="4"/>
+              <a:endCxn id="16" idx="0"/>
+            </p:cNvCxnSpPr>
+            <p:nvPr/>
+          </p:nvCxnSpPr>
+          <p:spPr>
+            <a:xfrm flipH="1">
+              <a:off x="1554851" y="4727861"/>
+              <a:ext cx="1" cy="300625"/>
+            </a:xfrm>
+            <a:prstGeom prst="straightConnector1">
+              <a:avLst/>
+            </a:prstGeom>
+            <a:ln>
+              <a:tailEnd type="triangle"/>
+            </a:ln>
+          </p:spPr>
+          <p:style>
+            <a:lnRef idx="1">
+              <a:schemeClr val="accent1"/>
+            </a:lnRef>
+            <a:fillRef idx="0">
+              <a:schemeClr val="accent1"/>
+            </a:fillRef>
+            <a:effectRef idx="0">
+              <a:schemeClr val="accent1"/>
+            </a:effectRef>
+            <a:fontRef idx="minor">
+              <a:schemeClr val="tx1"/>
+            </a:fontRef>
+          </p:style>
+        </p:cxnSp>
+        <p:cxnSp>
+          <p:nvCxnSpPr>
+            <p:cNvPr id="19" name="Conector recto de flecha 18">
+              <a:extLst>
+                <a:ext uri="{FF2B5EF4-FFF2-40B4-BE49-F238E27FC236}">
+                  <a16:creationId xmlns:a16="http://schemas.microsoft.com/office/drawing/2014/main" id="{1A49213F-809F-B00D-C729-781727EF0609}"/>
+                </a:ext>
+              </a:extLst>
+            </p:cNvPr>
+            <p:cNvCxnSpPr>
+              <a:cxnSpLocks/>
+              <a:stCxn id="10" idx="4"/>
+              <a:endCxn id="17" idx="0"/>
+            </p:cNvCxnSpPr>
+            <p:nvPr/>
+          </p:nvCxnSpPr>
+          <p:spPr>
+            <a:xfrm flipH="1">
+              <a:off x="5301426" y="4721742"/>
+              <a:ext cx="1" cy="306744"/>
+            </a:xfrm>
+            <a:prstGeom prst="straightConnector1">
+              <a:avLst/>
+            </a:prstGeom>
+            <a:ln>
+              <a:tailEnd type="triangle"/>
+            </a:ln>
+          </p:spPr>
+          <p:style>
+            <a:lnRef idx="1">
+              <a:schemeClr val="accent1"/>
+            </a:lnRef>
+            <a:fillRef idx="0">
+              <a:schemeClr val="accent1"/>
+            </a:fillRef>
+            <a:effectRef idx="0">
+              <a:schemeClr val="accent1"/>
+            </a:effectRef>
+            <a:fontRef idx="minor">
+              <a:schemeClr val="tx1"/>
+            </a:fontRef>
+          </p:style>
+        </p:cxnSp>
+        <p:cxnSp>
+          <p:nvCxnSpPr>
+            <p:cNvPr id="20" name="Conector recto de flecha 19">
+              <a:extLst>
+                <a:ext uri="{FF2B5EF4-FFF2-40B4-BE49-F238E27FC236}">
+                  <a16:creationId xmlns:a16="http://schemas.microsoft.com/office/drawing/2014/main" id="{513FCC53-0740-F40B-ADD6-1EE4FAA376D9}"/>
+                </a:ext>
+              </a:extLst>
+            </p:cNvPr>
+            <p:cNvCxnSpPr>
+              <a:cxnSpLocks/>
+              <a:stCxn id="13" idx="4"/>
+              <a:endCxn id="15" idx="0"/>
+            </p:cNvCxnSpPr>
+            <p:nvPr/>
+          </p:nvCxnSpPr>
+          <p:spPr>
+            <a:xfrm flipH="1">
+              <a:off x="5301426" y="7791905"/>
+              <a:ext cx="1725" cy="338208"/>
+            </a:xfrm>
+            <a:prstGeom prst="straightConnector1">
+              <a:avLst/>
+            </a:prstGeom>
+            <a:ln>
+              <a:tailEnd type="triangle"/>
+            </a:ln>
+          </p:spPr>
+          <p:style>
+            <a:lnRef idx="1">
+              <a:schemeClr val="accent1"/>
+            </a:lnRef>
+            <a:fillRef idx="0">
+              <a:schemeClr val="accent1"/>
+            </a:fillRef>
+            <a:effectRef idx="0">
+              <a:schemeClr val="accent1"/>
+            </a:effectRef>
+            <a:fontRef idx="minor">
+              <a:schemeClr val="tx1"/>
+            </a:fontRef>
+          </p:style>
+        </p:cxnSp>
+        <p:cxnSp>
+          <p:nvCxnSpPr>
+            <p:cNvPr id="21" name="Conector recto de flecha 20">
+              <a:extLst>
+                <a:ext uri="{FF2B5EF4-FFF2-40B4-BE49-F238E27FC236}">
+                  <a16:creationId xmlns:a16="http://schemas.microsoft.com/office/drawing/2014/main" id="{B9BFCCAC-2325-96C5-BEB7-9A152221E1E6}"/>
+                </a:ext>
+              </a:extLst>
+            </p:cNvPr>
+            <p:cNvCxnSpPr>
+              <a:cxnSpLocks/>
+              <a:stCxn id="11" idx="4"/>
+              <a:endCxn id="14" idx="0"/>
+            </p:cNvCxnSpPr>
+            <p:nvPr/>
+          </p:nvCxnSpPr>
+          <p:spPr>
+            <a:xfrm flipH="1">
+              <a:off x="1554850" y="7791906"/>
+              <a:ext cx="1" cy="338207"/>
+            </a:xfrm>
+            <a:prstGeom prst="straightConnector1">
+              <a:avLst/>
+            </a:prstGeom>
+            <a:ln>
+              <a:tailEnd type="triangle"/>
+            </a:ln>
+          </p:spPr>
+          <p:style>
+            <a:lnRef idx="1">
+              <a:schemeClr val="accent1"/>
+            </a:lnRef>
+            <a:fillRef idx="0">
+              <a:schemeClr val="accent1"/>
+            </a:fillRef>
+            <a:effectRef idx="0">
+              <a:schemeClr val="accent1"/>
+            </a:effectRef>
+            <a:fontRef idx="minor">
+              <a:schemeClr val="tx1"/>
+            </a:fontRef>
+          </p:style>
+        </p:cxnSp>
+      </p:grpSp>
+    </p:spTree>
+    <p:extLst>
+      <p:ext uri="{BB962C8B-B14F-4D97-AF65-F5344CB8AC3E}">
+        <p14:creationId xmlns:p14="http://schemas.microsoft.com/office/powerpoint/2010/main" val="125773351"/>
+      </p:ext>
+    </p:extLst>
+  </p:cSld>
+  <p:clrMapOvr>
+    <a:masterClrMapping/>
+  </p:clrMapOvr>
+</p:sld>
+</file>
+
+<file path=ppt/slides/slide20.xml><?xml version="1.0" encoding="utf-8"?>
+<p:sld xmlns:a="http://schemas.openxmlformats.org/drawingml/2006/main" xmlns:r="http://schemas.openxmlformats.org/officeDocument/2006/relationships" xmlns:p="http://schemas.openxmlformats.org/presentationml/2006/main">
+  <p:cSld>
+    <p:spTree>
+      <p:nvGrpSpPr>
+        <p:cNvPr id="1" name=""/>
+        <p:cNvGrpSpPr/>
+        <p:nvPr/>
+      </p:nvGrpSpPr>
+      <p:grpSpPr>
+        <a:xfrm>
+          <a:off x="0" y="0"/>
+          <a:ext cx="0" cy="0"/>
+          <a:chOff x="0" y="0"/>
+          <a:chExt cx="0" cy="0"/>
+        </a:xfrm>
+      </p:grpSpPr>
       <p:sp>
         <p:nvSpPr>
-          <p:cNvPr id="8" name="Subtítulo 6">
-            <a:extLst>
-              <a:ext uri="{FF2B5EF4-FFF2-40B4-BE49-F238E27FC236}">
-                <a16:creationId xmlns:a16="http://schemas.microsoft.com/office/drawing/2014/main" id="{DD8F9269-B45B-FF57-D02F-94A848BA9AA7}"/>
+          <p:cNvPr id="4" name="Subtítulo 6">
+            <a:extLst>
+              <a:ext uri="{FF2B5EF4-FFF2-40B4-BE49-F238E27FC236}">
+                <a16:creationId xmlns:a16="http://schemas.microsoft.com/office/drawing/2014/main" id="{2B71E6F2-1E12-2CC8-1A79-11BE6A720CDF}"/>
               </a:ext>
             </a:extLst>
           </p:cNvPr>
@@ -6219,8 +8100,8 @@
         </p:nvSpPr>
         <p:spPr>
           <a:xfrm>
-            <a:off x="264941" y="1979651"/>
-            <a:ext cx="11662117" cy="2898698"/>
+            <a:off x="103163" y="2987500"/>
+            <a:ext cx="11985674" cy="882999"/>
           </a:xfrm>
           <a:prstGeom prst="rect">
             <a:avLst/>
@@ -6228,7 +8109,7 @@
         </p:spPr>
         <p:txBody>
           <a:bodyPr vert="horz" lIns="91440" tIns="45720" rIns="91440" bIns="45720" rtlCol="0">
-            <a:normAutofit fontScale="92500" lnSpcReduction="20000"/>
+            <a:normAutofit/>
           </a:bodyPr>
           <a:lstStyle>
             <a:lvl1pPr marL="0" indent="0" algn="ctr" defTabSz="914400" rtl="0" eaLnBrk="1" latinLnBrk="0" hangingPunct="1">
@@ -6396,39 +8277,16 @@
           </a:lstStyle>
           <a:p>
             <a:r>
-              <a:rPr lang="es-MX" sz="5800" b="1" kern="100" dirty="0">
+              <a:rPr lang="es-MX" sz="5400" b="1" kern="100" dirty="0">
                 <a:latin typeface="Calibri" panose="020F0502020204030204" pitchFamily="34" charset="0"/>
                 <a:ea typeface="Calibri" panose="020F0502020204030204" pitchFamily="34" charset="0"/>
                 <a:cs typeface="Arial" panose="020B0604020202020204" pitchFamily="34" charset="0"/>
               </a:rPr>
-              <a:t>Tema</a:t>
-            </a:r>
-          </a:p>
-          <a:p>
-            <a:endParaRPr lang="es-MX" sz="5400" b="1" kern="100" dirty="0">
+              <a:t>Muchas Gracias!</a:t>
+            </a:r>
+            <a:endParaRPr lang="es-AR" sz="5400" b="1" kern="100" dirty="0">
               <a:latin typeface="Calibri" panose="020F0502020204030204" pitchFamily="34" charset="0"/>
               <a:ea typeface="Calibri" panose="020F0502020204030204" pitchFamily="34" charset="0"/>
-              <a:cs typeface="Arial" panose="020B0604020202020204" pitchFamily="34" charset="0"/>
-            </a:endParaRPr>
-          </a:p>
-          <a:p>
-            <a:r>
-              <a:rPr lang="es-MX" sz="3600" b="1" kern="100" dirty="0">
-                <a:latin typeface="Calibri" panose="020F0502020204030204" pitchFamily="34" charset="0"/>
-                <a:ea typeface="Calibri" panose="020F0502020204030204" pitchFamily="34" charset="0"/>
-                <a:cs typeface="Arial" panose="020B0604020202020204" pitchFamily="34" charset="0"/>
-              </a:rPr>
-              <a:t> </a:t>
-            </a:r>
-            <a:r>
-              <a:rPr lang="es-MX" sz="3900" kern="100" dirty="0">
-                <a:latin typeface="Calibri" panose="020F0502020204030204" pitchFamily="34" charset="0"/>
-                <a:cs typeface="Arial" panose="020B0604020202020204" pitchFamily="34" charset="0"/>
-              </a:rPr>
-              <a:t>Determinar la localía del clásico de la fecha del Torneo Argentino de Primera División a partir de la distancia recorrida de los equipos</a:t>
-            </a:r>
-            <a:endParaRPr lang="es-AR" sz="3900" kern="100" dirty="0">
-              <a:latin typeface="Calibri" panose="020F0502020204030204" pitchFamily="34" charset="0"/>
               <a:cs typeface="Arial" panose="020B0604020202020204" pitchFamily="34" charset="0"/>
             </a:endParaRPr>
           </a:p>
@@ -6437,7 +8295,7 @@
     </p:spTree>
     <p:extLst>
       <p:ext uri="{BB962C8B-B14F-4D97-AF65-F5344CB8AC3E}">
-        <p14:creationId xmlns:p14="http://schemas.microsoft.com/office/powerpoint/2010/main" val="3225085137"/>
+        <p14:creationId xmlns:p14="http://schemas.microsoft.com/office/powerpoint/2010/main" val="2603421792"/>
       </p:ext>
     </p:extLst>
   </p:cSld>
@@ -6466,100 +8324,227 @@
       </p:grpSpPr>
       <p:sp>
         <p:nvSpPr>
-          <p:cNvPr id="7" name="Subtítulo 6">
-            <a:extLst>
-              <a:ext uri="{FF2B5EF4-FFF2-40B4-BE49-F238E27FC236}">
-                <a16:creationId xmlns:a16="http://schemas.microsoft.com/office/drawing/2014/main" id="{5C54FA5F-97D3-95D3-CB0E-2C470FA43ADA}"/>
-              </a:ext>
-            </a:extLst>
-          </p:cNvPr>
-          <p:cNvSpPr>
-            <a:spLocks noGrp="1"/>
+          <p:cNvPr id="8" name="Subtítulo 6">
+            <a:extLst>
+              <a:ext uri="{FF2B5EF4-FFF2-40B4-BE49-F238E27FC236}">
+                <a16:creationId xmlns:a16="http://schemas.microsoft.com/office/drawing/2014/main" id="{DD8F9269-B45B-FF57-D02F-94A848BA9AA7}"/>
+              </a:ext>
+            </a:extLst>
+          </p:cNvPr>
+          <p:cNvSpPr txBox="1">
+            <a:spLocks/>
           </p:cNvSpPr>
-          <p:nvPr>
-            <p:ph type="subTitle" idx="1"/>
-          </p:nvPr>
+          <p:nvPr/>
         </p:nvSpPr>
         <p:spPr>
           <a:xfrm>
-            <a:off x="103163" y="1220121"/>
-            <a:ext cx="11985674" cy="4417758"/>
+            <a:off x="264941" y="1979651"/>
+            <a:ext cx="11662117" cy="2898698"/>
           </a:xfrm>
+          <a:prstGeom prst="rect">
+            <a:avLst/>
+          </a:prstGeom>
         </p:spPr>
         <p:txBody>
-          <a:bodyPr>
-            <a:normAutofit/>
+          <a:bodyPr vert="horz" lIns="91440" tIns="45720" rIns="91440" bIns="45720" rtlCol="0">
+            <a:normAutofit fontScale="92500" lnSpcReduction="20000"/>
           </a:bodyPr>
-          <a:lstStyle/>
-          <a:p>
-            <a:r>
-              <a:rPr lang="es-AR" sz="5400" b="1" kern="100" dirty="0">
-                <a:effectLst/>
+          <a:lstStyle>
+            <a:lvl1pPr marL="0" indent="0" algn="ctr" defTabSz="914400" rtl="0" eaLnBrk="1" latinLnBrk="0" hangingPunct="1">
+              <a:lnSpc>
+                <a:spcPct val="90000"/>
+              </a:lnSpc>
+              <a:spcBef>
+                <a:spcPts val="1000"/>
+              </a:spcBef>
+              <a:buFont typeface="Arial" panose="020B0604020202020204" pitchFamily="34" charset="0"/>
+              <a:buNone/>
+              <a:defRPr sz="2400" kern="1200">
+                <a:solidFill>
+                  <a:schemeClr val="tx1"/>
+                </a:solidFill>
+                <a:latin typeface="+mn-lt"/>
+                <a:ea typeface="+mn-ea"/>
+                <a:cs typeface="+mn-cs"/>
+              </a:defRPr>
+            </a:lvl1pPr>
+            <a:lvl2pPr marL="457200" indent="0" algn="ctr" defTabSz="914400" rtl="0" eaLnBrk="1" latinLnBrk="0" hangingPunct="1">
+              <a:lnSpc>
+                <a:spcPct val="90000"/>
+              </a:lnSpc>
+              <a:spcBef>
+                <a:spcPts val="500"/>
+              </a:spcBef>
+              <a:buFont typeface="Arial" panose="020B0604020202020204" pitchFamily="34" charset="0"/>
+              <a:buNone/>
+              <a:defRPr sz="2000" kern="1200">
+                <a:solidFill>
+                  <a:schemeClr val="tx1"/>
+                </a:solidFill>
+                <a:latin typeface="+mn-lt"/>
+                <a:ea typeface="+mn-ea"/>
+                <a:cs typeface="+mn-cs"/>
+              </a:defRPr>
+            </a:lvl2pPr>
+            <a:lvl3pPr marL="914400" indent="0" algn="ctr" defTabSz="914400" rtl="0" eaLnBrk="1" latinLnBrk="0" hangingPunct="1">
+              <a:lnSpc>
+                <a:spcPct val="90000"/>
+              </a:lnSpc>
+              <a:spcBef>
+                <a:spcPts val="500"/>
+              </a:spcBef>
+              <a:buFont typeface="Arial" panose="020B0604020202020204" pitchFamily="34" charset="0"/>
+              <a:buNone/>
+              <a:defRPr sz="1800" kern="1200">
+                <a:solidFill>
+                  <a:schemeClr val="tx1"/>
+                </a:solidFill>
+                <a:latin typeface="+mn-lt"/>
+                <a:ea typeface="+mn-ea"/>
+                <a:cs typeface="+mn-cs"/>
+              </a:defRPr>
+            </a:lvl3pPr>
+            <a:lvl4pPr marL="1371600" indent="0" algn="ctr" defTabSz="914400" rtl="0" eaLnBrk="1" latinLnBrk="0" hangingPunct="1">
+              <a:lnSpc>
+                <a:spcPct val="90000"/>
+              </a:lnSpc>
+              <a:spcBef>
+                <a:spcPts val="500"/>
+              </a:spcBef>
+              <a:buFont typeface="Arial" panose="020B0604020202020204" pitchFamily="34" charset="0"/>
+              <a:buNone/>
+              <a:defRPr sz="1600" kern="1200">
+                <a:solidFill>
+                  <a:schemeClr val="tx1"/>
+                </a:solidFill>
+                <a:latin typeface="+mn-lt"/>
+                <a:ea typeface="+mn-ea"/>
+                <a:cs typeface="+mn-cs"/>
+              </a:defRPr>
+            </a:lvl4pPr>
+            <a:lvl5pPr marL="1828800" indent="0" algn="ctr" defTabSz="914400" rtl="0" eaLnBrk="1" latinLnBrk="0" hangingPunct="1">
+              <a:lnSpc>
+                <a:spcPct val="90000"/>
+              </a:lnSpc>
+              <a:spcBef>
+                <a:spcPts val="500"/>
+              </a:spcBef>
+              <a:buFont typeface="Arial" panose="020B0604020202020204" pitchFamily="34" charset="0"/>
+              <a:buNone/>
+              <a:defRPr sz="1600" kern="1200">
+                <a:solidFill>
+                  <a:schemeClr val="tx1"/>
+                </a:solidFill>
+                <a:latin typeface="+mn-lt"/>
+                <a:ea typeface="+mn-ea"/>
+                <a:cs typeface="+mn-cs"/>
+              </a:defRPr>
+            </a:lvl5pPr>
+            <a:lvl6pPr marL="2286000" indent="0" algn="ctr" defTabSz="914400" rtl="0" eaLnBrk="1" latinLnBrk="0" hangingPunct="1">
+              <a:lnSpc>
+                <a:spcPct val="90000"/>
+              </a:lnSpc>
+              <a:spcBef>
+                <a:spcPts val="500"/>
+              </a:spcBef>
+              <a:buFont typeface="Arial" panose="020B0604020202020204" pitchFamily="34" charset="0"/>
+              <a:buNone/>
+              <a:defRPr sz="1600" kern="1200">
+                <a:solidFill>
+                  <a:schemeClr val="tx1"/>
+                </a:solidFill>
+                <a:latin typeface="+mn-lt"/>
+                <a:ea typeface="+mn-ea"/>
+                <a:cs typeface="+mn-cs"/>
+              </a:defRPr>
+            </a:lvl6pPr>
+            <a:lvl7pPr marL="2743200" indent="0" algn="ctr" defTabSz="914400" rtl="0" eaLnBrk="1" latinLnBrk="0" hangingPunct="1">
+              <a:lnSpc>
+                <a:spcPct val="90000"/>
+              </a:lnSpc>
+              <a:spcBef>
+                <a:spcPts val="500"/>
+              </a:spcBef>
+              <a:buFont typeface="Arial" panose="020B0604020202020204" pitchFamily="34" charset="0"/>
+              <a:buNone/>
+              <a:defRPr sz="1600" kern="1200">
+                <a:solidFill>
+                  <a:schemeClr val="tx1"/>
+                </a:solidFill>
+                <a:latin typeface="+mn-lt"/>
+                <a:ea typeface="+mn-ea"/>
+                <a:cs typeface="+mn-cs"/>
+              </a:defRPr>
+            </a:lvl7pPr>
+            <a:lvl8pPr marL="3200400" indent="0" algn="ctr" defTabSz="914400" rtl="0" eaLnBrk="1" latinLnBrk="0" hangingPunct="1">
+              <a:lnSpc>
+                <a:spcPct val="90000"/>
+              </a:lnSpc>
+              <a:spcBef>
+                <a:spcPts val="500"/>
+              </a:spcBef>
+              <a:buFont typeface="Arial" panose="020B0604020202020204" pitchFamily="34" charset="0"/>
+              <a:buNone/>
+              <a:defRPr sz="1600" kern="1200">
+                <a:solidFill>
+                  <a:schemeClr val="tx1"/>
+                </a:solidFill>
+                <a:latin typeface="+mn-lt"/>
+                <a:ea typeface="+mn-ea"/>
+                <a:cs typeface="+mn-cs"/>
+              </a:defRPr>
+            </a:lvl8pPr>
+            <a:lvl9pPr marL="3657600" indent="0" algn="ctr" defTabSz="914400" rtl="0" eaLnBrk="1" latinLnBrk="0" hangingPunct="1">
+              <a:lnSpc>
+                <a:spcPct val="90000"/>
+              </a:lnSpc>
+              <a:spcBef>
+                <a:spcPts val="500"/>
+              </a:spcBef>
+              <a:buFont typeface="Arial" panose="020B0604020202020204" pitchFamily="34" charset="0"/>
+              <a:buNone/>
+              <a:defRPr sz="1600" kern="1200">
+                <a:solidFill>
+                  <a:schemeClr val="tx1"/>
+                </a:solidFill>
+                <a:latin typeface="+mn-lt"/>
+                <a:ea typeface="+mn-ea"/>
+                <a:cs typeface="+mn-cs"/>
+              </a:defRPr>
+            </a:lvl9pPr>
+          </a:lstStyle>
+          <a:p>
+            <a:r>
+              <a:rPr lang="es-MX" sz="5800" b="1" kern="100" dirty="0">
                 <a:latin typeface="Calibri" panose="020F0502020204030204" pitchFamily="34" charset="0"/>
                 <a:ea typeface="Calibri" panose="020F0502020204030204" pitchFamily="34" charset="0"/>
                 <a:cs typeface="Arial" panose="020B0604020202020204" pitchFamily="34" charset="0"/>
               </a:rPr>
-              <a:t>Importancia de la localía en los clásicos</a:t>
-            </a:r>
-          </a:p>
-          <a:p>
-            <a:endParaRPr lang="es-AR" sz="5400" b="1" kern="100" dirty="0">
-              <a:effectLst/>
+              <a:t>Tema</a:t>
+            </a:r>
+          </a:p>
+          <a:p>
+            <a:endParaRPr lang="es-MX" sz="5400" b="1" kern="100" dirty="0">
               <a:latin typeface="Calibri" panose="020F0502020204030204" pitchFamily="34" charset="0"/>
               <a:ea typeface="Calibri" panose="020F0502020204030204" pitchFamily="34" charset="0"/>
               <a:cs typeface="Arial" panose="020B0604020202020204" pitchFamily="34" charset="0"/>
             </a:endParaRPr>
           </a:p>
           <a:p>
-            <a:pPr marL="571500" indent="-571500">
-              <a:buFont typeface="Arial" panose="020B0604020202020204" pitchFamily="34" charset="0"/>
-              <a:buChar char="•"/>
-            </a:pPr>
+            <a:r>
+              <a:rPr lang="es-MX" sz="3600" b="1" kern="100" dirty="0">
+                <a:latin typeface="Calibri" panose="020F0502020204030204" pitchFamily="34" charset="0"/>
+                <a:ea typeface="Calibri" panose="020F0502020204030204" pitchFamily="34" charset="0"/>
+                <a:cs typeface="Arial" panose="020B0604020202020204" pitchFamily="34" charset="0"/>
+              </a:rPr>
+              <a:t> </a:t>
+            </a:r>
             <a:r>
               <a:rPr lang="es-MX" sz="3900" kern="100" dirty="0">
                 <a:latin typeface="Calibri" panose="020F0502020204030204" pitchFamily="34" charset="0"/>
                 <a:cs typeface="Arial" panose="020B0604020202020204" pitchFamily="34" charset="0"/>
               </a:rPr>
-              <a:t>Ventaja deportiva</a:t>
-            </a:r>
-          </a:p>
-          <a:p>
-            <a:pPr marL="571500" indent="-571500">
-              <a:buFont typeface="Arial" panose="020B0604020202020204" pitchFamily="34" charset="0"/>
-              <a:buChar char="•"/>
-            </a:pPr>
-            <a:r>
-              <a:rPr lang="es-MX" sz="3900" kern="100" dirty="0">
-                <a:latin typeface="Calibri" panose="020F0502020204030204" pitchFamily="34" charset="0"/>
-                <a:cs typeface="Arial" panose="020B0604020202020204" pitchFamily="34" charset="0"/>
-              </a:rPr>
-              <a:t>Equidad competitiva</a:t>
-            </a:r>
-          </a:p>
-          <a:p>
-            <a:pPr marL="571500" indent="-571500">
-              <a:buFont typeface="Arial" panose="020B0604020202020204" pitchFamily="34" charset="0"/>
-              <a:buChar char="•"/>
-            </a:pPr>
-            <a:r>
-              <a:rPr lang="es-MX" sz="3900" kern="100" dirty="0">
-                <a:latin typeface="Calibri" panose="020F0502020204030204" pitchFamily="34" charset="0"/>
-                <a:cs typeface="Arial" panose="020B0604020202020204" pitchFamily="34" charset="0"/>
-              </a:rPr>
-              <a:t>Impacto económico</a:t>
-            </a:r>
-          </a:p>
-          <a:p>
-            <a:pPr marL="571500" indent="-571500">
-              <a:buFont typeface="Arial" panose="020B0604020202020204" pitchFamily="34" charset="0"/>
-              <a:buChar char="•"/>
-            </a:pPr>
-            <a:r>
-              <a:rPr lang="es-MX" sz="3900" kern="100" dirty="0">
-                <a:latin typeface="Calibri" panose="020F0502020204030204" pitchFamily="34" charset="0"/>
-                <a:cs typeface="Arial" panose="020B0604020202020204" pitchFamily="34" charset="0"/>
-              </a:rPr>
-              <a:t>Seguridad y logística</a:t>
+              <a:t>Determinar la localía del clásico de la fecha del Torneo Argentino de Primera División a partir de la distancia recorrida de los equipos</a:t>
             </a:r>
             <a:endParaRPr lang="es-AR" sz="3900" kern="100" dirty="0">
               <a:latin typeface="Calibri" panose="020F0502020204030204" pitchFamily="34" charset="0"/>
@@ -6571,7 +8556,7 @@
     </p:spTree>
     <p:extLst>
       <p:ext uri="{BB962C8B-B14F-4D97-AF65-F5344CB8AC3E}">
-        <p14:creationId xmlns:p14="http://schemas.microsoft.com/office/powerpoint/2010/main" val="4291549980"/>
+        <p14:creationId xmlns:p14="http://schemas.microsoft.com/office/powerpoint/2010/main" val="3225085137"/>
       </p:ext>
     </p:extLst>
   </p:cSld>
@@ -6616,8 +8601,8 @@
         </p:nvSpPr>
         <p:spPr>
           <a:xfrm>
-            <a:off x="264941" y="1979651"/>
-            <a:ext cx="11662117" cy="2898698"/>
+            <a:off x="103163" y="1220121"/>
+            <a:ext cx="11985674" cy="4417758"/>
           </a:xfrm>
         </p:spPr>
         <p:txBody>
@@ -6627,17 +8612,18 @@
           <a:lstStyle/>
           <a:p>
             <a:r>
-              <a:rPr lang="es-MX" sz="5400" b="1" kern="100" dirty="0">
+              <a:rPr lang="es-AR" sz="5400" b="1" kern="100" dirty="0">
                 <a:effectLst/>
                 <a:latin typeface="Calibri" panose="020F0502020204030204" pitchFamily="34" charset="0"/>
                 <a:ea typeface="Calibri" panose="020F0502020204030204" pitchFamily="34" charset="0"/>
                 <a:cs typeface="Arial" panose="020B0604020202020204" pitchFamily="34" charset="0"/>
               </a:rPr>
-              <a:t>Uso de la teoría de grafos en el modelo</a:t>
-            </a:r>
-          </a:p>
-          <a:p>
-            <a:endParaRPr lang="es-MX" sz="5400" b="1" kern="100" dirty="0">
+              <a:t>Importancia de la localía en los clásicos</a:t>
+            </a:r>
+          </a:p>
+          <a:p>
+            <a:endParaRPr lang="es-AR" sz="5400" b="1" kern="100" dirty="0">
+              <a:effectLst/>
               <a:latin typeface="Calibri" panose="020F0502020204030204" pitchFamily="34" charset="0"/>
               <a:ea typeface="Calibri" panose="020F0502020204030204" pitchFamily="34" charset="0"/>
               <a:cs typeface="Arial" panose="020B0604020202020204" pitchFamily="34" charset="0"/>
@@ -6645,20 +8631,38 @@
           </a:p>
           <a:p>
             <a:r>
-              <a:rPr lang="es-MX" sz="3600" b="1" kern="100" dirty="0">
-                <a:effectLst/>
-                <a:latin typeface="Calibri" panose="020F0502020204030204" pitchFamily="34" charset="0"/>
-                <a:ea typeface="Calibri" panose="020F0502020204030204" pitchFamily="34" charset="0"/>
-                <a:cs typeface="Arial" panose="020B0604020202020204" pitchFamily="34" charset="0"/>
-              </a:rPr>
-              <a:t> </a:t>
-            </a:r>
-            <a:r>
               <a:rPr lang="es-MX" sz="3900" kern="100" dirty="0">
                 <a:latin typeface="Calibri" panose="020F0502020204030204" pitchFamily="34" charset="0"/>
                 <a:cs typeface="Arial" panose="020B0604020202020204" pitchFamily="34" charset="0"/>
               </a:rPr>
-              <a:t>Nos proporciona un marco conceptual y herramientas matemáticas para analizar el problema planteado</a:t>
+              <a:t>Ventaja deportiva</a:t>
+            </a:r>
+          </a:p>
+          <a:p>
+            <a:r>
+              <a:rPr lang="es-MX" sz="3900" kern="100" dirty="0">
+                <a:latin typeface="Calibri" panose="020F0502020204030204" pitchFamily="34" charset="0"/>
+                <a:cs typeface="Arial" panose="020B0604020202020204" pitchFamily="34" charset="0"/>
+              </a:rPr>
+              <a:t>Equidad competitiva</a:t>
+            </a:r>
+          </a:p>
+          <a:p>
+            <a:r>
+              <a:rPr lang="es-MX" sz="3900" kern="100" dirty="0">
+                <a:latin typeface="Calibri" panose="020F0502020204030204" pitchFamily="34" charset="0"/>
+                <a:cs typeface="Arial" panose="020B0604020202020204" pitchFamily="34" charset="0"/>
+              </a:rPr>
+              <a:t>Impacto económico</a:t>
+            </a:r>
+          </a:p>
+          <a:p>
+            <a:r>
+              <a:rPr lang="es-MX" sz="3900" kern="100" dirty="0">
+                <a:latin typeface="Calibri" panose="020F0502020204030204" pitchFamily="34" charset="0"/>
+                <a:cs typeface="Arial" panose="020B0604020202020204" pitchFamily="34" charset="0"/>
+              </a:rPr>
+              <a:t>Seguridad y logística</a:t>
             </a:r>
             <a:endParaRPr lang="es-AR" sz="3900" kern="100" dirty="0">
               <a:latin typeface="Calibri" panose="020F0502020204030204" pitchFamily="34" charset="0"/>
@@ -6670,7 +8674,7 @@
     </p:spTree>
     <p:extLst>
       <p:ext uri="{BB962C8B-B14F-4D97-AF65-F5344CB8AC3E}">
-        <p14:creationId xmlns:p14="http://schemas.microsoft.com/office/powerpoint/2010/main" val="1457376379"/>
+        <p14:creationId xmlns:p14="http://schemas.microsoft.com/office/powerpoint/2010/main" val="4291549980"/>
       </p:ext>
     </p:extLst>
   </p:cSld>
@@ -6715,8 +8719,8 @@
         </p:nvSpPr>
         <p:spPr>
           <a:xfrm>
-            <a:off x="264941" y="195943"/>
-            <a:ext cx="11662117" cy="4262510"/>
+            <a:off x="264941" y="1979651"/>
+            <a:ext cx="11662117" cy="2898698"/>
           </a:xfrm>
         </p:spPr>
         <p:txBody>
@@ -6726,65 +8730,50 @@
           <a:lstStyle/>
           <a:p>
             <a:r>
-              <a:rPr lang="es-AR" sz="5400" b="1" kern="100" dirty="0">
+              <a:rPr lang="es-MX" sz="5400" b="1" kern="100" dirty="0">
                 <a:effectLst/>
                 <a:latin typeface="Calibri" panose="020F0502020204030204" pitchFamily="34" charset="0"/>
                 <a:ea typeface="Calibri" panose="020F0502020204030204" pitchFamily="34" charset="0"/>
                 <a:cs typeface="Arial" panose="020B0604020202020204" pitchFamily="34" charset="0"/>
               </a:rPr>
-              <a:t>Grafo completo</a:t>
-            </a:r>
-            <a:endParaRPr lang="es-AR" sz="5400" kern="100" dirty="0">
-              <a:effectLst/>
+              <a:t>Uso de la teoría de grafos en el modelo</a:t>
+            </a:r>
+          </a:p>
+          <a:p>
+            <a:endParaRPr lang="es-MX" sz="5400" b="1" kern="100" dirty="0">
               <a:latin typeface="Calibri" panose="020F0502020204030204" pitchFamily="34" charset="0"/>
               <a:ea typeface="Calibri" panose="020F0502020204030204" pitchFamily="34" charset="0"/>
               <a:cs typeface="Arial" panose="020B0604020202020204" pitchFamily="34" charset="0"/>
             </a:endParaRPr>
           </a:p>
           <a:p>
-            <a:endParaRPr lang="es-AR" sz="1800" dirty="0"/>
+            <a:r>
+              <a:rPr lang="es-MX" sz="3600" b="1" kern="100" dirty="0">
+                <a:effectLst/>
+                <a:latin typeface="Calibri" panose="020F0502020204030204" pitchFamily="34" charset="0"/>
+                <a:ea typeface="Calibri" panose="020F0502020204030204" pitchFamily="34" charset="0"/>
+                <a:cs typeface="Arial" panose="020B0604020202020204" pitchFamily="34" charset="0"/>
+              </a:rPr>
+              <a:t> </a:t>
+            </a:r>
+            <a:r>
+              <a:rPr lang="es-MX" sz="3900" kern="100" dirty="0">
+                <a:latin typeface="Calibri" panose="020F0502020204030204" pitchFamily="34" charset="0"/>
+                <a:cs typeface="Arial" panose="020B0604020202020204" pitchFamily="34" charset="0"/>
+              </a:rPr>
+              <a:t>Nos proporciona un marco conceptual y herramientas matemáticas para analizar el problema planteado</a:t>
+            </a:r>
+            <a:endParaRPr lang="es-AR" sz="3900" kern="100" dirty="0">
+              <a:latin typeface="Calibri" panose="020F0502020204030204" pitchFamily="34" charset="0"/>
+              <a:cs typeface="Arial" panose="020B0604020202020204" pitchFamily="34" charset="0"/>
+            </a:endParaRPr>
           </a:p>
         </p:txBody>
       </p:sp>
-      <p:pic>
-        <p:nvPicPr>
-          <p:cNvPr id="5" name="Imagen 4">
-            <a:extLst>
-              <a:ext uri="{FF2B5EF4-FFF2-40B4-BE49-F238E27FC236}">
-                <a16:creationId xmlns:a16="http://schemas.microsoft.com/office/drawing/2014/main" id="{556A8BAC-C597-B218-7BE6-0686CC8F7F0F}"/>
-              </a:ext>
-            </a:extLst>
-          </p:cNvPr>
-          <p:cNvPicPr>
-            <a:picLocks noChangeAspect="1"/>
-          </p:cNvPicPr>
-          <p:nvPr/>
-        </p:nvPicPr>
-        <p:blipFill rotWithShape="1">
-          <a:blip r:embed="rId2">
-            <a:extLst>
-              <a:ext uri="{28A0092B-C50C-407E-A947-70E740481C1C}">
-                <a14:useLocalDpi xmlns:a14="http://schemas.microsoft.com/office/drawing/2010/main" val="0"/>
-              </a:ext>
-            </a:extLst>
-          </a:blip>
-          <a:srcRect t="13809" b="2857"/>
-          <a:stretch/>
-        </p:blipFill>
-        <p:spPr>
-          <a:xfrm>
-            <a:off x="3722077" y="947056"/>
-            <a:ext cx="4747846" cy="5715001"/>
-          </a:xfrm>
-          <a:prstGeom prst="rect">
-            <a:avLst/>
-          </a:prstGeom>
-        </p:spPr>
-      </p:pic>
     </p:spTree>
     <p:extLst>
       <p:ext uri="{BB962C8B-B14F-4D97-AF65-F5344CB8AC3E}">
-        <p14:creationId xmlns:p14="http://schemas.microsoft.com/office/powerpoint/2010/main" val="366962781"/>
+        <p14:creationId xmlns:p14="http://schemas.microsoft.com/office/powerpoint/2010/main" val="1457376379"/>
       </p:ext>
     </p:extLst>
   </p:cSld>
@@ -6813,10 +8802,10 @@
       </p:grpSpPr>
       <p:sp>
         <p:nvSpPr>
-          <p:cNvPr id="7" name="Subtítulo 6">
-            <a:extLst>
-              <a:ext uri="{FF2B5EF4-FFF2-40B4-BE49-F238E27FC236}">
-                <a16:creationId xmlns:a16="http://schemas.microsoft.com/office/drawing/2014/main" id="{5C54FA5F-97D3-95D3-CB0E-2C470FA43ADA}"/>
+          <p:cNvPr id="3" name="Marcador de contenido 2">
+            <a:extLst>
+              <a:ext uri="{FF2B5EF4-FFF2-40B4-BE49-F238E27FC236}">
+                <a16:creationId xmlns:a16="http://schemas.microsoft.com/office/drawing/2014/main" id="{E9D6373E-9845-FFC4-74FB-56AB3128929B}"/>
               </a:ext>
             </a:extLst>
           </p:cNvPr>
@@ -6824,13 +8813,13 @@
             <a:spLocks noGrp="1"/>
           </p:cNvSpPr>
           <p:nvPr>
-            <p:ph type="subTitle" idx="1"/>
+            <p:ph idx="1"/>
           </p:nvPr>
         </p:nvSpPr>
         <p:spPr>
           <a:xfrm>
-            <a:off x="264941" y="195943"/>
-            <a:ext cx="11662117" cy="4262510"/>
+            <a:off x="838200" y="335560"/>
+            <a:ext cx="10515600" cy="5841403"/>
           </a:xfrm>
         </p:spPr>
         <p:txBody>
@@ -6839,53 +8828,159 @@
           </a:bodyPr>
           <a:lstStyle/>
           <a:p>
-            <a:r>
-              <a:rPr lang="es-AR" sz="5400" b="1" dirty="0">
-                <a:effectLst/>
-                <a:latin typeface="Calibri" panose="020F0502020204030204" pitchFamily="34" charset="0"/>
-                <a:ea typeface="Calibri" panose="020F0502020204030204" pitchFamily="34" charset="0"/>
-                <a:cs typeface="Arial" panose="020B0604020202020204" pitchFamily="34" charset="0"/>
+            <a:pPr marL="0" lvl="0" indent="0" algn="l" rtl="0">
+              <a:lnSpc>
+                <a:spcPct val="100000"/>
+              </a:lnSpc>
+              <a:spcBef>
+                <a:spcPts val="0"/>
+              </a:spcBef>
+              <a:spcAft>
+                <a:spcPts val="0"/>
+              </a:spcAft>
+              <a:buNone/>
+            </a:pPr>
+            <a:r>
+              <a:rPr lang="es-AR" sz="3200" dirty="0">
+                <a:solidFill>
+                  <a:schemeClr val="dk1"/>
+                </a:solidFill>
               </a:rPr>
-              <a:t>Matriz de valores de distancias</a:t>
-            </a:r>
-            <a:endParaRPr lang="es-AR" sz="5400" dirty="0"/>
+              <a:t>Utilizamos dos tipos de grafos  para representar el torneo de primera división del fútbol argentino</a:t>
+            </a:r>
+          </a:p>
+          <a:p>
+            <a:pPr marL="0" lvl="0" indent="0" algn="l" rtl="0">
+              <a:lnSpc>
+                <a:spcPct val="100000"/>
+              </a:lnSpc>
+              <a:spcBef>
+                <a:spcPts val="0"/>
+              </a:spcBef>
+              <a:spcAft>
+                <a:spcPts val="0"/>
+              </a:spcAft>
+              <a:buNone/>
+            </a:pPr>
+            <a:endParaRPr lang="es-AR" sz="3200" dirty="0">
+              <a:solidFill>
+                <a:schemeClr val="dk1"/>
+              </a:solidFill>
+            </a:endParaRPr>
+          </a:p>
+          <a:p>
+            <a:pPr marL="457200" lvl="0" indent="-369570" algn="l" rtl="0">
+              <a:lnSpc>
+                <a:spcPct val="100000"/>
+              </a:lnSpc>
+              <a:spcBef>
+                <a:spcPts val="0"/>
+              </a:spcBef>
+              <a:spcAft>
+                <a:spcPts val="0"/>
+              </a:spcAft>
+              <a:buClr>
+                <a:schemeClr val="dk1"/>
+              </a:buClr>
+              <a:buSzPts val="2220"/>
+              <a:buChar char="●"/>
+            </a:pPr>
+            <a:r>
+              <a:rPr lang="es-AR" sz="3200" dirty="0">
+                <a:solidFill>
+                  <a:schemeClr val="dk1"/>
+                </a:solidFill>
+              </a:rPr>
+              <a:t> </a:t>
+            </a:r>
+            <a:r>
+              <a:rPr lang="es-AR" sz="3200" b="1" dirty="0">
+                <a:solidFill>
+                  <a:schemeClr val="dk1"/>
+                </a:solidFill>
+              </a:rPr>
+              <a:t>Grafo completo ponderado </a:t>
+            </a:r>
+            <a:r>
+              <a:rPr lang="es-AR" sz="3200" dirty="0">
+                <a:solidFill>
+                  <a:schemeClr val="dk1"/>
+                </a:solidFill>
+              </a:rPr>
+              <a:t>(c</a:t>
+            </a:r>
+            <a:r>
+              <a:rPr lang="es-AR" sz="2800" dirty="0">
+                <a:solidFill>
+                  <a:schemeClr val="dk1"/>
+                </a:solidFill>
+              </a:rPr>
+              <a:t>ada vértice representa a un club de primera división y las aristas las conexiones entre ellos. Los pesos de las aristas son las distancias en kilómetros entre los estadios de los clubes)</a:t>
+            </a:r>
+          </a:p>
+          <a:p>
+            <a:pPr marL="457200" lvl="0" indent="0" algn="l" rtl="0">
+              <a:lnSpc>
+                <a:spcPct val="100000"/>
+              </a:lnSpc>
+              <a:spcBef>
+                <a:spcPts val="0"/>
+              </a:spcBef>
+              <a:spcAft>
+                <a:spcPts val="0"/>
+              </a:spcAft>
+              <a:buNone/>
+            </a:pPr>
+            <a:endParaRPr lang="es-AR" sz="2800" dirty="0">
+              <a:solidFill>
+                <a:schemeClr val="dk1"/>
+              </a:solidFill>
+            </a:endParaRPr>
+          </a:p>
+          <a:p>
+            <a:pPr marL="457200" lvl="0" indent="-350520" algn="l" rtl="0">
+              <a:lnSpc>
+                <a:spcPct val="100000"/>
+              </a:lnSpc>
+              <a:spcBef>
+                <a:spcPts val="0"/>
+              </a:spcBef>
+              <a:spcAft>
+                <a:spcPts val="0"/>
+              </a:spcAft>
+              <a:buClr>
+                <a:schemeClr val="dk1"/>
+              </a:buClr>
+              <a:buSzPts val="1920"/>
+              <a:buChar char="●"/>
+            </a:pPr>
+            <a:r>
+              <a:rPr lang="es-AR" sz="3200" b="1" dirty="0">
+                <a:solidFill>
+                  <a:schemeClr val="dk1"/>
+                </a:solidFill>
+              </a:rPr>
+              <a:t>Grafo bipartito dirigido </a:t>
+            </a:r>
+            <a:r>
+              <a:rPr lang="es-AR" sz="2800" dirty="0">
+                <a:solidFill>
+                  <a:schemeClr val="dk1"/>
+                </a:solidFill>
+              </a:rPr>
+              <a:t>(Representa  la relación entre los clubes por cada fecha del torneo y las aristas están dirigidas desde el club visitante al local)</a:t>
+            </a:r>
+            <a:endParaRPr lang="es-AR" dirty="0"/>
+          </a:p>
+          <a:p>
+            <a:endParaRPr lang="es-AR" dirty="0"/>
           </a:p>
         </p:txBody>
       </p:sp>
-      <p:pic>
-        <p:nvPicPr>
-          <p:cNvPr id="4" name="Imagen 3" descr="Imagen que contiene Tabla&#10;&#10;Descripción generada automáticamente">
-            <a:extLst>
-              <a:ext uri="{FF2B5EF4-FFF2-40B4-BE49-F238E27FC236}">
-                <a16:creationId xmlns:a16="http://schemas.microsoft.com/office/drawing/2014/main" id="{FFEAD69C-BF02-3EC6-B3F6-6BCA0FD1B995}"/>
-              </a:ext>
-            </a:extLst>
-          </p:cNvPr>
-          <p:cNvPicPr>
-            <a:picLocks noChangeAspect="1"/>
-          </p:cNvPicPr>
-          <p:nvPr/>
-        </p:nvPicPr>
-        <p:blipFill>
-          <a:blip r:embed="rId2"/>
-          <a:stretch>
-            <a:fillRect/>
-          </a:stretch>
-        </p:blipFill>
-        <p:spPr>
-          <a:xfrm>
-            <a:off x="264358" y="1257300"/>
-            <a:ext cx="11662700" cy="4800602"/>
-          </a:xfrm>
-          <a:prstGeom prst="rect">
-            <a:avLst/>
-          </a:prstGeom>
-        </p:spPr>
-      </p:pic>
     </p:spTree>
     <p:extLst>
       <p:ext uri="{BB962C8B-B14F-4D97-AF65-F5344CB8AC3E}">
-        <p14:creationId xmlns:p14="http://schemas.microsoft.com/office/powerpoint/2010/main" val="856535548"/>
+        <p14:creationId xmlns:p14="http://schemas.microsoft.com/office/powerpoint/2010/main" val="3273490302"/>
       </p:ext>
     </p:extLst>
   </p:cSld>
@@ -6941,24 +9036,32 @@
           <a:lstStyle/>
           <a:p>
             <a:r>
-              <a:rPr lang="es-AR" sz="5400" b="1" dirty="0">
+              <a:rPr lang="es-AR" sz="5400" b="1" kern="100" dirty="0">
                 <a:effectLst/>
                 <a:latin typeface="Calibri" panose="020F0502020204030204" pitchFamily="34" charset="0"/>
                 <a:ea typeface="Calibri" panose="020F0502020204030204" pitchFamily="34" charset="0"/>
                 <a:cs typeface="Arial" panose="020B0604020202020204" pitchFamily="34" charset="0"/>
               </a:rPr>
-              <a:t>Matriz de recorridos</a:t>
-            </a:r>
-            <a:endParaRPr lang="es-AR" sz="5400" dirty="0"/>
+              <a:t>Grafo completo</a:t>
+            </a:r>
+            <a:endParaRPr lang="es-AR" sz="5400" kern="100" dirty="0">
+              <a:effectLst/>
+              <a:latin typeface="Calibri" panose="020F0502020204030204" pitchFamily="34" charset="0"/>
+              <a:ea typeface="Calibri" panose="020F0502020204030204" pitchFamily="34" charset="0"/>
+              <a:cs typeface="Arial" panose="020B0604020202020204" pitchFamily="34" charset="0"/>
+            </a:endParaRPr>
+          </a:p>
+          <a:p>
+            <a:endParaRPr lang="es-AR" sz="1800" dirty="0"/>
           </a:p>
         </p:txBody>
       </p:sp>
       <p:pic>
         <p:nvPicPr>
-          <p:cNvPr id="5" name="Imagen 4" descr="Tabla&#10;&#10;Descripción generada automáticamente">
-            <a:extLst>
-              <a:ext uri="{FF2B5EF4-FFF2-40B4-BE49-F238E27FC236}">
-                <a16:creationId xmlns:a16="http://schemas.microsoft.com/office/drawing/2014/main" id="{12814E47-3911-E4D1-58BA-353CA6899F0C}"/>
+          <p:cNvPr id="5" name="Imagen 4">
+            <a:extLst>
+              <a:ext uri="{FF2B5EF4-FFF2-40B4-BE49-F238E27FC236}">
+                <a16:creationId xmlns:a16="http://schemas.microsoft.com/office/drawing/2014/main" id="{556A8BAC-C597-B218-7BE6-0686CC8F7F0F}"/>
               </a:ext>
             </a:extLst>
           </p:cNvPr>
@@ -6968,14 +9071,20 @@
           <p:nvPr/>
         </p:nvPicPr>
         <p:blipFill rotWithShape="1">
-          <a:blip r:embed="rId2"/>
-          <a:srcRect r="10497"/>
+          <a:blip r:embed="rId2">
+            <a:extLst>
+              <a:ext uri="{28A0092B-C50C-407E-A947-70E740481C1C}">
+                <a14:useLocalDpi xmlns:a14="http://schemas.microsoft.com/office/drawing/2010/main" val="0"/>
+              </a:ext>
+            </a:extLst>
+          </a:blip>
+          <a:srcRect t="13809" b="2857"/>
           <a:stretch/>
         </p:blipFill>
         <p:spPr>
           <a:xfrm>
-            <a:off x="2106634" y="1110342"/>
-            <a:ext cx="7978729" cy="5427358"/>
+            <a:off x="3722077" y="947056"/>
+            <a:ext cx="4747846" cy="5715001"/>
           </a:xfrm>
           <a:prstGeom prst="rect">
             <a:avLst/>
@@ -6985,7 +9094,7 @@
     </p:spTree>
     <p:extLst>
       <p:ext uri="{BB962C8B-B14F-4D97-AF65-F5344CB8AC3E}">
-        <p14:creationId xmlns:p14="http://schemas.microsoft.com/office/powerpoint/2010/main" val="2699466290"/>
+        <p14:creationId xmlns:p14="http://schemas.microsoft.com/office/powerpoint/2010/main" val="366962781"/>
       </p:ext>
     </p:extLst>
   </p:cSld>
@@ -7014,258 +9123,78 @@
       </p:grpSpPr>
       <p:sp>
         <p:nvSpPr>
-          <p:cNvPr id="3" name="Subtítulo 6">
-            <a:extLst>
-              <a:ext uri="{FF2B5EF4-FFF2-40B4-BE49-F238E27FC236}">
-                <a16:creationId xmlns:a16="http://schemas.microsoft.com/office/drawing/2014/main" id="{BECDE419-6E25-7CE8-B6CF-A100CA2AE53D}"/>
-              </a:ext>
-            </a:extLst>
-          </p:cNvPr>
-          <p:cNvSpPr txBox="1">
-            <a:spLocks/>
+          <p:cNvPr id="7" name="Subtítulo 6">
+            <a:extLst>
+              <a:ext uri="{FF2B5EF4-FFF2-40B4-BE49-F238E27FC236}">
+                <a16:creationId xmlns:a16="http://schemas.microsoft.com/office/drawing/2014/main" id="{5C54FA5F-97D3-95D3-CB0E-2C470FA43ADA}"/>
+              </a:ext>
+            </a:extLst>
+          </p:cNvPr>
+          <p:cNvSpPr>
+            <a:spLocks noGrp="1"/>
           </p:cNvSpPr>
-          <p:nvPr/>
+          <p:nvPr>
+            <p:ph type="subTitle" idx="1"/>
+          </p:nvPr>
         </p:nvSpPr>
         <p:spPr>
           <a:xfrm>
-            <a:off x="103163" y="1220121"/>
-            <a:ext cx="11985674" cy="4417758"/>
+            <a:off x="264941" y="195943"/>
+            <a:ext cx="11662117" cy="4262510"/>
+          </a:xfrm>
+        </p:spPr>
+        <p:txBody>
+          <a:bodyPr>
+            <a:normAutofit/>
+          </a:bodyPr>
+          <a:lstStyle/>
+          <a:p>
+            <a:r>
+              <a:rPr lang="es-AR" sz="5400" b="1" dirty="0">
+                <a:effectLst/>
+                <a:latin typeface="Calibri" panose="020F0502020204030204" pitchFamily="34" charset="0"/>
+                <a:ea typeface="Calibri" panose="020F0502020204030204" pitchFamily="34" charset="0"/>
+                <a:cs typeface="Arial" panose="020B0604020202020204" pitchFamily="34" charset="0"/>
+              </a:rPr>
+              <a:t>Matriz de valores de distancias</a:t>
+            </a:r>
+            <a:endParaRPr lang="es-AR" sz="5400" dirty="0"/>
+          </a:p>
+        </p:txBody>
+      </p:sp>
+      <p:pic>
+        <p:nvPicPr>
+          <p:cNvPr id="4" name="Imagen 3" descr="Imagen que contiene Tabla&#10;&#10;Descripción generada automáticamente">
+            <a:extLst>
+              <a:ext uri="{FF2B5EF4-FFF2-40B4-BE49-F238E27FC236}">
+                <a16:creationId xmlns:a16="http://schemas.microsoft.com/office/drawing/2014/main" id="{FFEAD69C-BF02-3EC6-B3F6-6BCA0FD1B995}"/>
+              </a:ext>
+            </a:extLst>
+          </p:cNvPr>
+          <p:cNvPicPr>
+            <a:picLocks noChangeAspect="1"/>
+          </p:cNvPicPr>
+          <p:nvPr/>
+        </p:nvPicPr>
+        <p:blipFill rotWithShape="1">
+          <a:blip r:embed="rId2"/>
+          <a:srcRect t="8235"/>
+          <a:stretch/>
+        </p:blipFill>
+        <p:spPr>
+          <a:xfrm>
+            <a:off x="264650" y="1652630"/>
+            <a:ext cx="11662700" cy="4405271"/>
           </a:xfrm>
           <a:prstGeom prst="rect">
             <a:avLst/>
           </a:prstGeom>
         </p:spPr>
-        <p:txBody>
-          <a:bodyPr vert="horz" lIns="91440" tIns="45720" rIns="91440" bIns="45720" rtlCol="0">
-            <a:normAutofit/>
-          </a:bodyPr>
-          <a:lstStyle>
-            <a:lvl1pPr marL="0" indent="0" algn="ctr" defTabSz="914400" rtl="0" eaLnBrk="1" latinLnBrk="0" hangingPunct="1">
-              <a:lnSpc>
-                <a:spcPct val="90000"/>
-              </a:lnSpc>
-              <a:spcBef>
-                <a:spcPts val="1000"/>
-              </a:spcBef>
-              <a:buFont typeface="Arial" panose="020B0604020202020204" pitchFamily="34" charset="0"/>
-              <a:buNone/>
-              <a:defRPr sz="2400" kern="1200">
-                <a:solidFill>
-                  <a:schemeClr val="tx1"/>
-                </a:solidFill>
-                <a:latin typeface="+mn-lt"/>
-                <a:ea typeface="+mn-ea"/>
-                <a:cs typeface="+mn-cs"/>
-              </a:defRPr>
-            </a:lvl1pPr>
-            <a:lvl2pPr marL="457200" indent="0" algn="ctr" defTabSz="914400" rtl="0" eaLnBrk="1" latinLnBrk="0" hangingPunct="1">
-              <a:lnSpc>
-                <a:spcPct val="90000"/>
-              </a:lnSpc>
-              <a:spcBef>
-                <a:spcPts val="500"/>
-              </a:spcBef>
-              <a:buFont typeface="Arial" panose="020B0604020202020204" pitchFamily="34" charset="0"/>
-              <a:buNone/>
-              <a:defRPr sz="2000" kern="1200">
-                <a:solidFill>
-                  <a:schemeClr val="tx1"/>
-                </a:solidFill>
-                <a:latin typeface="+mn-lt"/>
-                <a:ea typeface="+mn-ea"/>
-                <a:cs typeface="+mn-cs"/>
-              </a:defRPr>
-            </a:lvl2pPr>
-            <a:lvl3pPr marL="914400" indent="0" algn="ctr" defTabSz="914400" rtl="0" eaLnBrk="1" latinLnBrk="0" hangingPunct="1">
-              <a:lnSpc>
-                <a:spcPct val="90000"/>
-              </a:lnSpc>
-              <a:spcBef>
-                <a:spcPts val="500"/>
-              </a:spcBef>
-              <a:buFont typeface="Arial" panose="020B0604020202020204" pitchFamily="34" charset="0"/>
-              <a:buNone/>
-              <a:defRPr sz="1800" kern="1200">
-                <a:solidFill>
-                  <a:schemeClr val="tx1"/>
-                </a:solidFill>
-                <a:latin typeface="+mn-lt"/>
-                <a:ea typeface="+mn-ea"/>
-                <a:cs typeface="+mn-cs"/>
-              </a:defRPr>
-            </a:lvl3pPr>
-            <a:lvl4pPr marL="1371600" indent="0" algn="ctr" defTabSz="914400" rtl="0" eaLnBrk="1" latinLnBrk="0" hangingPunct="1">
-              <a:lnSpc>
-                <a:spcPct val="90000"/>
-              </a:lnSpc>
-              <a:spcBef>
-                <a:spcPts val="500"/>
-              </a:spcBef>
-              <a:buFont typeface="Arial" panose="020B0604020202020204" pitchFamily="34" charset="0"/>
-              <a:buNone/>
-              <a:defRPr sz="1600" kern="1200">
-                <a:solidFill>
-                  <a:schemeClr val="tx1"/>
-                </a:solidFill>
-                <a:latin typeface="+mn-lt"/>
-                <a:ea typeface="+mn-ea"/>
-                <a:cs typeface="+mn-cs"/>
-              </a:defRPr>
-            </a:lvl4pPr>
-            <a:lvl5pPr marL="1828800" indent="0" algn="ctr" defTabSz="914400" rtl="0" eaLnBrk="1" latinLnBrk="0" hangingPunct="1">
-              <a:lnSpc>
-                <a:spcPct val="90000"/>
-              </a:lnSpc>
-              <a:spcBef>
-                <a:spcPts val="500"/>
-              </a:spcBef>
-              <a:buFont typeface="Arial" panose="020B0604020202020204" pitchFamily="34" charset="0"/>
-              <a:buNone/>
-              <a:defRPr sz="1600" kern="1200">
-                <a:solidFill>
-                  <a:schemeClr val="tx1"/>
-                </a:solidFill>
-                <a:latin typeface="+mn-lt"/>
-                <a:ea typeface="+mn-ea"/>
-                <a:cs typeface="+mn-cs"/>
-              </a:defRPr>
-            </a:lvl5pPr>
-            <a:lvl6pPr marL="2286000" indent="0" algn="ctr" defTabSz="914400" rtl="0" eaLnBrk="1" latinLnBrk="0" hangingPunct="1">
-              <a:lnSpc>
-                <a:spcPct val="90000"/>
-              </a:lnSpc>
-              <a:spcBef>
-                <a:spcPts val="500"/>
-              </a:spcBef>
-              <a:buFont typeface="Arial" panose="020B0604020202020204" pitchFamily="34" charset="0"/>
-              <a:buNone/>
-              <a:defRPr sz="1600" kern="1200">
-                <a:solidFill>
-                  <a:schemeClr val="tx1"/>
-                </a:solidFill>
-                <a:latin typeface="+mn-lt"/>
-                <a:ea typeface="+mn-ea"/>
-                <a:cs typeface="+mn-cs"/>
-              </a:defRPr>
-            </a:lvl6pPr>
-            <a:lvl7pPr marL="2743200" indent="0" algn="ctr" defTabSz="914400" rtl="0" eaLnBrk="1" latinLnBrk="0" hangingPunct="1">
-              <a:lnSpc>
-                <a:spcPct val="90000"/>
-              </a:lnSpc>
-              <a:spcBef>
-                <a:spcPts val="500"/>
-              </a:spcBef>
-              <a:buFont typeface="Arial" panose="020B0604020202020204" pitchFamily="34" charset="0"/>
-              <a:buNone/>
-              <a:defRPr sz="1600" kern="1200">
-                <a:solidFill>
-                  <a:schemeClr val="tx1"/>
-                </a:solidFill>
-                <a:latin typeface="+mn-lt"/>
-                <a:ea typeface="+mn-ea"/>
-                <a:cs typeface="+mn-cs"/>
-              </a:defRPr>
-            </a:lvl7pPr>
-            <a:lvl8pPr marL="3200400" indent="0" algn="ctr" defTabSz="914400" rtl="0" eaLnBrk="1" latinLnBrk="0" hangingPunct="1">
-              <a:lnSpc>
-                <a:spcPct val="90000"/>
-              </a:lnSpc>
-              <a:spcBef>
-                <a:spcPts val="500"/>
-              </a:spcBef>
-              <a:buFont typeface="Arial" panose="020B0604020202020204" pitchFamily="34" charset="0"/>
-              <a:buNone/>
-              <a:defRPr sz="1600" kern="1200">
-                <a:solidFill>
-                  <a:schemeClr val="tx1"/>
-                </a:solidFill>
-                <a:latin typeface="+mn-lt"/>
-                <a:ea typeface="+mn-ea"/>
-                <a:cs typeface="+mn-cs"/>
-              </a:defRPr>
-            </a:lvl8pPr>
-            <a:lvl9pPr marL="3657600" indent="0" algn="ctr" defTabSz="914400" rtl="0" eaLnBrk="1" latinLnBrk="0" hangingPunct="1">
-              <a:lnSpc>
-                <a:spcPct val="90000"/>
-              </a:lnSpc>
-              <a:spcBef>
-                <a:spcPts val="500"/>
-              </a:spcBef>
-              <a:buFont typeface="Arial" panose="020B0604020202020204" pitchFamily="34" charset="0"/>
-              <a:buNone/>
-              <a:defRPr sz="1600" kern="1200">
-                <a:solidFill>
-                  <a:schemeClr val="tx1"/>
-                </a:solidFill>
-                <a:latin typeface="+mn-lt"/>
-                <a:ea typeface="+mn-ea"/>
-                <a:cs typeface="+mn-cs"/>
-              </a:defRPr>
-            </a:lvl9pPr>
-          </a:lstStyle>
-          <a:p>
-            <a:r>
-              <a:rPr lang="es-AR" sz="5400" b="1" kern="100" dirty="0">
-                <a:latin typeface="Calibri" panose="020F0502020204030204" pitchFamily="34" charset="0"/>
-                <a:ea typeface="Calibri" panose="020F0502020204030204" pitchFamily="34" charset="0"/>
-                <a:cs typeface="Arial" panose="020B0604020202020204" pitchFamily="34" charset="0"/>
-              </a:rPr>
-              <a:t>Determinación de la localía</a:t>
-            </a:r>
-          </a:p>
-          <a:p>
-            <a:endParaRPr lang="es-AR" sz="5400" b="1" kern="100" dirty="0">
-              <a:latin typeface="Calibri" panose="020F0502020204030204" pitchFamily="34" charset="0"/>
-              <a:ea typeface="Calibri" panose="020F0502020204030204" pitchFamily="34" charset="0"/>
-              <a:cs typeface="Arial" panose="020B0604020202020204" pitchFamily="34" charset="0"/>
-            </a:endParaRPr>
-          </a:p>
-          <a:p>
-            <a:r>
-              <a:rPr lang="es-MX" sz="3900" kern="100" dirty="0">
-                <a:latin typeface="Calibri" panose="020F0502020204030204" pitchFamily="34" charset="0"/>
-                <a:cs typeface="Arial" panose="020B0604020202020204" pitchFamily="34" charset="0"/>
-              </a:rPr>
-              <a:t>Comparamos las distancias recorridas</a:t>
-            </a:r>
-          </a:p>
-          <a:p>
-            <a:r>
-              <a:rPr lang="es-MX" sz="3900" kern="100" dirty="0">
-                <a:latin typeface="Calibri" panose="020F0502020204030204" pitchFamily="34" charset="0"/>
-                <a:cs typeface="Arial" panose="020B0604020202020204" pitchFamily="34" charset="0"/>
-              </a:rPr>
-              <a:t>hasta ese encuentro</a:t>
-            </a:r>
-          </a:p>
-          <a:p>
-            <a:r>
-              <a:rPr lang="es-MX" sz="3900" kern="100" dirty="0">
-                <a:latin typeface="Calibri" panose="020F0502020204030204" pitchFamily="34" charset="0"/>
-                <a:cs typeface="Arial" panose="020B0604020202020204" pitchFamily="34" charset="0"/>
-              </a:rPr>
-              <a:t>El equipo que haya recorrido la mayor cantidad de km</a:t>
-            </a:r>
-          </a:p>
-          <a:p>
-            <a:r>
-              <a:rPr lang="es-MX" sz="3900" kern="100" dirty="0">
-                <a:latin typeface="Calibri" panose="020F0502020204030204" pitchFamily="34" charset="0"/>
-                <a:cs typeface="Arial" panose="020B0604020202020204" pitchFamily="34" charset="0"/>
-              </a:rPr>
-              <a:t>será designado como local</a:t>
-            </a:r>
-            <a:endParaRPr lang="es-AR" sz="3900" kern="100" dirty="0">
-              <a:latin typeface="Calibri" panose="020F0502020204030204" pitchFamily="34" charset="0"/>
-              <a:cs typeface="Arial" panose="020B0604020202020204" pitchFamily="34" charset="0"/>
-            </a:endParaRPr>
-          </a:p>
-        </p:txBody>
-      </p:sp>
+      </p:pic>
     </p:spTree>
     <p:extLst>
       <p:ext uri="{BB962C8B-B14F-4D97-AF65-F5344CB8AC3E}">
-        <p14:creationId xmlns:p14="http://schemas.microsoft.com/office/powerpoint/2010/main" val="4253860371"/>
+        <p14:creationId xmlns:p14="http://schemas.microsoft.com/office/powerpoint/2010/main" val="856535548"/>
       </p:ext>
     </p:extLst>
   </p:cSld>
@@ -7294,500 +9223,137 @@
       </p:grpSpPr>
       <p:sp>
         <p:nvSpPr>
-          <p:cNvPr id="4" name="Subtítulo 6">
-            <a:extLst>
-              <a:ext uri="{FF2B5EF4-FFF2-40B4-BE49-F238E27FC236}">
-                <a16:creationId xmlns:a16="http://schemas.microsoft.com/office/drawing/2014/main" id="{2B71E6F2-1E12-2CC8-1A79-11BE6A720CDF}"/>
-              </a:ext>
-            </a:extLst>
-          </p:cNvPr>
-          <p:cNvSpPr txBox="1">
-            <a:spLocks/>
+          <p:cNvPr id="7" name="Subtítulo 6">
+            <a:extLst>
+              <a:ext uri="{FF2B5EF4-FFF2-40B4-BE49-F238E27FC236}">
+                <a16:creationId xmlns:a16="http://schemas.microsoft.com/office/drawing/2014/main" id="{5C54FA5F-97D3-95D3-CB0E-2C470FA43ADA}"/>
+              </a:ext>
+            </a:extLst>
+          </p:cNvPr>
+          <p:cNvSpPr>
+            <a:spLocks noGrp="1"/>
           </p:cNvSpPr>
-          <p:nvPr/>
+          <p:nvPr>
+            <p:ph type="subTitle" idx="1"/>
+          </p:nvPr>
         </p:nvSpPr>
         <p:spPr>
           <a:xfrm>
-            <a:off x="103163" y="1220121"/>
-            <a:ext cx="11985674" cy="4417758"/>
+            <a:off x="264941" y="195943"/>
+            <a:ext cx="11662117" cy="4262510"/>
           </a:xfrm>
-          <a:prstGeom prst="rect">
-            <a:avLst/>
-          </a:prstGeom>
         </p:spPr>
         <p:txBody>
-          <a:bodyPr vert="horz" lIns="91440" tIns="45720" rIns="91440" bIns="45720" rtlCol="0">
+          <a:bodyPr>
             <a:normAutofit/>
           </a:bodyPr>
-          <a:lstStyle>
-            <a:lvl1pPr marL="0" indent="0" algn="ctr" defTabSz="914400" rtl="0" eaLnBrk="1" latinLnBrk="0" hangingPunct="1">
-              <a:lnSpc>
-                <a:spcPct val="90000"/>
-              </a:lnSpc>
-              <a:spcBef>
-                <a:spcPts val="1000"/>
-              </a:spcBef>
-              <a:buFont typeface="Arial" panose="020B0604020202020204" pitchFamily="34" charset="0"/>
-              <a:buNone/>
-              <a:defRPr sz="2400" kern="1200">
-                <a:solidFill>
-                  <a:schemeClr val="tx1"/>
-                </a:solidFill>
-                <a:latin typeface="+mn-lt"/>
-                <a:ea typeface="+mn-ea"/>
-                <a:cs typeface="+mn-cs"/>
-              </a:defRPr>
-            </a:lvl1pPr>
-            <a:lvl2pPr marL="457200" indent="0" algn="ctr" defTabSz="914400" rtl="0" eaLnBrk="1" latinLnBrk="0" hangingPunct="1">
-              <a:lnSpc>
-                <a:spcPct val="90000"/>
-              </a:lnSpc>
-              <a:spcBef>
-                <a:spcPts val="500"/>
-              </a:spcBef>
-              <a:buFont typeface="Arial" panose="020B0604020202020204" pitchFamily="34" charset="0"/>
-              <a:buNone/>
-              <a:defRPr sz="2000" kern="1200">
-                <a:solidFill>
-                  <a:schemeClr val="tx1"/>
-                </a:solidFill>
-                <a:latin typeface="+mn-lt"/>
-                <a:ea typeface="+mn-ea"/>
-                <a:cs typeface="+mn-cs"/>
-              </a:defRPr>
-            </a:lvl2pPr>
-            <a:lvl3pPr marL="914400" indent="0" algn="ctr" defTabSz="914400" rtl="0" eaLnBrk="1" latinLnBrk="0" hangingPunct="1">
-              <a:lnSpc>
-                <a:spcPct val="90000"/>
-              </a:lnSpc>
-              <a:spcBef>
-                <a:spcPts val="500"/>
-              </a:spcBef>
-              <a:buFont typeface="Arial" panose="020B0604020202020204" pitchFamily="34" charset="0"/>
-              <a:buNone/>
-              <a:defRPr sz="1800" kern="1200">
-                <a:solidFill>
-                  <a:schemeClr val="tx1"/>
-                </a:solidFill>
-                <a:latin typeface="+mn-lt"/>
-                <a:ea typeface="+mn-ea"/>
-                <a:cs typeface="+mn-cs"/>
-              </a:defRPr>
-            </a:lvl3pPr>
-            <a:lvl4pPr marL="1371600" indent="0" algn="ctr" defTabSz="914400" rtl="0" eaLnBrk="1" latinLnBrk="0" hangingPunct="1">
-              <a:lnSpc>
-                <a:spcPct val="90000"/>
-              </a:lnSpc>
-              <a:spcBef>
-                <a:spcPts val="500"/>
-              </a:spcBef>
-              <a:buFont typeface="Arial" panose="020B0604020202020204" pitchFamily="34" charset="0"/>
-              <a:buNone/>
-              <a:defRPr sz="1600" kern="1200">
-                <a:solidFill>
-                  <a:schemeClr val="tx1"/>
-                </a:solidFill>
-                <a:latin typeface="+mn-lt"/>
-                <a:ea typeface="+mn-ea"/>
-                <a:cs typeface="+mn-cs"/>
-              </a:defRPr>
-            </a:lvl4pPr>
-            <a:lvl5pPr marL="1828800" indent="0" algn="ctr" defTabSz="914400" rtl="0" eaLnBrk="1" latinLnBrk="0" hangingPunct="1">
-              <a:lnSpc>
-                <a:spcPct val="90000"/>
-              </a:lnSpc>
-              <a:spcBef>
-                <a:spcPts val="500"/>
-              </a:spcBef>
-              <a:buFont typeface="Arial" panose="020B0604020202020204" pitchFamily="34" charset="0"/>
-              <a:buNone/>
-              <a:defRPr sz="1600" kern="1200">
-                <a:solidFill>
-                  <a:schemeClr val="tx1"/>
-                </a:solidFill>
-                <a:latin typeface="+mn-lt"/>
-                <a:ea typeface="+mn-ea"/>
-                <a:cs typeface="+mn-cs"/>
-              </a:defRPr>
-            </a:lvl5pPr>
-            <a:lvl6pPr marL="2286000" indent="0" algn="ctr" defTabSz="914400" rtl="0" eaLnBrk="1" latinLnBrk="0" hangingPunct="1">
-              <a:lnSpc>
-                <a:spcPct val="90000"/>
-              </a:lnSpc>
-              <a:spcBef>
-                <a:spcPts val="500"/>
-              </a:spcBef>
-              <a:buFont typeface="Arial" panose="020B0604020202020204" pitchFamily="34" charset="0"/>
-              <a:buNone/>
-              <a:defRPr sz="1600" kern="1200">
-                <a:solidFill>
-                  <a:schemeClr val="tx1"/>
-                </a:solidFill>
-                <a:latin typeface="+mn-lt"/>
-                <a:ea typeface="+mn-ea"/>
-                <a:cs typeface="+mn-cs"/>
-              </a:defRPr>
-            </a:lvl6pPr>
-            <a:lvl7pPr marL="2743200" indent="0" algn="ctr" defTabSz="914400" rtl="0" eaLnBrk="1" latinLnBrk="0" hangingPunct="1">
-              <a:lnSpc>
-                <a:spcPct val="90000"/>
-              </a:lnSpc>
-              <a:spcBef>
-                <a:spcPts val="500"/>
-              </a:spcBef>
-              <a:buFont typeface="Arial" panose="020B0604020202020204" pitchFamily="34" charset="0"/>
-              <a:buNone/>
-              <a:defRPr sz="1600" kern="1200">
-                <a:solidFill>
-                  <a:schemeClr val="tx1"/>
-                </a:solidFill>
-                <a:latin typeface="+mn-lt"/>
-                <a:ea typeface="+mn-ea"/>
-                <a:cs typeface="+mn-cs"/>
-              </a:defRPr>
-            </a:lvl7pPr>
-            <a:lvl8pPr marL="3200400" indent="0" algn="ctr" defTabSz="914400" rtl="0" eaLnBrk="1" latinLnBrk="0" hangingPunct="1">
-              <a:lnSpc>
-                <a:spcPct val="90000"/>
-              </a:lnSpc>
-              <a:spcBef>
-                <a:spcPts val="500"/>
-              </a:spcBef>
-              <a:buFont typeface="Arial" panose="020B0604020202020204" pitchFamily="34" charset="0"/>
-              <a:buNone/>
-              <a:defRPr sz="1600" kern="1200">
-                <a:solidFill>
-                  <a:schemeClr val="tx1"/>
-                </a:solidFill>
-                <a:latin typeface="+mn-lt"/>
-                <a:ea typeface="+mn-ea"/>
-                <a:cs typeface="+mn-cs"/>
-              </a:defRPr>
-            </a:lvl8pPr>
-            <a:lvl9pPr marL="3657600" indent="0" algn="ctr" defTabSz="914400" rtl="0" eaLnBrk="1" latinLnBrk="0" hangingPunct="1">
-              <a:lnSpc>
-                <a:spcPct val="90000"/>
-              </a:lnSpc>
-              <a:spcBef>
-                <a:spcPts val="500"/>
-              </a:spcBef>
-              <a:buFont typeface="Arial" panose="020B0604020202020204" pitchFamily="34" charset="0"/>
-              <a:buNone/>
-              <a:defRPr sz="1600" kern="1200">
-                <a:solidFill>
-                  <a:schemeClr val="tx1"/>
-                </a:solidFill>
-                <a:latin typeface="+mn-lt"/>
-                <a:ea typeface="+mn-ea"/>
-                <a:cs typeface="+mn-cs"/>
-              </a:defRPr>
-            </a:lvl9pPr>
-          </a:lstStyle>
-          <a:p>
-            <a:r>
-              <a:rPr lang="es-AR" sz="5400" b="1" kern="100" dirty="0">
+          <a:lstStyle/>
+          <a:p>
+            <a:r>
+              <a:rPr lang="es-AR" sz="5400" b="1" dirty="0">
+                <a:effectLst/>
                 <a:latin typeface="Calibri" panose="020F0502020204030204" pitchFamily="34" charset="0"/>
                 <a:ea typeface="Calibri" panose="020F0502020204030204" pitchFamily="34" charset="0"/>
                 <a:cs typeface="Arial" panose="020B0604020202020204" pitchFamily="34" charset="0"/>
               </a:rPr>
-              <a:t>Clásico de Rosario</a:t>
-            </a:r>
-          </a:p>
-          <a:p>
-            <a:endParaRPr lang="es-AR" sz="5400" b="1" kern="100" dirty="0">
-              <a:latin typeface="Calibri" panose="020F0502020204030204" pitchFamily="34" charset="0"/>
-              <a:ea typeface="Calibri" panose="020F0502020204030204" pitchFamily="34" charset="0"/>
-              <a:cs typeface="Arial" panose="020B0604020202020204" pitchFamily="34" charset="0"/>
-            </a:endParaRPr>
+              <a:t>Matriz de recorridos</a:t>
+            </a:r>
+            <a:endParaRPr lang="es-AR" sz="5400" dirty="0"/>
           </a:p>
         </p:txBody>
       </p:sp>
-      <p:pic>
-        <p:nvPicPr>
-          <p:cNvPr id="6" name="Imagen 5">
-            <a:extLst>
-              <a:ext uri="{FF2B5EF4-FFF2-40B4-BE49-F238E27FC236}">
-                <a16:creationId xmlns:a16="http://schemas.microsoft.com/office/drawing/2014/main" id="{5B1BC907-0B5C-67C6-1993-DA2FF969E901}"/>
-              </a:ext>
-            </a:extLst>
-          </p:cNvPr>
-          <p:cNvPicPr>
-            <a:picLocks noChangeAspect="1"/>
-          </p:cNvPicPr>
+      <p:grpSp>
+        <p:nvGrpSpPr>
+          <p:cNvPr id="8" name="Grupo 7">
+            <a:extLst>
+              <a:ext uri="{FF2B5EF4-FFF2-40B4-BE49-F238E27FC236}">
+                <a16:creationId xmlns:a16="http://schemas.microsoft.com/office/drawing/2014/main" id="{1F135B0C-5194-1CBF-274D-A4806AEBF72B}"/>
+              </a:ext>
+            </a:extLst>
+          </p:cNvPr>
+          <p:cNvGrpSpPr/>
           <p:nvPr/>
-        </p:nvPicPr>
-        <p:blipFill>
-          <a:blip r:embed="rId2">
-            <a:extLst>
-              <a:ext uri="{28A0092B-C50C-407E-A947-70E740481C1C}">
-                <a14:useLocalDpi xmlns:a14="http://schemas.microsoft.com/office/drawing/2010/main" val="0"/>
-              </a:ext>
-            </a:extLst>
-          </a:blip>
-          <a:stretch>
-            <a:fillRect/>
-          </a:stretch>
-        </p:blipFill>
-        <p:spPr>
+        </p:nvGrpSpPr>
+        <p:grpSpPr>
           <a:xfrm>
-            <a:off x="3179775" y="2526989"/>
-            <a:ext cx="2333056" cy="2725994"/>
+            <a:off x="2106634" y="1110342"/>
+            <a:ext cx="7978729" cy="5427358"/>
+            <a:chOff x="2106634" y="1110342"/>
+            <a:chExt cx="7978729" cy="5427358"/>
           </a:xfrm>
-          <a:prstGeom prst="rect">
-            <a:avLst/>
-          </a:prstGeom>
-        </p:spPr>
-      </p:pic>
-      <p:pic>
-        <p:nvPicPr>
-          <p:cNvPr id="9" name="Imagen 8">
-            <a:extLst>
-              <a:ext uri="{FF2B5EF4-FFF2-40B4-BE49-F238E27FC236}">
-                <a16:creationId xmlns:a16="http://schemas.microsoft.com/office/drawing/2014/main" id="{2985571B-CFC1-6791-FA33-26E1C3B10616}"/>
-              </a:ext>
-            </a:extLst>
-          </p:cNvPr>
-          <p:cNvPicPr>
-            <a:picLocks noChangeAspect="1"/>
-          </p:cNvPicPr>
-          <p:nvPr/>
-        </p:nvPicPr>
-        <p:blipFill>
-          <a:blip r:embed="rId3">
-            <a:extLst>
-              <a:ext uri="{28A0092B-C50C-407E-A947-70E740481C1C}">
-                <a14:useLocalDpi xmlns:a14="http://schemas.microsoft.com/office/drawing/2010/main" val="0"/>
-              </a:ext>
-            </a:extLst>
-          </a:blip>
-          <a:stretch>
-            <a:fillRect/>
-          </a:stretch>
-        </p:blipFill>
-        <p:spPr>
-          <a:xfrm>
-            <a:off x="6679171" y="2637502"/>
-            <a:ext cx="2087472" cy="2504968"/>
-          </a:xfrm>
-          <a:prstGeom prst="rect">
-            <a:avLst/>
-          </a:prstGeom>
-        </p:spPr>
-      </p:pic>
-      <p:sp>
-        <p:nvSpPr>
-          <p:cNvPr id="14" name="Subtítulo 6">
-            <a:extLst>
-              <a:ext uri="{FF2B5EF4-FFF2-40B4-BE49-F238E27FC236}">
-                <a16:creationId xmlns:a16="http://schemas.microsoft.com/office/drawing/2014/main" id="{ED186483-7F9C-B235-64E4-85C26EB07F5D}"/>
-              </a:ext>
-            </a:extLst>
-          </p:cNvPr>
-          <p:cNvSpPr txBox="1">
-            <a:spLocks/>
-          </p:cNvSpPr>
-          <p:nvPr/>
-        </p:nvSpPr>
-        <p:spPr>
-          <a:xfrm>
-            <a:off x="103163" y="5523897"/>
-            <a:ext cx="11985674" cy="4417758"/>
-          </a:xfrm>
-          <a:prstGeom prst="rect">
-            <a:avLst/>
-          </a:prstGeom>
-        </p:spPr>
-        <p:txBody>
-          <a:bodyPr vert="horz" lIns="91440" tIns="45720" rIns="91440" bIns="45720" rtlCol="0">
-            <a:normAutofit/>
-          </a:bodyPr>
-          <a:lstStyle>
-            <a:lvl1pPr marL="0" indent="0" algn="ctr" defTabSz="914400" rtl="0" eaLnBrk="1" latinLnBrk="0" hangingPunct="1">
-              <a:lnSpc>
-                <a:spcPct val="90000"/>
-              </a:lnSpc>
-              <a:spcBef>
-                <a:spcPts val="1000"/>
-              </a:spcBef>
-              <a:buFont typeface="Arial" panose="020B0604020202020204" pitchFamily="34" charset="0"/>
-              <a:buNone/>
-              <a:defRPr sz="2400" kern="1200">
-                <a:solidFill>
-                  <a:schemeClr val="tx1"/>
-                </a:solidFill>
-                <a:latin typeface="+mn-lt"/>
-                <a:ea typeface="+mn-ea"/>
-                <a:cs typeface="+mn-cs"/>
-              </a:defRPr>
-            </a:lvl1pPr>
-            <a:lvl2pPr marL="457200" indent="0" algn="ctr" defTabSz="914400" rtl="0" eaLnBrk="1" latinLnBrk="0" hangingPunct="1">
-              <a:lnSpc>
-                <a:spcPct val="90000"/>
-              </a:lnSpc>
-              <a:spcBef>
-                <a:spcPts val="500"/>
-              </a:spcBef>
-              <a:buFont typeface="Arial" panose="020B0604020202020204" pitchFamily="34" charset="0"/>
-              <a:buNone/>
-              <a:defRPr sz="2000" kern="1200">
-                <a:solidFill>
-                  <a:schemeClr val="tx1"/>
-                </a:solidFill>
-                <a:latin typeface="+mn-lt"/>
-                <a:ea typeface="+mn-ea"/>
-                <a:cs typeface="+mn-cs"/>
-              </a:defRPr>
-            </a:lvl2pPr>
-            <a:lvl3pPr marL="914400" indent="0" algn="ctr" defTabSz="914400" rtl="0" eaLnBrk="1" latinLnBrk="0" hangingPunct="1">
-              <a:lnSpc>
-                <a:spcPct val="90000"/>
-              </a:lnSpc>
-              <a:spcBef>
-                <a:spcPts val="500"/>
-              </a:spcBef>
-              <a:buFont typeface="Arial" panose="020B0604020202020204" pitchFamily="34" charset="0"/>
-              <a:buNone/>
-              <a:defRPr sz="1800" kern="1200">
-                <a:solidFill>
-                  <a:schemeClr val="tx1"/>
-                </a:solidFill>
-                <a:latin typeface="+mn-lt"/>
-                <a:ea typeface="+mn-ea"/>
-                <a:cs typeface="+mn-cs"/>
-              </a:defRPr>
-            </a:lvl3pPr>
-            <a:lvl4pPr marL="1371600" indent="0" algn="ctr" defTabSz="914400" rtl="0" eaLnBrk="1" latinLnBrk="0" hangingPunct="1">
-              <a:lnSpc>
-                <a:spcPct val="90000"/>
-              </a:lnSpc>
-              <a:spcBef>
-                <a:spcPts val="500"/>
-              </a:spcBef>
-              <a:buFont typeface="Arial" panose="020B0604020202020204" pitchFamily="34" charset="0"/>
-              <a:buNone/>
-              <a:defRPr sz="1600" kern="1200">
-                <a:solidFill>
-                  <a:schemeClr val="tx1"/>
-                </a:solidFill>
-                <a:latin typeface="+mn-lt"/>
-                <a:ea typeface="+mn-ea"/>
-                <a:cs typeface="+mn-cs"/>
-              </a:defRPr>
-            </a:lvl4pPr>
-            <a:lvl5pPr marL="1828800" indent="0" algn="ctr" defTabSz="914400" rtl="0" eaLnBrk="1" latinLnBrk="0" hangingPunct="1">
-              <a:lnSpc>
-                <a:spcPct val="90000"/>
-              </a:lnSpc>
-              <a:spcBef>
-                <a:spcPts val="500"/>
-              </a:spcBef>
-              <a:buFont typeface="Arial" panose="020B0604020202020204" pitchFamily="34" charset="0"/>
-              <a:buNone/>
-              <a:defRPr sz="1600" kern="1200">
-                <a:solidFill>
-                  <a:schemeClr val="tx1"/>
-                </a:solidFill>
-                <a:latin typeface="+mn-lt"/>
-                <a:ea typeface="+mn-ea"/>
-                <a:cs typeface="+mn-cs"/>
-              </a:defRPr>
-            </a:lvl5pPr>
-            <a:lvl6pPr marL="2286000" indent="0" algn="ctr" defTabSz="914400" rtl="0" eaLnBrk="1" latinLnBrk="0" hangingPunct="1">
-              <a:lnSpc>
-                <a:spcPct val="90000"/>
-              </a:lnSpc>
-              <a:spcBef>
-                <a:spcPts val="500"/>
-              </a:spcBef>
-              <a:buFont typeface="Arial" panose="020B0604020202020204" pitchFamily="34" charset="0"/>
-              <a:buNone/>
-              <a:defRPr sz="1600" kern="1200">
-                <a:solidFill>
-                  <a:schemeClr val="tx1"/>
-                </a:solidFill>
-                <a:latin typeface="+mn-lt"/>
-                <a:ea typeface="+mn-ea"/>
-                <a:cs typeface="+mn-cs"/>
-              </a:defRPr>
-            </a:lvl6pPr>
-            <a:lvl7pPr marL="2743200" indent="0" algn="ctr" defTabSz="914400" rtl="0" eaLnBrk="1" latinLnBrk="0" hangingPunct="1">
-              <a:lnSpc>
-                <a:spcPct val="90000"/>
-              </a:lnSpc>
-              <a:spcBef>
-                <a:spcPts val="500"/>
-              </a:spcBef>
-              <a:buFont typeface="Arial" panose="020B0604020202020204" pitchFamily="34" charset="0"/>
-              <a:buNone/>
-              <a:defRPr sz="1600" kern="1200">
-                <a:solidFill>
-                  <a:schemeClr val="tx1"/>
-                </a:solidFill>
-                <a:latin typeface="+mn-lt"/>
-                <a:ea typeface="+mn-ea"/>
-                <a:cs typeface="+mn-cs"/>
-              </a:defRPr>
-            </a:lvl7pPr>
-            <a:lvl8pPr marL="3200400" indent="0" algn="ctr" defTabSz="914400" rtl="0" eaLnBrk="1" latinLnBrk="0" hangingPunct="1">
-              <a:lnSpc>
-                <a:spcPct val="90000"/>
-              </a:lnSpc>
-              <a:spcBef>
-                <a:spcPts val="500"/>
-              </a:spcBef>
-              <a:buFont typeface="Arial" panose="020B0604020202020204" pitchFamily="34" charset="0"/>
-              <a:buNone/>
-              <a:defRPr sz="1600" kern="1200">
-                <a:solidFill>
-                  <a:schemeClr val="tx1"/>
-                </a:solidFill>
-                <a:latin typeface="+mn-lt"/>
-                <a:ea typeface="+mn-ea"/>
-                <a:cs typeface="+mn-cs"/>
-              </a:defRPr>
-            </a:lvl8pPr>
-            <a:lvl9pPr marL="3657600" indent="0" algn="ctr" defTabSz="914400" rtl="0" eaLnBrk="1" latinLnBrk="0" hangingPunct="1">
-              <a:lnSpc>
-                <a:spcPct val="90000"/>
-              </a:lnSpc>
-              <a:spcBef>
-                <a:spcPts val="500"/>
-              </a:spcBef>
-              <a:buFont typeface="Arial" panose="020B0604020202020204" pitchFamily="34" charset="0"/>
-              <a:buNone/>
-              <a:defRPr sz="1600" kern="1200">
-                <a:solidFill>
-                  <a:schemeClr val="tx1"/>
-                </a:solidFill>
-                <a:latin typeface="+mn-lt"/>
-                <a:ea typeface="+mn-ea"/>
-                <a:cs typeface="+mn-cs"/>
-              </a:defRPr>
-            </a:lvl9pPr>
-          </a:lstStyle>
-          <a:p>
-            <a:r>
-              <a:rPr lang="es-AR" sz="3200" kern="100" dirty="0">
-                <a:latin typeface="Calibri" panose="020F0502020204030204" pitchFamily="34" charset="0"/>
-                <a:ea typeface="Calibri" panose="020F0502020204030204" pitchFamily="34" charset="0"/>
-                <a:cs typeface="Arial" panose="020B0604020202020204" pitchFamily="34" charset="0"/>
-              </a:rPr>
-              <a:t>Fecha 7</a:t>
-            </a:r>
-          </a:p>
-          <a:p>
-            <a:endParaRPr lang="es-AR" sz="5400" b="1" kern="100" dirty="0">
-              <a:latin typeface="Calibri" panose="020F0502020204030204" pitchFamily="34" charset="0"/>
-              <a:ea typeface="Calibri" panose="020F0502020204030204" pitchFamily="34" charset="0"/>
-              <a:cs typeface="Arial" panose="020B0604020202020204" pitchFamily="34" charset="0"/>
-            </a:endParaRPr>
-          </a:p>
-        </p:txBody>
-      </p:sp>
+        </p:grpSpPr>
+        <p:pic>
+          <p:nvPicPr>
+            <p:cNvPr id="5" name="Imagen 4" descr="Tabla&#10;&#10;Descripción generada automáticamente">
+              <a:extLst>
+                <a:ext uri="{FF2B5EF4-FFF2-40B4-BE49-F238E27FC236}">
+                  <a16:creationId xmlns:a16="http://schemas.microsoft.com/office/drawing/2014/main" id="{12814E47-3911-E4D1-58BA-353CA6899F0C}"/>
+                </a:ext>
+              </a:extLst>
+            </p:cNvPr>
+            <p:cNvPicPr>
+              <a:picLocks noChangeAspect="1"/>
+            </p:cNvPicPr>
+            <p:nvPr/>
+          </p:nvPicPr>
+          <p:blipFill rotWithShape="1">
+            <a:blip r:embed="rId2"/>
+            <a:srcRect r="10497"/>
+            <a:stretch/>
+          </p:blipFill>
+          <p:spPr>
+            <a:xfrm>
+              <a:off x="2106634" y="1110342"/>
+              <a:ext cx="7978729" cy="5427358"/>
+            </a:xfrm>
+            <a:prstGeom prst="rect">
+              <a:avLst/>
+            </a:prstGeom>
+          </p:spPr>
+        </p:pic>
+        <p:cxnSp>
+          <p:nvCxnSpPr>
+            <p:cNvPr id="3" name="Conector recto 2">
+              <a:extLst>
+                <a:ext uri="{FF2B5EF4-FFF2-40B4-BE49-F238E27FC236}">
+                  <a16:creationId xmlns:a16="http://schemas.microsoft.com/office/drawing/2014/main" id="{FB05389B-E956-1FE8-FCFF-E4379418FF57}"/>
+                </a:ext>
+              </a:extLst>
+            </p:cNvPr>
+            <p:cNvCxnSpPr>
+              <a:cxnSpLocks/>
+            </p:cNvCxnSpPr>
+            <p:nvPr/>
+          </p:nvCxnSpPr>
+          <p:spPr>
+            <a:xfrm>
+              <a:off x="10085363" y="1138238"/>
+              <a:ext cx="0" cy="5355431"/>
+            </a:xfrm>
+            <a:prstGeom prst="line">
+              <a:avLst/>
+            </a:prstGeom>
+          </p:spPr>
+          <p:style>
+            <a:lnRef idx="2">
+              <a:schemeClr val="dk1"/>
+            </a:lnRef>
+            <a:fillRef idx="0">
+              <a:schemeClr val="dk1"/>
+            </a:fillRef>
+            <a:effectRef idx="1">
+              <a:schemeClr val="dk1"/>
+            </a:effectRef>
+            <a:fontRef idx="minor">
+              <a:schemeClr val="tx1"/>
+            </a:fontRef>
+          </p:style>
+        </p:cxnSp>
+      </p:grpSp>
     </p:spTree>
     <p:extLst>
       <p:ext uri="{BB962C8B-B14F-4D97-AF65-F5344CB8AC3E}">
-        <p14:creationId xmlns:p14="http://schemas.microsoft.com/office/powerpoint/2010/main" val="4105214199"/>
+        <p14:creationId xmlns:p14="http://schemas.microsoft.com/office/powerpoint/2010/main" val="2699466290"/>
       </p:ext>
     </p:extLst>
   </p:cSld>
